--- a/COVID-19_Presentation_DRAFT.pptx
+++ b/COVID-19_Presentation_DRAFT.pptx
@@ -5,27 +5,33 @@
     <p:sldMasterId id="2147483648" r:id="rId1"/>
   </p:sldMasterIdLst>
   <p:notesMasterIdLst>
-    <p:notesMasterId r:id="rId20"/>
+    <p:notesMasterId r:id="rId26"/>
   </p:notesMasterIdLst>
   <p:sldIdLst>
     <p:sldId id="256" r:id="rId2"/>
     <p:sldId id="257" r:id="rId3"/>
     <p:sldId id="258" r:id="rId4"/>
-    <p:sldId id="261" r:id="rId5"/>
-    <p:sldId id="262" r:id="rId6"/>
-    <p:sldId id="264" r:id="rId7"/>
-    <p:sldId id="265" r:id="rId8"/>
-    <p:sldId id="266" r:id="rId9"/>
-    <p:sldId id="268" r:id="rId10"/>
-    <p:sldId id="269" r:id="rId11"/>
-    <p:sldId id="270" r:id="rId12"/>
-    <p:sldId id="271" r:id="rId13"/>
-    <p:sldId id="272" r:id="rId14"/>
-    <p:sldId id="273" r:id="rId15"/>
-    <p:sldId id="274" r:id="rId16"/>
-    <p:sldId id="275" r:id="rId17"/>
-    <p:sldId id="276" r:id="rId18"/>
-    <p:sldId id="260" r:id="rId19"/>
+    <p:sldId id="277" r:id="rId5"/>
+    <p:sldId id="261" r:id="rId6"/>
+    <p:sldId id="262" r:id="rId7"/>
+    <p:sldId id="264" r:id="rId8"/>
+    <p:sldId id="265" r:id="rId9"/>
+    <p:sldId id="266" r:id="rId10"/>
+    <p:sldId id="268" r:id="rId11"/>
+    <p:sldId id="269" r:id="rId12"/>
+    <p:sldId id="270" r:id="rId13"/>
+    <p:sldId id="271" r:id="rId14"/>
+    <p:sldId id="272" r:id="rId15"/>
+    <p:sldId id="273" r:id="rId16"/>
+    <p:sldId id="274" r:id="rId17"/>
+    <p:sldId id="275" r:id="rId18"/>
+    <p:sldId id="276" r:id="rId19"/>
+    <p:sldId id="280" r:id="rId20"/>
+    <p:sldId id="278" r:id="rId21"/>
+    <p:sldId id="279" r:id="rId22"/>
+    <p:sldId id="281" r:id="rId23"/>
+    <p:sldId id="282" r:id="rId24"/>
+    <p:sldId id="260" r:id="rId25"/>
   </p:sldIdLst>
   <p:sldSz cx="12192000" cy="6858000"/>
   <p:notesSz cx="6858000" cy="9144000"/>
@@ -132,6 +138,7 @@
             <p14:sldId id="256"/>
             <p14:sldId id="257"/>
             <p14:sldId id="258"/>
+            <p14:sldId id="277"/>
             <p14:sldId id="261"/>
             <p14:sldId id="262"/>
             <p14:sldId id="264"/>
@@ -146,10 +153,18 @@
             <p14:sldId id="274"/>
             <p14:sldId id="275"/>
             <p14:sldId id="276"/>
+            <p14:sldId id="280"/>
+            <p14:sldId id="278"/>
+            <p14:sldId id="279"/>
+            <p14:sldId id="281"/>
+            <p14:sldId id="282"/>
             <p14:sldId id="260"/>
           </p14:sldIdLst>
         </p14:section>
       </p14:sectionLst>
+    </p:ext>
+    <p:ext uri="{EFAFB233-063F-42B5-8137-9DF3F51BA10A}">
+      <p15:sldGuideLst xmlns:p15="http://schemas.microsoft.com/office/powerpoint/2012/main"/>
     </p:ext>
   </p:extLst>
 </p:presentation>
@@ -157,7 +172,7 @@
 
 <file path=ppt/commentAuthors.xml><?xml version="1.0" encoding="utf-8"?>
 <p:cmAuthorLst xmlns:a="http://schemas.openxmlformats.org/drawingml/2006/main" xmlns:r="http://schemas.openxmlformats.org/officeDocument/2006/relationships" xmlns:p="http://schemas.openxmlformats.org/presentationml/2006/main">
-  <p:cmAuthor id="1" name="Nina Anderson" initials="NA" lastIdx="1" clrIdx="0">
+  <p:cmAuthor id="1" name="Nina Anderson" initials="NA" lastIdx="2" clrIdx="0">
     <p:extLst>
       <p:ext uri="{19B8F6BF-5375-455C-9EA6-DF929625EA0E}">
         <p15:presenceInfo xmlns:p15="http://schemas.microsoft.com/office/powerpoint/2012/main" userId="2ba841d7adb5733f" providerId="Windows Live"/>
@@ -169,6 +184,20 @@
 
 <file path=ppt/comments/comment1.xml><?xml version="1.0" encoding="utf-8"?>
 <p:cmLst xmlns:a="http://schemas.openxmlformats.org/drawingml/2006/main" xmlns:r="http://schemas.openxmlformats.org/officeDocument/2006/relationships" xmlns:p="http://schemas.openxmlformats.org/presentationml/2006/main">
+  <p:cm authorId="1" dt="2020-12-27T16:34:39.064" idx="2">
+    <p:pos x="2274" y="1906"/>
+    <p:text>insert pictures of several countries with snapshot of rate fluctuations</p:text>
+    <p:extLst>
+      <p:ext uri="{C676402C-5697-4E1C-873F-D02D1690AC5C}">
+        <p15:threadingInfo xmlns:p15="http://schemas.microsoft.com/office/powerpoint/2012/main" timeZoneBias="300"/>
+      </p:ext>
+    </p:extLst>
+  </p:cm>
+</p:cmLst>
+</file>
+
+<file path=ppt/comments/comment2.xml><?xml version="1.0" encoding="utf-8"?>
+<p:cmLst xmlns:a="http://schemas.openxmlformats.org/drawingml/2006/main" xmlns:r="http://schemas.openxmlformats.org/officeDocument/2006/relationships" xmlns:p="http://schemas.openxmlformats.org/presentationml/2006/main">
   <p:cm authorId="1" dt="2020-12-21T07:36:33.333" idx="1">
     <p:pos x="2200" y="167"/>
     <p:text>Mir, Dan, Matt - Please let me know of any other websites from which you gathered info/data.</p:text>
@@ -179,6 +208,2971 @@
     </p:extLst>
   </p:cm>
 </p:cmLst>
+</file>
+
+<file path=ppt/diagrams/colors1.xml><?xml version="1.0" encoding="utf-8"?>
+<dgm:colorsDef xmlns:dgm="http://schemas.openxmlformats.org/drawingml/2006/diagram" xmlns:a="http://schemas.openxmlformats.org/drawingml/2006/main" uniqueId="urn:microsoft.com/office/officeart/2005/8/colors/accent1_2">
+  <dgm:title val=""/>
+  <dgm:desc val=""/>
+  <dgm:catLst>
+    <dgm:cat type="accent1" pri="11200"/>
+  </dgm:catLst>
+  <dgm:styleLbl name="node0">
+    <dgm:fillClrLst meth="repeat">
+      <a:schemeClr val="accent1"/>
+    </dgm:fillClrLst>
+    <dgm:linClrLst meth="repeat">
+      <a:schemeClr val="lt1"/>
+    </dgm:linClrLst>
+    <dgm:effectClrLst/>
+    <dgm:txLinClrLst/>
+    <dgm:txFillClrLst/>
+    <dgm:txEffectClrLst/>
+  </dgm:styleLbl>
+  <dgm:styleLbl name="alignNode1">
+    <dgm:fillClrLst meth="repeat">
+      <a:schemeClr val="accent1"/>
+    </dgm:fillClrLst>
+    <dgm:linClrLst meth="repeat">
+      <a:schemeClr val="accent1"/>
+    </dgm:linClrLst>
+    <dgm:effectClrLst/>
+    <dgm:txLinClrLst/>
+    <dgm:txFillClrLst/>
+    <dgm:txEffectClrLst/>
+  </dgm:styleLbl>
+  <dgm:styleLbl name="node1">
+    <dgm:fillClrLst meth="repeat">
+      <a:schemeClr val="accent1"/>
+    </dgm:fillClrLst>
+    <dgm:linClrLst meth="repeat">
+      <a:schemeClr val="lt1"/>
+    </dgm:linClrLst>
+    <dgm:effectClrLst/>
+    <dgm:txLinClrLst/>
+    <dgm:txFillClrLst/>
+    <dgm:txEffectClrLst/>
+  </dgm:styleLbl>
+  <dgm:styleLbl name="lnNode1">
+    <dgm:fillClrLst meth="repeat">
+      <a:schemeClr val="accent1"/>
+    </dgm:fillClrLst>
+    <dgm:linClrLst meth="repeat">
+      <a:schemeClr val="lt1"/>
+    </dgm:linClrLst>
+    <dgm:effectClrLst/>
+    <dgm:txLinClrLst/>
+    <dgm:txFillClrLst/>
+    <dgm:txEffectClrLst/>
+  </dgm:styleLbl>
+  <dgm:styleLbl name="vennNode1">
+    <dgm:fillClrLst meth="repeat">
+      <a:schemeClr val="accent1">
+        <a:alpha val="50000"/>
+      </a:schemeClr>
+    </dgm:fillClrLst>
+    <dgm:linClrLst meth="repeat">
+      <a:schemeClr val="lt1"/>
+    </dgm:linClrLst>
+    <dgm:effectClrLst/>
+    <dgm:txLinClrLst/>
+    <dgm:txFillClrLst/>
+    <dgm:txEffectClrLst/>
+  </dgm:styleLbl>
+  <dgm:styleLbl name="node2">
+    <dgm:fillClrLst meth="repeat">
+      <a:schemeClr val="accent1"/>
+    </dgm:fillClrLst>
+    <dgm:linClrLst meth="repeat">
+      <a:schemeClr val="lt1"/>
+    </dgm:linClrLst>
+    <dgm:effectClrLst/>
+    <dgm:txLinClrLst/>
+    <dgm:txFillClrLst/>
+    <dgm:txEffectClrLst/>
+  </dgm:styleLbl>
+  <dgm:styleLbl name="node3">
+    <dgm:fillClrLst meth="repeat">
+      <a:schemeClr val="accent1"/>
+    </dgm:fillClrLst>
+    <dgm:linClrLst meth="repeat">
+      <a:schemeClr val="lt1"/>
+    </dgm:linClrLst>
+    <dgm:effectClrLst/>
+    <dgm:txLinClrLst/>
+    <dgm:txFillClrLst/>
+    <dgm:txEffectClrLst/>
+  </dgm:styleLbl>
+  <dgm:styleLbl name="node4">
+    <dgm:fillClrLst meth="repeat">
+      <a:schemeClr val="accent1"/>
+    </dgm:fillClrLst>
+    <dgm:linClrLst meth="repeat">
+      <a:schemeClr val="lt1"/>
+    </dgm:linClrLst>
+    <dgm:effectClrLst/>
+    <dgm:txLinClrLst/>
+    <dgm:txFillClrLst/>
+    <dgm:txEffectClrLst/>
+  </dgm:styleLbl>
+  <dgm:styleLbl name="fgImgPlace1">
+    <dgm:fillClrLst meth="repeat">
+      <a:schemeClr val="accent1">
+        <a:tint val="50000"/>
+      </a:schemeClr>
+    </dgm:fillClrLst>
+    <dgm:linClrLst meth="repeat">
+      <a:schemeClr val="lt1"/>
+    </dgm:linClrLst>
+    <dgm:effectClrLst/>
+    <dgm:txLinClrLst/>
+    <dgm:txFillClrLst meth="repeat">
+      <a:schemeClr val="lt1"/>
+    </dgm:txFillClrLst>
+    <dgm:txEffectClrLst/>
+  </dgm:styleLbl>
+  <dgm:styleLbl name="alignImgPlace1">
+    <dgm:fillClrLst meth="repeat">
+      <a:schemeClr val="accent1">
+        <a:tint val="50000"/>
+      </a:schemeClr>
+    </dgm:fillClrLst>
+    <dgm:linClrLst meth="repeat">
+      <a:schemeClr val="lt1"/>
+    </dgm:linClrLst>
+    <dgm:effectClrLst/>
+    <dgm:txLinClrLst/>
+    <dgm:txFillClrLst meth="repeat">
+      <a:schemeClr val="lt1"/>
+    </dgm:txFillClrLst>
+    <dgm:txEffectClrLst/>
+  </dgm:styleLbl>
+  <dgm:styleLbl name="bgImgPlace1">
+    <dgm:fillClrLst meth="repeat">
+      <a:schemeClr val="accent1">
+        <a:tint val="50000"/>
+      </a:schemeClr>
+    </dgm:fillClrLst>
+    <dgm:linClrLst meth="repeat">
+      <a:schemeClr val="lt1"/>
+    </dgm:linClrLst>
+    <dgm:effectClrLst/>
+    <dgm:txLinClrLst/>
+    <dgm:txFillClrLst meth="repeat">
+      <a:schemeClr val="lt1"/>
+    </dgm:txFillClrLst>
+    <dgm:txEffectClrLst/>
+  </dgm:styleLbl>
+  <dgm:styleLbl name="sibTrans2D1">
+    <dgm:fillClrLst meth="repeat">
+      <a:schemeClr val="accent1">
+        <a:tint val="60000"/>
+      </a:schemeClr>
+    </dgm:fillClrLst>
+    <dgm:linClrLst meth="repeat">
+      <a:schemeClr val="accent1">
+        <a:tint val="60000"/>
+      </a:schemeClr>
+    </dgm:linClrLst>
+    <dgm:effectClrLst/>
+    <dgm:txLinClrLst/>
+    <dgm:txFillClrLst/>
+    <dgm:txEffectClrLst/>
+  </dgm:styleLbl>
+  <dgm:styleLbl name="fgSibTrans2D1">
+    <dgm:fillClrLst meth="repeat">
+      <a:schemeClr val="accent1">
+        <a:tint val="60000"/>
+      </a:schemeClr>
+    </dgm:fillClrLst>
+    <dgm:linClrLst meth="repeat">
+      <a:schemeClr val="accent1">
+        <a:tint val="60000"/>
+      </a:schemeClr>
+    </dgm:linClrLst>
+    <dgm:effectClrLst/>
+    <dgm:txLinClrLst/>
+    <dgm:txFillClrLst/>
+    <dgm:txEffectClrLst/>
+  </dgm:styleLbl>
+  <dgm:styleLbl name="bgSibTrans2D1">
+    <dgm:fillClrLst meth="repeat">
+      <a:schemeClr val="accent1">
+        <a:tint val="60000"/>
+      </a:schemeClr>
+    </dgm:fillClrLst>
+    <dgm:linClrLst meth="repeat">
+      <a:schemeClr val="accent1">
+        <a:tint val="60000"/>
+      </a:schemeClr>
+    </dgm:linClrLst>
+    <dgm:effectClrLst/>
+    <dgm:txLinClrLst/>
+    <dgm:txFillClrLst/>
+    <dgm:txEffectClrLst/>
+  </dgm:styleLbl>
+  <dgm:styleLbl name="sibTrans1D1">
+    <dgm:fillClrLst meth="repeat">
+      <a:schemeClr val="accent1"/>
+    </dgm:fillClrLst>
+    <dgm:linClrLst meth="repeat">
+      <a:schemeClr val="accent1"/>
+    </dgm:linClrLst>
+    <dgm:effectClrLst/>
+    <dgm:txLinClrLst/>
+    <dgm:txFillClrLst meth="repeat">
+      <a:schemeClr val="tx1"/>
+    </dgm:txFillClrLst>
+    <dgm:txEffectClrLst/>
+  </dgm:styleLbl>
+  <dgm:styleLbl name="callout">
+    <dgm:fillClrLst meth="repeat">
+      <a:schemeClr val="accent1"/>
+    </dgm:fillClrLst>
+    <dgm:linClrLst meth="repeat">
+      <a:schemeClr val="accent1">
+        <a:tint val="50000"/>
+      </a:schemeClr>
+    </dgm:linClrLst>
+    <dgm:effectClrLst/>
+    <dgm:txLinClrLst/>
+    <dgm:txFillClrLst meth="repeat">
+      <a:schemeClr val="tx1"/>
+    </dgm:txFillClrLst>
+    <dgm:txEffectClrLst/>
+  </dgm:styleLbl>
+  <dgm:styleLbl name="asst0">
+    <dgm:fillClrLst meth="repeat">
+      <a:schemeClr val="accent1"/>
+    </dgm:fillClrLst>
+    <dgm:linClrLst meth="repeat">
+      <a:schemeClr val="lt1"/>
+    </dgm:linClrLst>
+    <dgm:effectClrLst/>
+    <dgm:txLinClrLst/>
+    <dgm:txFillClrLst/>
+    <dgm:txEffectClrLst/>
+  </dgm:styleLbl>
+  <dgm:styleLbl name="asst1">
+    <dgm:fillClrLst meth="repeat">
+      <a:schemeClr val="accent1"/>
+    </dgm:fillClrLst>
+    <dgm:linClrLst meth="repeat">
+      <a:schemeClr val="lt1"/>
+    </dgm:linClrLst>
+    <dgm:effectClrLst/>
+    <dgm:txLinClrLst/>
+    <dgm:txFillClrLst/>
+    <dgm:txEffectClrLst/>
+  </dgm:styleLbl>
+  <dgm:styleLbl name="asst2">
+    <dgm:fillClrLst meth="repeat">
+      <a:schemeClr val="accent1"/>
+    </dgm:fillClrLst>
+    <dgm:linClrLst meth="repeat">
+      <a:schemeClr val="lt1"/>
+    </dgm:linClrLst>
+    <dgm:effectClrLst/>
+    <dgm:txLinClrLst/>
+    <dgm:txFillClrLst/>
+    <dgm:txEffectClrLst/>
+  </dgm:styleLbl>
+  <dgm:styleLbl name="asst3">
+    <dgm:fillClrLst meth="repeat">
+      <a:schemeClr val="accent1"/>
+    </dgm:fillClrLst>
+    <dgm:linClrLst meth="repeat">
+      <a:schemeClr val="lt1"/>
+    </dgm:linClrLst>
+    <dgm:effectClrLst/>
+    <dgm:txLinClrLst/>
+    <dgm:txFillClrLst/>
+    <dgm:txEffectClrLst/>
+  </dgm:styleLbl>
+  <dgm:styleLbl name="asst4">
+    <dgm:fillClrLst meth="repeat">
+      <a:schemeClr val="accent1"/>
+    </dgm:fillClrLst>
+    <dgm:linClrLst meth="repeat">
+      <a:schemeClr val="lt1"/>
+    </dgm:linClrLst>
+    <dgm:effectClrLst/>
+    <dgm:txLinClrLst/>
+    <dgm:txFillClrLst/>
+    <dgm:txEffectClrLst/>
+  </dgm:styleLbl>
+  <dgm:styleLbl name="parChTrans2D1">
+    <dgm:fillClrLst meth="repeat">
+      <a:schemeClr val="accent1">
+        <a:tint val="60000"/>
+      </a:schemeClr>
+    </dgm:fillClrLst>
+    <dgm:linClrLst meth="repeat">
+      <a:schemeClr val="accent1">
+        <a:tint val="60000"/>
+      </a:schemeClr>
+    </dgm:linClrLst>
+    <dgm:effectClrLst/>
+    <dgm:txLinClrLst/>
+    <dgm:txFillClrLst meth="repeat">
+      <a:schemeClr val="lt1"/>
+    </dgm:txFillClrLst>
+    <dgm:txEffectClrLst/>
+  </dgm:styleLbl>
+  <dgm:styleLbl name="parChTrans2D2">
+    <dgm:fillClrLst meth="repeat">
+      <a:schemeClr val="accent1"/>
+    </dgm:fillClrLst>
+    <dgm:linClrLst meth="repeat">
+      <a:schemeClr val="accent1"/>
+    </dgm:linClrLst>
+    <dgm:effectClrLst/>
+    <dgm:txLinClrLst/>
+    <dgm:txFillClrLst meth="repeat">
+      <a:schemeClr val="lt1"/>
+    </dgm:txFillClrLst>
+    <dgm:txEffectClrLst/>
+  </dgm:styleLbl>
+  <dgm:styleLbl name="parChTrans2D3">
+    <dgm:fillClrLst meth="repeat">
+      <a:schemeClr val="accent1"/>
+    </dgm:fillClrLst>
+    <dgm:linClrLst meth="repeat">
+      <a:schemeClr val="accent1"/>
+    </dgm:linClrLst>
+    <dgm:effectClrLst/>
+    <dgm:txLinClrLst/>
+    <dgm:txFillClrLst meth="repeat">
+      <a:schemeClr val="lt1"/>
+    </dgm:txFillClrLst>
+    <dgm:txEffectClrLst/>
+  </dgm:styleLbl>
+  <dgm:styleLbl name="parChTrans2D4">
+    <dgm:fillClrLst meth="repeat">
+      <a:schemeClr val="accent1"/>
+    </dgm:fillClrLst>
+    <dgm:linClrLst meth="repeat">
+      <a:schemeClr val="accent1"/>
+    </dgm:linClrLst>
+    <dgm:effectClrLst/>
+    <dgm:txLinClrLst/>
+    <dgm:txFillClrLst meth="repeat">
+      <a:schemeClr val="lt1"/>
+    </dgm:txFillClrLst>
+    <dgm:txEffectClrLst/>
+  </dgm:styleLbl>
+  <dgm:styleLbl name="parChTrans1D1">
+    <dgm:fillClrLst meth="repeat">
+      <a:schemeClr val="accent1"/>
+    </dgm:fillClrLst>
+    <dgm:linClrLst meth="repeat">
+      <a:schemeClr val="accent1">
+        <a:shade val="60000"/>
+      </a:schemeClr>
+    </dgm:linClrLst>
+    <dgm:effectClrLst/>
+    <dgm:txLinClrLst/>
+    <dgm:txFillClrLst meth="repeat">
+      <a:schemeClr val="tx1"/>
+    </dgm:txFillClrLst>
+    <dgm:txEffectClrLst/>
+  </dgm:styleLbl>
+  <dgm:styleLbl name="parChTrans1D2">
+    <dgm:fillClrLst meth="repeat">
+      <a:schemeClr val="accent1"/>
+    </dgm:fillClrLst>
+    <dgm:linClrLst meth="repeat">
+      <a:schemeClr val="accent1">
+        <a:shade val="60000"/>
+      </a:schemeClr>
+    </dgm:linClrLst>
+    <dgm:effectClrLst/>
+    <dgm:txLinClrLst/>
+    <dgm:txFillClrLst meth="repeat">
+      <a:schemeClr val="tx1"/>
+    </dgm:txFillClrLst>
+    <dgm:txEffectClrLst/>
+  </dgm:styleLbl>
+  <dgm:styleLbl name="parChTrans1D3">
+    <dgm:fillClrLst meth="repeat">
+      <a:schemeClr val="accent1"/>
+    </dgm:fillClrLst>
+    <dgm:linClrLst meth="repeat">
+      <a:schemeClr val="accent1">
+        <a:shade val="80000"/>
+      </a:schemeClr>
+    </dgm:linClrLst>
+    <dgm:effectClrLst/>
+    <dgm:txLinClrLst/>
+    <dgm:txFillClrLst meth="repeat">
+      <a:schemeClr val="tx1"/>
+    </dgm:txFillClrLst>
+    <dgm:txEffectClrLst/>
+  </dgm:styleLbl>
+  <dgm:styleLbl name="parChTrans1D4">
+    <dgm:fillClrLst meth="repeat">
+      <a:schemeClr val="accent1"/>
+    </dgm:fillClrLst>
+    <dgm:linClrLst meth="repeat">
+      <a:schemeClr val="accent1">
+        <a:shade val="80000"/>
+      </a:schemeClr>
+    </dgm:linClrLst>
+    <dgm:effectClrLst/>
+    <dgm:txLinClrLst/>
+    <dgm:txFillClrLst meth="repeat">
+      <a:schemeClr val="tx1"/>
+    </dgm:txFillClrLst>
+    <dgm:txEffectClrLst/>
+  </dgm:styleLbl>
+  <dgm:styleLbl name="fgAcc1">
+    <dgm:fillClrLst meth="repeat">
+      <a:schemeClr val="lt1">
+        <a:alpha val="90000"/>
+      </a:schemeClr>
+    </dgm:fillClrLst>
+    <dgm:linClrLst meth="repeat">
+      <a:schemeClr val="accent1"/>
+    </dgm:linClrLst>
+    <dgm:effectClrLst/>
+    <dgm:txLinClrLst/>
+    <dgm:txFillClrLst meth="repeat">
+      <a:schemeClr val="dk1"/>
+    </dgm:txFillClrLst>
+    <dgm:txEffectClrLst/>
+  </dgm:styleLbl>
+  <dgm:styleLbl name="conFgAcc1">
+    <dgm:fillClrLst meth="repeat">
+      <a:schemeClr val="lt1">
+        <a:alpha val="90000"/>
+      </a:schemeClr>
+    </dgm:fillClrLst>
+    <dgm:linClrLst meth="repeat">
+      <a:schemeClr val="accent1"/>
+    </dgm:linClrLst>
+    <dgm:effectClrLst/>
+    <dgm:txLinClrLst/>
+    <dgm:txFillClrLst meth="repeat">
+      <a:schemeClr val="dk1"/>
+    </dgm:txFillClrLst>
+    <dgm:txEffectClrLst/>
+  </dgm:styleLbl>
+  <dgm:styleLbl name="alignAcc1">
+    <dgm:fillClrLst meth="repeat">
+      <a:schemeClr val="lt1">
+        <a:alpha val="90000"/>
+      </a:schemeClr>
+    </dgm:fillClrLst>
+    <dgm:linClrLst meth="repeat">
+      <a:schemeClr val="accent1"/>
+    </dgm:linClrLst>
+    <dgm:effectClrLst/>
+    <dgm:txLinClrLst/>
+    <dgm:txFillClrLst meth="repeat">
+      <a:schemeClr val="dk1"/>
+    </dgm:txFillClrLst>
+    <dgm:txEffectClrLst/>
+  </dgm:styleLbl>
+  <dgm:styleLbl name="trAlignAcc1">
+    <dgm:fillClrLst meth="repeat">
+      <a:schemeClr val="lt1">
+        <a:alpha val="40000"/>
+      </a:schemeClr>
+    </dgm:fillClrLst>
+    <dgm:linClrLst meth="repeat">
+      <a:schemeClr val="accent1"/>
+    </dgm:linClrLst>
+    <dgm:effectClrLst/>
+    <dgm:txLinClrLst/>
+    <dgm:txFillClrLst meth="repeat">
+      <a:schemeClr val="dk1"/>
+    </dgm:txFillClrLst>
+    <dgm:txEffectClrLst/>
+  </dgm:styleLbl>
+  <dgm:styleLbl name="bgAcc1">
+    <dgm:fillClrLst meth="repeat">
+      <a:schemeClr val="lt1">
+        <a:alpha val="90000"/>
+      </a:schemeClr>
+    </dgm:fillClrLst>
+    <dgm:linClrLst meth="repeat">
+      <a:schemeClr val="accent1"/>
+    </dgm:linClrLst>
+    <dgm:effectClrLst/>
+    <dgm:txLinClrLst/>
+    <dgm:txFillClrLst meth="repeat">
+      <a:schemeClr val="dk1"/>
+    </dgm:txFillClrLst>
+    <dgm:txEffectClrLst/>
+  </dgm:styleLbl>
+  <dgm:styleLbl name="solidFgAcc1">
+    <dgm:fillClrLst meth="repeat">
+      <a:schemeClr val="lt1"/>
+    </dgm:fillClrLst>
+    <dgm:linClrLst meth="repeat">
+      <a:schemeClr val="accent1"/>
+    </dgm:linClrLst>
+    <dgm:effectClrLst/>
+    <dgm:txLinClrLst/>
+    <dgm:txFillClrLst meth="repeat">
+      <a:schemeClr val="dk1"/>
+    </dgm:txFillClrLst>
+    <dgm:txEffectClrLst/>
+  </dgm:styleLbl>
+  <dgm:styleLbl name="solidAlignAcc1">
+    <dgm:fillClrLst meth="repeat">
+      <a:schemeClr val="lt1"/>
+    </dgm:fillClrLst>
+    <dgm:linClrLst meth="repeat">
+      <a:schemeClr val="accent1"/>
+    </dgm:linClrLst>
+    <dgm:effectClrLst/>
+    <dgm:txLinClrLst/>
+    <dgm:txFillClrLst meth="repeat">
+      <a:schemeClr val="dk1"/>
+    </dgm:txFillClrLst>
+    <dgm:txEffectClrLst/>
+  </dgm:styleLbl>
+  <dgm:styleLbl name="solidBgAcc1">
+    <dgm:fillClrLst meth="repeat">
+      <a:schemeClr val="lt1"/>
+    </dgm:fillClrLst>
+    <dgm:linClrLst meth="repeat">
+      <a:schemeClr val="accent1"/>
+    </dgm:linClrLst>
+    <dgm:effectClrLst/>
+    <dgm:txLinClrLst/>
+    <dgm:txFillClrLst meth="repeat">
+      <a:schemeClr val="dk1"/>
+    </dgm:txFillClrLst>
+    <dgm:txEffectClrLst/>
+  </dgm:styleLbl>
+  <dgm:styleLbl name="fgAccFollowNode1">
+    <dgm:fillClrLst meth="repeat">
+      <a:schemeClr val="accent1">
+        <a:alpha val="90000"/>
+        <a:tint val="40000"/>
+      </a:schemeClr>
+    </dgm:fillClrLst>
+    <dgm:linClrLst meth="repeat">
+      <a:schemeClr val="accent1">
+        <a:alpha val="90000"/>
+        <a:tint val="40000"/>
+      </a:schemeClr>
+    </dgm:linClrLst>
+    <dgm:effectClrLst/>
+    <dgm:txLinClrLst/>
+    <dgm:txFillClrLst meth="repeat">
+      <a:schemeClr val="dk1"/>
+    </dgm:txFillClrLst>
+    <dgm:txEffectClrLst/>
+  </dgm:styleLbl>
+  <dgm:styleLbl name="alignAccFollowNode1">
+    <dgm:fillClrLst meth="repeat">
+      <a:schemeClr val="accent1">
+        <a:alpha val="90000"/>
+        <a:tint val="40000"/>
+      </a:schemeClr>
+    </dgm:fillClrLst>
+    <dgm:linClrLst meth="repeat">
+      <a:schemeClr val="accent1">
+        <a:alpha val="90000"/>
+        <a:tint val="40000"/>
+      </a:schemeClr>
+    </dgm:linClrLst>
+    <dgm:effectClrLst/>
+    <dgm:txLinClrLst/>
+    <dgm:txFillClrLst meth="repeat">
+      <a:schemeClr val="dk1"/>
+    </dgm:txFillClrLst>
+    <dgm:txEffectClrLst/>
+  </dgm:styleLbl>
+  <dgm:styleLbl name="bgAccFollowNode1">
+    <dgm:fillClrLst meth="repeat">
+      <a:schemeClr val="accent1">
+        <a:alpha val="90000"/>
+        <a:tint val="40000"/>
+      </a:schemeClr>
+    </dgm:fillClrLst>
+    <dgm:linClrLst meth="repeat">
+      <a:schemeClr val="accent1">
+        <a:alpha val="90000"/>
+        <a:tint val="40000"/>
+      </a:schemeClr>
+    </dgm:linClrLst>
+    <dgm:effectClrLst/>
+    <dgm:txLinClrLst/>
+    <dgm:txFillClrLst meth="repeat">
+      <a:schemeClr val="dk1"/>
+    </dgm:txFillClrLst>
+    <dgm:txEffectClrLst/>
+  </dgm:styleLbl>
+  <dgm:styleLbl name="fgAcc0">
+    <dgm:fillClrLst meth="repeat">
+      <a:schemeClr val="lt1">
+        <a:alpha val="90000"/>
+      </a:schemeClr>
+    </dgm:fillClrLst>
+    <dgm:linClrLst meth="repeat">
+      <a:schemeClr val="accent1"/>
+    </dgm:linClrLst>
+    <dgm:effectClrLst/>
+    <dgm:txLinClrLst/>
+    <dgm:txFillClrLst meth="repeat">
+      <a:schemeClr val="dk1"/>
+    </dgm:txFillClrLst>
+    <dgm:txEffectClrLst/>
+  </dgm:styleLbl>
+  <dgm:styleLbl name="fgAcc2">
+    <dgm:fillClrLst meth="repeat">
+      <a:schemeClr val="lt1">
+        <a:alpha val="90000"/>
+      </a:schemeClr>
+    </dgm:fillClrLst>
+    <dgm:linClrLst meth="repeat">
+      <a:schemeClr val="accent1"/>
+    </dgm:linClrLst>
+    <dgm:effectClrLst/>
+    <dgm:txLinClrLst/>
+    <dgm:txFillClrLst meth="repeat">
+      <a:schemeClr val="dk1"/>
+    </dgm:txFillClrLst>
+    <dgm:txEffectClrLst/>
+  </dgm:styleLbl>
+  <dgm:styleLbl name="fgAcc3">
+    <dgm:fillClrLst meth="repeat">
+      <a:schemeClr val="lt1">
+        <a:alpha val="90000"/>
+      </a:schemeClr>
+    </dgm:fillClrLst>
+    <dgm:linClrLst meth="repeat">
+      <a:schemeClr val="accent1"/>
+    </dgm:linClrLst>
+    <dgm:effectClrLst/>
+    <dgm:txLinClrLst/>
+    <dgm:txFillClrLst meth="repeat">
+      <a:schemeClr val="dk1"/>
+    </dgm:txFillClrLst>
+    <dgm:txEffectClrLst/>
+  </dgm:styleLbl>
+  <dgm:styleLbl name="fgAcc4">
+    <dgm:fillClrLst meth="repeat">
+      <a:schemeClr val="lt1">
+        <a:alpha val="90000"/>
+      </a:schemeClr>
+    </dgm:fillClrLst>
+    <dgm:linClrLst meth="repeat">
+      <a:schemeClr val="accent1"/>
+    </dgm:linClrLst>
+    <dgm:effectClrLst/>
+    <dgm:txLinClrLst/>
+    <dgm:txFillClrLst meth="repeat">
+      <a:schemeClr val="dk1"/>
+    </dgm:txFillClrLst>
+    <dgm:txEffectClrLst/>
+  </dgm:styleLbl>
+  <dgm:styleLbl name="bgShp">
+    <dgm:fillClrLst meth="repeat">
+      <a:schemeClr val="accent1">
+        <a:tint val="40000"/>
+      </a:schemeClr>
+    </dgm:fillClrLst>
+    <dgm:linClrLst meth="repeat">
+      <a:schemeClr val="accent1"/>
+    </dgm:linClrLst>
+    <dgm:effectClrLst/>
+    <dgm:txLinClrLst/>
+    <dgm:txFillClrLst meth="repeat">
+      <a:schemeClr val="dk1"/>
+    </dgm:txFillClrLst>
+    <dgm:txEffectClrLst/>
+  </dgm:styleLbl>
+  <dgm:styleLbl name="dkBgShp">
+    <dgm:fillClrLst meth="repeat">
+      <a:schemeClr val="accent1">
+        <a:shade val="80000"/>
+      </a:schemeClr>
+    </dgm:fillClrLst>
+    <dgm:linClrLst meth="repeat">
+      <a:schemeClr val="accent1"/>
+    </dgm:linClrLst>
+    <dgm:effectClrLst/>
+    <dgm:txLinClrLst/>
+    <dgm:txFillClrLst meth="repeat">
+      <a:schemeClr val="lt1"/>
+    </dgm:txFillClrLst>
+    <dgm:txEffectClrLst/>
+  </dgm:styleLbl>
+  <dgm:styleLbl name="trBgShp">
+    <dgm:fillClrLst meth="repeat">
+      <a:schemeClr val="accent1">
+        <a:tint val="50000"/>
+        <a:alpha val="40000"/>
+      </a:schemeClr>
+    </dgm:fillClrLst>
+    <dgm:linClrLst meth="repeat">
+      <a:schemeClr val="accent1"/>
+    </dgm:linClrLst>
+    <dgm:effectClrLst/>
+    <dgm:txLinClrLst/>
+    <dgm:txFillClrLst meth="repeat">
+      <a:schemeClr val="lt1"/>
+    </dgm:txFillClrLst>
+    <dgm:txEffectClrLst/>
+  </dgm:styleLbl>
+  <dgm:styleLbl name="fgShp">
+    <dgm:fillClrLst meth="repeat">
+      <a:schemeClr val="accent1">
+        <a:tint val="60000"/>
+      </a:schemeClr>
+    </dgm:fillClrLst>
+    <dgm:linClrLst meth="repeat">
+      <a:schemeClr val="lt1"/>
+    </dgm:linClrLst>
+    <dgm:effectClrLst/>
+    <dgm:txLinClrLst/>
+    <dgm:txFillClrLst meth="repeat">
+      <a:schemeClr val="dk1"/>
+    </dgm:txFillClrLst>
+    <dgm:txEffectClrLst/>
+  </dgm:styleLbl>
+  <dgm:styleLbl name="revTx">
+    <dgm:fillClrLst meth="repeat">
+      <a:schemeClr val="lt1">
+        <a:alpha val="0"/>
+      </a:schemeClr>
+    </dgm:fillClrLst>
+    <dgm:linClrLst meth="repeat">
+      <a:schemeClr val="dk1">
+        <a:alpha val="0"/>
+      </a:schemeClr>
+    </dgm:linClrLst>
+    <dgm:effectClrLst/>
+    <dgm:txLinClrLst/>
+    <dgm:txFillClrLst meth="repeat">
+      <a:schemeClr val="tx1"/>
+    </dgm:txFillClrLst>
+    <dgm:txEffectClrLst/>
+  </dgm:styleLbl>
+</dgm:colorsDef>
+</file>
+
+<file path=ppt/diagrams/data1.xml><?xml version="1.0" encoding="utf-8"?>
+<dgm:dataModel xmlns:dgm="http://schemas.openxmlformats.org/drawingml/2006/diagram" xmlns:a="http://schemas.openxmlformats.org/drawingml/2006/main">
+  <dgm:ptLst>
+    <dgm:pt modelId="{3F71A7D6-CD19-43CF-B2CD-0692E3B1E515}" type="doc">
+      <dgm:prSet loTypeId="urn:microsoft.com/office/officeart/2005/8/layout/process2" loCatId="process" qsTypeId="urn:microsoft.com/office/officeart/2005/8/quickstyle/simple1" qsCatId="simple" csTypeId="urn:microsoft.com/office/officeart/2005/8/colors/accent1_2" csCatId="accent1" phldr="1"/>
+      <dgm:spPr/>
+    </dgm:pt>
+    <dgm:pt modelId="{CC0D50BE-A96B-4BBB-850B-5A8C1227004E}">
+      <dgm:prSet phldrT="[Text]" custT="1"/>
+      <dgm:spPr/>
+      <dgm:t>
+        <a:bodyPr/>
+        <a:lstStyle/>
+        <a:p>
+          <a:r>
+            <a:rPr lang="en-US" sz="1600" dirty="0"/>
+            <a:t>Gather data needs to test hypothesis</a:t>
+          </a:r>
+          <a:br>
+            <a:rPr lang="en-US" sz="1600" dirty="0"/>
+          </a:br>
+          <a:r>
+            <a:rPr lang="en-US" sz="1600" dirty="0"/>
+            <a:t>(Cases, Population, Stringency)</a:t>
+          </a:r>
+        </a:p>
+      </dgm:t>
+    </dgm:pt>
+    <dgm:pt modelId="{2A639826-5E13-46A8-AC31-F7A8CFF59586}" type="parTrans" cxnId="{08DCC7E7-51B0-43CF-8369-98363B993DB1}">
+      <dgm:prSet/>
+      <dgm:spPr/>
+      <dgm:t>
+        <a:bodyPr/>
+        <a:lstStyle/>
+        <a:p>
+          <a:endParaRPr lang="en-US"/>
+        </a:p>
+      </dgm:t>
+    </dgm:pt>
+    <dgm:pt modelId="{237E71C8-9AEA-4833-89A7-7260C42589FC}" type="sibTrans" cxnId="{08DCC7E7-51B0-43CF-8369-98363B993DB1}">
+      <dgm:prSet/>
+      <dgm:spPr/>
+      <dgm:t>
+        <a:bodyPr/>
+        <a:lstStyle/>
+        <a:p>
+          <a:endParaRPr lang="en-US"/>
+        </a:p>
+      </dgm:t>
+    </dgm:pt>
+    <dgm:pt modelId="{5E78FCDC-915A-4812-BCDD-198B07F75F79}">
+      <dgm:prSet phldrT="[Text]" custT="1"/>
+      <dgm:spPr/>
+      <dgm:t>
+        <a:bodyPr/>
+        <a:lstStyle/>
+        <a:p>
+          <a:r>
+            <a:rPr lang="en-US" sz="1600" dirty="0"/>
+            <a:t>Store all data needs in a common, merged dataframe</a:t>
+          </a:r>
+        </a:p>
+      </dgm:t>
+    </dgm:pt>
+    <dgm:pt modelId="{8E72888A-99DE-40AD-B8F3-F38A7ACE6A1A}" type="parTrans" cxnId="{21DCA4FA-D24A-4D0E-9546-1905E59E6B8D}">
+      <dgm:prSet/>
+      <dgm:spPr/>
+      <dgm:t>
+        <a:bodyPr/>
+        <a:lstStyle/>
+        <a:p>
+          <a:endParaRPr lang="en-US"/>
+        </a:p>
+      </dgm:t>
+    </dgm:pt>
+    <dgm:pt modelId="{0A29E884-D71E-496D-8F88-A4727F499EAE}" type="sibTrans" cxnId="{21DCA4FA-D24A-4D0E-9546-1905E59E6B8D}">
+      <dgm:prSet/>
+      <dgm:spPr/>
+      <dgm:t>
+        <a:bodyPr/>
+        <a:lstStyle/>
+        <a:p>
+          <a:endParaRPr lang="en-US"/>
+        </a:p>
+      </dgm:t>
+    </dgm:pt>
+    <dgm:pt modelId="{DAA8E297-A495-4BAB-B200-7E75033F560E}">
+      <dgm:prSet phldrT="[Text]" custT="1"/>
+      <dgm:spPr/>
+      <dgm:t>
+        <a:bodyPr/>
+        <a:lstStyle/>
+        <a:p>
+          <a:r>
+            <a:rPr lang="en-US" sz="1600" dirty="0"/>
+            <a:t>Visualize data through country by country plots and graphs</a:t>
+          </a:r>
+        </a:p>
+      </dgm:t>
+    </dgm:pt>
+    <dgm:pt modelId="{885316FA-D03C-429E-ABE8-559A0B6A9303}" type="parTrans" cxnId="{20E9D5F1-445B-46AF-9C43-692CA20AEA89}">
+      <dgm:prSet/>
+      <dgm:spPr/>
+      <dgm:t>
+        <a:bodyPr/>
+        <a:lstStyle/>
+        <a:p>
+          <a:endParaRPr lang="en-US"/>
+        </a:p>
+      </dgm:t>
+    </dgm:pt>
+    <dgm:pt modelId="{E5CC5057-4C05-4DDA-8ADE-D184B5368619}" type="sibTrans" cxnId="{20E9D5F1-445B-46AF-9C43-692CA20AEA89}">
+      <dgm:prSet/>
+      <dgm:spPr/>
+      <dgm:t>
+        <a:bodyPr/>
+        <a:lstStyle/>
+        <a:p>
+          <a:endParaRPr lang="en-US"/>
+        </a:p>
+      </dgm:t>
+    </dgm:pt>
+    <dgm:pt modelId="{3B877CCD-56FB-4A0B-A523-4D14ADF9A03B}">
+      <dgm:prSet phldrT="[Text]" custT="1"/>
+      <dgm:spPr/>
+      <dgm:t>
+        <a:bodyPr/>
+        <a:lstStyle/>
+        <a:p>
+          <a:r>
+            <a:rPr lang="en-US" sz="1600" dirty="0"/>
+            <a:t>Explore statistical analysis</a:t>
+          </a:r>
+          <a:br>
+            <a:rPr lang="en-US" sz="1600" dirty="0"/>
+          </a:br>
+          <a:r>
+            <a:rPr lang="en-US" sz="1600" dirty="0"/>
+            <a:t>(if viable given the data)</a:t>
+          </a:r>
+        </a:p>
+      </dgm:t>
+    </dgm:pt>
+    <dgm:pt modelId="{CF8BE9B8-6737-4719-AEE2-85D8384D30AA}" type="parTrans" cxnId="{E539EC00-E22C-47CD-9063-AF178BB632D9}">
+      <dgm:prSet/>
+      <dgm:spPr/>
+      <dgm:t>
+        <a:bodyPr/>
+        <a:lstStyle/>
+        <a:p>
+          <a:endParaRPr lang="en-US"/>
+        </a:p>
+      </dgm:t>
+    </dgm:pt>
+    <dgm:pt modelId="{AA91E6FA-FD21-4157-B122-9B1313443471}" type="sibTrans" cxnId="{E539EC00-E22C-47CD-9063-AF178BB632D9}">
+      <dgm:prSet/>
+      <dgm:spPr/>
+      <dgm:t>
+        <a:bodyPr/>
+        <a:lstStyle/>
+        <a:p>
+          <a:endParaRPr lang="en-US"/>
+        </a:p>
+      </dgm:t>
+    </dgm:pt>
+    <dgm:pt modelId="{7B3623B6-DEC9-4911-872E-1556AF28C0BF}">
+      <dgm:prSet phldrT="[Text]" custT="1"/>
+      <dgm:spPr>
+        <a:solidFill>
+          <a:schemeClr val="accent1">
+            <a:lumMod val="50000"/>
+          </a:schemeClr>
+        </a:solidFill>
+      </dgm:spPr>
+      <dgm:t>
+        <a:bodyPr/>
+        <a:lstStyle/>
+        <a:p>
+          <a:r>
+            <a:rPr lang="en-US" sz="1600" dirty="0"/>
+            <a:t>Arrive at and conclude on final set of insights in support of or not in support of hypothesis</a:t>
+          </a:r>
+        </a:p>
+      </dgm:t>
+    </dgm:pt>
+    <dgm:pt modelId="{12D8697A-175E-4C8D-AD8B-E4BBC9520349}" type="parTrans" cxnId="{B3D4CF94-4CBF-44F6-87E5-C2E721682F49}">
+      <dgm:prSet/>
+      <dgm:spPr/>
+      <dgm:t>
+        <a:bodyPr/>
+        <a:lstStyle/>
+        <a:p>
+          <a:endParaRPr lang="en-US"/>
+        </a:p>
+      </dgm:t>
+    </dgm:pt>
+    <dgm:pt modelId="{800C338E-44E5-4FE8-80CE-A24490235A8B}" type="sibTrans" cxnId="{B3D4CF94-4CBF-44F6-87E5-C2E721682F49}">
+      <dgm:prSet/>
+      <dgm:spPr/>
+      <dgm:t>
+        <a:bodyPr/>
+        <a:lstStyle/>
+        <a:p>
+          <a:endParaRPr lang="en-US"/>
+        </a:p>
+      </dgm:t>
+    </dgm:pt>
+    <dgm:pt modelId="{26904FFB-1404-4707-8A22-90C2E0D71E9A}" type="pres">
+      <dgm:prSet presAssocID="{3F71A7D6-CD19-43CF-B2CD-0692E3B1E515}" presName="linearFlow" presStyleCnt="0">
+        <dgm:presLayoutVars>
+          <dgm:resizeHandles val="exact"/>
+        </dgm:presLayoutVars>
+      </dgm:prSet>
+      <dgm:spPr/>
+    </dgm:pt>
+    <dgm:pt modelId="{C02C7576-C354-4233-9167-7565279061A0}" type="pres">
+      <dgm:prSet presAssocID="{CC0D50BE-A96B-4BBB-850B-5A8C1227004E}" presName="node" presStyleLbl="node1" presStyleIdx="0" presStyleCnt="5" custScaleX="131218">
+        <dgm:presLayoutVars>
+          <dgm:bulletEnabled val="1"/>
+        </dgm:presLayoutVars>
+      </dgm:prSet>
+      <dgm:spPr/>
+    </dgm:pt>
+    <dgm:pt modelId="{F49EB380-0FF2-4BA8-8E4C-4FD4D2D70D43}" type="pres">
+      <dgm:prSet presAssocID="{237E71C8-9AEA-4833-89A7-7260C42589FC}" presName="sibTrans" presStyleLbl="sibTrans2D1" presStyleIdx="0" presStyleCnt="4"/>
+      <dgm:spPr/>
+    </dgm:pt>
+    <dgm:pt modelId="{9FFA76E6-DA86-444D-8DFD-32572620FFFF}" type="pres">
+      <dgm:prSet presAssocID="{237E71C8-9AEA-4833-89A7-7260C42589FC}" presName="connectorText" presStyleLbl="sibTrans2D1" presStyleIdx="0" presStyleCnt="4"/>
+      <dgm:spPr/>
+    </dgm:pt>
+    <dgm:pt modelId="{2EAF83F0-3A7B-4BA4-A62D-1F8AE69A84D7}" type="pres">
+      <dgm:prSet presAssocID="{5E78FCDC-915A-4812-BCDD-198B07F75F79}" presName="node" presStyleLbl="node1" presStyleIdx="1" presStyleCnt="5" custScaleX="131218">
+        <dgm:presLayoutVars>
+          <dgm:bulletEnabled val="1"/>
+        </dgm:presLayoutVars>
+      </dgm:prSet>
+      <dgm:spPr/>
+    </dgm:pt>
+    <dgm:pt modelId="{0E2F8190-3C0E-4A19-9475-FD566E7ECCC7}" type="pres">
+      <dgm:prSet presAssocID="{0A29E884-D71E-496D-8F88-A4727F499EAE}" presName="sibTrans" presStyleLbl="sibTrans2D1" presStyleIdx="1" presStyleCnt="4"/>
+      <dgm:spPr/>
+    </dgm:pt>
+    <dgm:pt modelId="{D68228DD-5458-4C26-979D-374E81C78559}" type="pres">
+      <dgm:prSet presAssocID="{0A29E884-D71E-496D-8F88-A4727F499EAE}" presName="connectorText" presStyleLbl="sibTrans2D1" presStyleIdx="1" presStyleCnt="4"/>
+      <dgm:spPr/>
+    </dgm:pt>
+    <dgm:pt modelId="{FDD4D25E-D89B-4C44-931F-0370C4394241}" type="pres">
+      <dgm:prSet presAssocID="{DAA8E297-A495-4BAB-B200-7E75033F560E}" presName="node" presStyleLbl="node1" presStyleIdx="2" presStyleCnt="5" custScaleX="131218">
+        <dgm:presLayoutVars>
+          <dgm:bulletEnabled val="1"/>
+        </dgm:presLayoutVars>
+      </dgm:prSet>
+      <dgm:spPr/>
+    </dgm:pt>
+    <dgm:pt modelId="{6678AF47-CA24-49E0-856B-84AC12BB96A4}" type="pres">
+      <dgm:prSet presAssocID="{E5CC5057-4C05-4DDA-8ADE-D184B5368619}" presName="sibTrans" presStyleLbl="sibTrans2D1" presStyleIdx="2" presStyleCnt="4"/>
+      <dgm:spPr/>
+    </dgm:pt>
+    <dgm:pt modelId="{376F8B98-0376-4C09-A118-D0E15BACCEA8}" type="pres">
+      <dgm:prSet presAssocID="{E5CC5057-4C05-4DDA-8ADE-D184B5368619}" presName="connectorText" presStyleLbl="sibTrans2D1" presStyleIdx="2" presStyleCnt="4"/>
+      <dgm:spPr/>
+    </dgm:pt>
+    <dgm:pt modelId="{1AD36F85-BBD8-4AEF-A644-A809C0EADD60}" type="pres">
+      <dgm:prSet presAssocID="{3B877CCD-56FB-4A0B-A523-4D14ADF9A03B}" presName="node" presStyleLbl="node1" presStyleIdx="3" presStyleCnt="5" custScaleX="131218">
+        <dgm:presLayoutVars>
+          <dgm:bulletEnabled val="1"/>
+        </dgm:presLayoutVars>
+      </dgm:prSet>
+      <dgm:spPr/>
+    </dgm:pt>
+    <dgm:pt modelId="{C0AFEEF5-374F-40D3-916C-E5B2F0F2FFE5}" type="pres">
+      <dgm:prSet presAssocID="{AA91E6FA-FD21-4157-B122-9B1313443471}" presName="sibTrans" presStyleLbl="sibTrans2D1" presStyleIdx="3" presStyleCnt="4"/>
+      <dgm:spPr/>
+    </dgm:pt>
+    <dgm:pt modelId="{3E68EA61-4924-4B2C-BBC7-AC7DC8CC807F}" type="pres">
+      <dgm:prSet presAssocID="{AA91E6FA-FD21-4157-B122-9B1313443471}" presName="connectorText" presStyleLbl="sibTrans2D1" presStyleIdx="3" presStyleCnt="4"/>
+      <dgm:spPr/>
+    </dgm:pt>
+    <dgm:pt modelId="{3B13D7F2-E1F9-4683-9C32-C528A44D96C7}" type="pres">
+      <dgm:prSet presAssocID="{7B3623B6-DEC9-4911-872E-1556AF28C0BF}" presName="node" presStyleLbl="node1" presStyleIdx="4" presStyleCnt="5" custScaleX="131218">
+        <dgm:presLayoutVars>
+          <dgm:bulletEnabled val="1"/>
+        </dgm:presLayoutVars>
+      </dgm:prSet>
+      <dgm:spPr/>
+    </dgm:pt>
+  </dgm:ptLst>
+  <dgm:cxnLst>
+    <dgm:cxn modelId="{E539EC00-E22C-47CD-9063-AF178BB632D9}" srcId="{3F71A7D6-CD19-43CF-B2CD-0692E3B1E515}" destId="{3B877CCD-56FB-4A0B-A523-4D14ADF9A03B}" srcOrd="3" destOrd="0" parTransId="{CF8BE9B8-6737-4719-AEE2-85D8384D30AA}" sibTransId="{AA91E6FA-FD21-4157-B122-9B1313443471}"/>
+    <dgm:cxn modelId="{C6B1B202-B550-4E07-AD4A-AFC0CE43F20B}" type="presOf" srcId="{237E71C8-9AEA-4833-89A7-7260C42589FC}" destId="{F49EB380-0FF2-4BA8-8E4C-4FD4D2D70D43}" srcOrd="0" destOrd="0" presId="urn:microsoft.com/office/officeart/2005/8/layout/process2"/>
+    <dgm:cxn modelId="{8BF01805-E3B9-45D3-911E-7C6B293EDA7A}" type="presOf" srcId="{E5CC5057-4C05-4DDA-8ADE-D184B5368619}" destId="{6678AF47-CA24-49E0-856B-84AC12BB96A4}" srcOrd="0" destOrd="0" presId="urn:microsoft.com/office/officeart/2005/8/layout/process2"/>
+    <dgm:cxn modelId="{A8D4CA10-089F-4786-86DA-DBB7985B71A0}" type="presOf" srcId="{7B3623B6-DEC9-4911-872E-1556AF28C0BF}" destId="{3B13D7F2-E1F9-4683-9C32-C528A44D96C7}" srcOrd="0" destOrd="0" presId="urn:microsoft.com/office/officeart/2005/8/layout/process2"/>
+    <dgm:cxn modelId="{E98ED015-C36A-4FAB-9BCD-D52A127EE8AB}" type="presOf" srcId="{AA91E6FA-FD21-4157-B122-9B1313443471}" destId="{3E68EA61-4924-4B2C-BBC7-AC7DC8CC807F}" srcOrd="1" destOrd="0" presId="urn:microsoft.com/office/officeart/2005/8/layout/process2"/>
+    <dgm:cxn modelId="{E4F5661F-0802-411A-8249-F198B1602E01}" type="presOf" srcId="{AA91E6FA-FD21-4157-B122-9B1313443471}" destId="{C0AFEEF5-374F-40D3-916C-E5B2F0F2FFE5}" srcOrd="0" destOrd="0" presId="urn:microsoft.com/office/officeart/2005/8/layout/process2"/>
+    <dgm:cxn modelId="{60892E84-F418-467D-B4A1-096B1F2E2DE7}" type="presOf" srcId="{3B877CCD-56FB-4A0B-A523-4D14ADF9A03B}" destId="{1AD36F85-BBD8-4AEF-A644-A809C0EADD60}" srcOrd="0" destOrd="0" presId="urn:microsoft.com/office/officeart/2005/8/layout/process2"/>
+    <dgm:cxn modelId="{58D5278E-40BD-455C-931F-C6FF3884EF7D}" type="presOf" srcId="{3F71A7D6-CD19-43CF-B2CD-0692E3B1E515}" destId="{26904FFB-1404-4707-8A22-90C2E0D71E9A}" srcOrd="0" destOrd="0" presId="urn:microsoft.com/office/officeart/2005/8/layout/process2"/>
+    <dgm:cxn modelId="{B3D4CF94-4CBF-44F6-87E5-C2E721682F49}" srcId="{3F71A7D6-CD19-43CF-B2CD-0692E3B1E515}" destId="{7B3623B6-DEC9-4911-872E-1556AF28C0BF}" srcOrd="4" destOrd="0" parTransId="{12D8697A-175E-4C8D-AD8B-E4BBC9520349}" sibTransId="{800C338E-44E5-4FE8-80CE-A24490235A8B}"/>
+    <dgm:cxn modelId="{096A979E-02CA-4756-AEAD-B319B90ADA61}" type="presOf" srcId="{0A29E884-D71E-496D-8F88-A4727F499EAE}" destId="{D68228DD-5458-4C26-979D-374E81C78559}" srcOrd="1" destOrd="0" presId="urn:microsoft.com/office/officeart/2005/8/layout/process2"/>
+    <dgm:cxn modelId="{1E229B9E-468F-4E09-A345-4CF0C5F7BC5F}" type="presOf" srcId="{CC0D50BE-A96B-4BBB-850B-5A8C1227004E}" destId="{C02C7576-C354-4233-9167-7565279061A0}" srcOrd="0" destOrd="0" presId="urn:microsoft.com/office/officeart/2005/8/layout/process2"/>
+    <dgm:cxn modelId="{9F6827A6-5D36-428A-8703-E7E44F0FE565}" type="presOf" srcId="{DAA8E297-A495-4BAB-B200-7E75033F560E}" destId="{FDD4D25E-D89B-4C44-931F-0370C4394241}" srcOrd="0" destOrd="0" presId="urn:microsoft.com/office/officeart/2005/8/layout/process2"/>
+    <dgm:cxn modelId="{38BB08D2-73EE-4481-9242-992FD69B3029}" type="presOf" srcId="{237E71C8-9AEA-4833-89A7-7260C42589FC}" destId="{9FFA76E6-DA86-444D-8DFD-32572620FFFF}" srcOrd="1" destOrd="0" presId="urn:microsoft.com/office/officeart/2005/8/layout/process2"/>
+    <dgm:cxn modelId="{76F691D2-96F9-4AAD-AC58-A6AE8834A93B}" type="presOf" srcId="{0A29E884-D71E-496D-8F88-A4727F499EAE}" destId="{0E2F8190-3C0E-4A19-9475-FD566E7ECCC7}" srcOrd="0" destOrd="0" presId="urn:microsoft.com/office/officeart/2005/8/layout/process2"/>
+    <dgm:cxn modelId="{8C453FD3-AEBC-4F34-923C-A21DBF5B0B2B}" type="presOf" srcId="{E5CC5057-4C05-4DDA-8ADE-D184B5368619}" destId="{376F8B98-0376-4C09-A118-D0E15BACCEA8}" srcOrd="1" destOrd="0" presId="urn:microsoft.com/office/officeart/2005/8/layout/process2"/>
+    <dgm:cxn modelId="{08DCC7E7-51B0-43CF-8369-98363B993DB1}" srcId="{3F71A7D6-CD19-43CF-B2CD-0692E3B1E515}" destId="{CC0D50BE-A96B-4BBB-850B-5A8C1227004E}" srcOrd="0" destOrd="0" parTransId="{2A639826-5E13-46A8-AC31-F7A8CFF59586}" sibTransId="{237E71C8-9AEA-4833-89A7-7260C42589FC}"/>
+    <dgm:cxn modelId="{20E9D5F1-445B-46AF-9C43-692CA20AEA89}" srcId="{3F71A7D6-CD19-43CF-B2CD-0692E3B1E515}" destId="{DAA8E297-A495-4BAB-B200-7E75033F560E}" srcOrd="2" destOrd="0" parTransId="{885316FA-D03C-429E-ABE8-559A0B6A9303}" sibTransId="{E5CC5057-4C05-4DDA-8ADE-D184B5368619}"/>
+    <dgm:cxn modelId="{537328F8-69F8-4506-91F3-E203B60D9D6D}" type="presOf" srcId="{5E78FCDC-915A-4812-BCDD-198B07F75F79}" destId="{2EAF83F0-3A7B-4BA4-A62D-1F8AE69A84D7}" srcOrd="0" destOrd="0" presId="urn:microsoft.com/office/officeart/2005/8/layout/process2"/>
+    <dgm:cxn modelId="{21DCA4FA-D24A-4D0E-9546-1905E59E6B8D}" srcId="{3F71A7D6-CD19-43CF-B2CD-0692E3B1E515}" destId="{5E78FCDC-915A-4812-BCDD-198B07F75F79}" srcOrd="1" destOrd="0" parTransId="{8E72888A-99DE-40AD-B8F3-F38A7ACE6A1A}" sibTransId="{0A29E884-D71E-496D-8F88-A4727F499EAE}"/>
+    <dgm:cxn modelId="{BD79F9E0-4540-4D53-838F-74E0FF1360EC}" type="presParOf" srcId="{26904FFB-1404-4707-8A22-90C2E0D71E9A}" destId="{C02C7576-C354-4233-9167-7565279061A0}" srcOrd="0" destOrd="0" presId="urn:microsoft.com/office/officeart/2005/8/layout/process2"/>
+    <dgm:cxn modelId="{21E75991-00F5-4CF0-A2BA-60CD101B33FD}" type="presParOf" srcId="{26904FFB-1404-4707-8A22-90C2E0D71E9A}" destId="{F49EB380-0FF2-4BA8-8E4C-4FD4D2D70D43}" srcOrd="1" destOrd="0" presId="urn:microsoft.com/office/officeart/2005/8/layout/process2"/>
+    <dgm:cxn modelId="{04D4F346-F3AC-42A6-8E61-120532508F0B}" type="presParOf" srcId="{F49EB380-0FF2-4BA8-8E4C-4FD4D2D70D43}" destId="{9FFA76E6-DA86-444D-8DFD-32572620FFFF}" srcOrd="0" destOrd="0" presId="urn:microsoft.com/office/officeart/2005/8/layout/process2"/>
+    <dgm:cxn modelId="{0DEFA629-8739-4F24-B1BE-A0346424D7F5}" type="presParOf" srcId="{26904FFB-1404-4707-8A22-90C2E0D71E9A}" destId="{2EAF83F0-3A7B-4BA4-A62D-1F8AE69A84D7}" srcOrd="2" destOrd="0" presId="urn:microsoft.com/office/officeart/2005/8/layout/process2"/>
+    <dgm:cxn modelId="{74EE166E-6D38-44AC-ABF5-3238CC36F3C3}" type="presParOf" srcId="{26904FFB-1404-4707-8A22-90C2E0D71E9A}" destId="{0E2F8190-3C0E-4A19-9475-FD566E7ECCC7}" srcOrd="3" destOrd="0" presId="urn:microsoft.com/office/officeart/2005/8/layout/process2"/>
+    <dgm:cxn modelId="{C3FC6065-4D85-454D-9595-A187B6A255DC}" type="presParOf" srcId="{0E2F8190-3C0E-4A19-9475-FD566E7ECCC7}" destId="{D68228DD-5458-4C26-979D-374E81C78559}" srcOrd="0" destOrd="0" presId="urn:microsoft.com/office/officeart/2005/8/layout/process2"/>
+    <dgm:cxn modelId="{81D85CAF-F84E-4859-93C2-F4E6900A2D3E}" type="presParOf" srcId="{26904FFB-1404-4707-8A22-90C2E0D71E9A}" destId="{FDD4D25E-D89B-4C44-931F-0370C4394241}" srcOrd="4" destOrd="0" presId="urn:microsoft.com/office/officeart/2005/8/layout/process2"/>
+    <dgm:cxn modelId="{190C3D08-4B46-4C07-8ECA-276519033F10}" type="presParOf" srcId="{26904FFB-1404-4707-8A22-90C2E0D71E9A}" destId="{6678AF47-CA24-49E0-856B-84AC12BB96A4}" srcOrd="5" destOrd="0" presId="urn:microsoft.com/office/officeart/2005/8/layout/process2"/>
+    <dgm:cxn modelId="{46E7BF73-4E37-4C7C-83CD-5768BC2F5BE8}" type="presParOf" srcId="{6678AF47-CA24-49E0-856B-84AC12BB96A4}" destId="{376F8B98-0376-4C09-A118-D0E15BACCEA8}" srcOrd="0" destOrd="0" presId="urn:microsoft.com/office/officeart/2005/8/layout/process2"/>
+    <dgm:cxn modelId="{8F868E5E-EFA4-4647-AA90-9EB23FE3DF5C}" type="presParOf" srcId="{26904FFB-1404-4707-8A22-90C2E0D71E9A}" destId="{1AD36F85-BBD8-4AEF-A644-A809C0EADD60}" srcOrd="6" destOrd="0" presId="urn:microsoft.com/office/officeart/2005/8/layout/process2"/>
+    <dgm:cxn modelId="{0EB235E1-90D6-4417-8297-D51C3005246A}" type="presParOf" srcId="{26904FFB-1404-4707-8A22-90C2E0D71E9A}" destId="{C0AFEEF5-374F-40D3-916C-E5B2F0F2FFE5}" srcOrd="7" destOrd="0" presId="urn:microsoft.com/office/officeart/2005/8/layout/process2"/>
+    <dgm:cxn modelId="{6BFCD53E-404A-4DF1-89FE-7E116A1FF3B0}" type="presParOf" srcId="{C0AFEEF5-374F-40D3-916C-E5B2F0F2FFE5}" destId="{3E68EA61-4924-4B2C-BBC7-AC7DC8CC807F}" srcOrd="0" destOrd="0" presId="urn:microsoft.com/office/officeart/2005/8/layout/process2"/>
+    <dgm:cxn modelId="{16546182-59BF-4108-BD72-41BD76C54B6D}" type="presParOf" srcId="{26904FFB-1404-4707-8A22-90C2E0D71E9A}" destId="{3B13D7F2-E1F9-4683-9C32-C528A44D96C7}" srcOrd="8" destOrd="0" presId="urn:microsoft.com/office/officeart/2005/8/layout/process2"/>
+  </dgm:cxnLst>
+  <dgm:bg/>
+  <dgm:whole/>
+  <dgm:extLst>
+    <a:ext uri="http://schemas.microsoft.com/office/drawing/2008/diagram">
+      <dsp:dataModelExt xmlns:dsp="http://schemas.microsoft.com/office/drawing/2008/diagram" relId="rId7" minVer="http://schemas.openxmlformats.org/drawingml/2006/diagram"/>
+    </a:ext>
+  </dgm:extLst>
+</dgm:dataModel>
+</file>
+
+<file path=ppt/diagrams/drawing1.xml><?xml version="1.0" encoding="utf-8"?>
+<dsp:drawing xmlns:dgm="http://schemas.openxmlformats.org/drawingml/2006/diagram" xmlns:dsp="http://schemas.microsoft.com/office/drawing/2008/diagram" xmlns:a="http://schemas.openxmlformats.org/drawingml/2006/main">
+  <dsp:spTree>
+    <dsp:nvGrpSpPr>
+      <dsp:cNvPr id="0" name=""/>
+      <dsp:cNvGrpSpPr/>
+    </dsp:nvGrpSpPr>
+    <dsp:grpSpPr/>
+    <dsp:sp modelId="{C02C7576-C354-4233-9167-7565279061A0}">
+      <dsp:nvSpPr>
+        <dsp:cNvPr id="0" name=""/>
+        <dsp:cNvSpPr/>
+      </dsp:nvSpPr>
+      <dsp:spPr>
+        <a:xfrm>
+          <a:off x="1561519" y="3306"/>
+          <a:ext cx="4058050" cy="773150"/>
+        </a:xfrm>
+        <a:prstGeom prst="roundRect">
+          <a:avLst>
+            <a:gd name="adj" fmla="val 10000"/>
+          </a:avLst>
+        </a:prstGeom>
+        <a:solidFill>
+          <a:schemeClr val="accent1">
+            <a:hueOff val="0"/>
+            <a:satOff val="0"/>
+            <a:lumOff val="0"/>
+            <a:alphaOff val="0"/>
+          </a:schemeClr>
+        </a:solidFill>
+        <a:ln w="12700" cap="flat" cmpd="sng" algn="ctr">
+          <a:solidFill>
+            <a:schemeClr val="lt1">
+              <a:hueOff val="0"/>
+              <a:satOff val="0"/>
+              <a:lumOff val="0"/>
+              <a:alphaOff val="0"/>
+            </a:schemeClr>
+          </a:solidFill>
+          <a:prstDash val="solid"/>
+          <a:miter lim="800000"/>
+        </a:ln>
+        <a:effectLst/>
+      </dsp:spPr>
+      <dsp:style>
+        <a:lnRef idx="2">
+          <a:scrgbClr r="0" g="0" b="0"/>
+        </a:lnRef>
+        <a:fillRef idx="1">
+          <a:scrgbClr r="0" g="0" b="0"/>
+        </a:fillRef>
+        <a:effectRef idx="0">
+          <a:scrgbClr r="0" g="0" b="0"/>
+        </a:effectRef>
+        <a:fontRef idx="minor">
+          <a:schemeClr val="lt1"/>
+        </a:fontRef>
+      </dsp:style>
+      <dsp:txBody>
+        <a:bodyPr spcFirstLastPara="0" vert="horz" wrap="square" lIns="60960" tIns="60960" rIns="60960" bIns="60960" numCol="1" spcCol="1270" anchor="ctr" anchorCtr="0">
+          <a:noAutofit/>
+        </a:bodyPr>
+        <a:lstStyle/>
+        <a:p>
+          <a:pPr marL="0" lvl="0" indent="0" algn="ctr" defTabSz="711200">
+            <a:lnSpc>
+              <a:spcPct val="90000"/>
+            </a:lnSpc>
+            <a:spcBef>
+              <a:spcPct val="0"/>
+            </a:spcBef>
+            <a:spcAft>
+              <a:spcPct val="35000"/>
+            </a:spcAft>
+            <a:buNone/>
+          </a:pPr>
+          <a:r>
+            <a:rPr lang="en-US" sz="1600" kern="1200" dirty="0"/>
+            <a:t>Gather data needs to test hypothesis</a:t>
+          </a:r>
+          <a:br>
+            <a:rPr lang="en-US" sz="1600" kern="1200" dirty="0"/>
+          </a:br>
+          <a:r>
+            <a:rPr lang="en-US" sz="1600" kern="1200" dirty="0"/>
+            <a:t>(Cases, Population, Stringency)</a:t>
+          </a:r>
+        </a:p>
+      </dsp:txBody>
+      <dsp:txXfrm>
+        <a:off x="1584164" y="25951"/>
+        <a:ext cx="4012760" cy="727860"/>
+      </dsp:txXfrm>
+    </dsp:sp>
+    <dsp:sp modelId="{F49EB380-0FF2-4BA8-8E4C-4FD4D2D70D43}">
+      <dsp:nvSpPr>
+        <dsp:cNvPr id="0" name=""/>
+        <dsp:cNvSpPr/>
+      </dsp:nvSpPr>
+      <dsp:spPr>
+        <a:xfrm rot="5400000">
+          <a:off x="3445579" y="795785"/>
+          <a:ext cx="289931" cy="347917"/>
+        </a:xfrm>
+        <a:prstGeom prst="rightArrow">
+          <a:avLst>
+            <a:gd name="adj1" fmla="val 60000"/>
+            <a:gd name="adj2" fmla="val 50000"/>
+          </a:avLst>
+        </a:prstGeom>
+        <a:solidFill>
+          <a:schemeClr val="accent1">
+            <a:tint val="60000"/>
+            <a:hueOff val="0"/>
+            <a:satOff val="0"/>
+            <a:lumOff val="0"/>
+            <a:alphaOff val="0"/>
+          </a:schemeClr>
+        </a:solidFill>
+        <a:ln>
+          <a:noFill/>
+        </a:ln>
+        <a:effectLst/>
+      </dsp:spPr>
+      <dsp:style>
+        <a:lnRef idx="0">
+          <a:scrgbClr r="0" g="0" b="0"/>
+        </a:lnRef>
+        <a:fillRef idx="1">
+          <a:scrgbClr r="0" g="0" b="0"/>
+        </a:fillRef>
+        <a:effectRef idx="0">
+          <a:scrgbClr r="0" g="0" b="0"/>
+        </a:effectRef>
+        <a:fontRef idx="minor">
+          <a:schemeClr val="lt1"/>
+        </a:fontRef>
+      </dsp:style>
+      <dsp:txBody>
+        <a:bodyPr spcFirstLastPara="0" vert="horz" wrap="square" lIns="0" tIns="0" rIns="0" bIns="0" numCol="1" spcCol="1270" anchor="ctr" anchorCtr="0">
+          <a:noAutofit/>
+        </a:bodyPr>
+        <a:lstStyle/>
+        <a:p>
+          <a:pPr marL="0" lvl="0" indent="0" algn="ctr" defTabSz="622300">
+            <a:lnSpc>
+              <a:spcPct val="90000"/>
+            </a:lnSpc>
+            <a:spcBef>
+              <a:spcPct val="0"/>
+            </a:spcBef>
+            <a:spcAft>
+              <a:spcPct val="35000"/>
+            </a:spcAft>
+            <a:buNone/>
+          </a:pPr>
+          <a:endParaRPr lang="en-US" sz="1400" kern="1200"/>
+        </a:p>
+      </dsp:txBody>
+      <dsp:txXfrm rot="-5400000">
+        <a:off x="3486170" y="824778"/>
+        <a:ext cx="208751" cy="202952"/>
+      </dsp:txXfrm>
+    </dsp:sp>
+    <dsp:sp modelId="{2EAF83F0-3A7B-4BA4-A62D-1F8AE69A84D7}">
+      <dsp:nvSpPr>
+        <dsp:cNvPr id="0" name=""/>
+        <dsp:cNvSpPr/>
+      </dsp:nvSpPr>
+      <dsp:spPr>
+        <a:xfrm>
+          <a:off x="1561519" y="1163032"/>
+          <a:ext cx="4058050" cy="773150"/>
+        </a:xfrm>
+        <a:prstGeom prst="roundRect">
+          <a:avLst>
+            <a:gd name="adj" fmla="val 10000"/>
+          </a:avLst>
+        </a:prstGeom>
+        <a:solidFill>
+          <a:schemeClr val="accent1">
+            <a:hueOff val="0"/>
+            <a:satOff val="0"/>
+            <a:lumOff val="0"/>
+            <a:alphaOff val="0"/>
+          </a:schemeClr>
+        </a:solidFill>
+        <a:ln w="12700" cap="flat" cmpd="sng" algn="ctr">
+          <a:solidFill>
+            <a:schemeClr val="lt1">
+              <a:hueOff val="0"/>
+              <a:satOff val="0"/>
+              <a:lumOff val="0"/>
+              <a:alphaOff val="0"/>
+            </a:schemeClr>
+          </a:solidFill>
+          <a:prstDash val="solid"/>
+          <a:miter lim="800000"/>
+        </a:ln>
+        <a:effectLst/>
+      </dsp:spPr>
+      <dsp:style>
+        <a:lnRef idx="2">
+          <a:scrgbClr r="0" g="0" b="0"/>
+        </a:lnRef>
+        <a:fillRef idx="1">
+          <a:scrgbClr r="0" g="0" b="0"/>
+        </a:fillRef>
+        <a:effectRef idx="0">
+          <a:scrgbClr r="0" g="0" b="0"/>
+        </a:effectRef>
+        <a:fontRef idx="minor">
+          <a:schemeClr val="lt1"/>
+        </a:fontRef>
+      </dsp:style>
+      <dsp:txBody>
+        <a:bodyPr spcFirstLastPara="0" vert="horz" wrap="square" lIns="60960" tIns="60960" rIns="60960" bIns="60960" numCol="1" spcCol="1270" anchor="ctr" anchorCtr="0">
+          <a:noAutofit/>
+        </a:bodyPr>
+        <a:lstStyle/>
+        <a:p>
+          <a:pPr marL="0" lvl="0" indent="0" algn="ctr" defTabSz="711200">
+            <a:lnSpc>
+              <a:spcPct val="90000"/>
+            </a:lnSpc>
+            <a:spcBef>
+              <a:spcPct val="0"/>
+            </a:spcBef>
+            <a:spcAft>
+              <a:spcPct val="35000"/>
+            </a:spcAft>
+            <a:buNone/>
+          </a:pPr>
+          <a:r>
+            <a:rPr lang="en-US" sz="1600" kern="1200" dirty="0"/>
+            <a:t>Store all data needs in a common, merged dataframe</a:t>
+          </a:r>
+        </a:p>
+      </dsp:txBody>
+      <dsp:txXfrm>
+        <a:off x="1584164" y="1185677"/>
+        <a:ext cx="4012760" cy="727860"/>
+      </dsp:txXfrm>
+    </dsp:sp>
+    <dsp:sp modelId="{0E2F8190-3C0E-4A19-9475-FD566E7ECCC7}">
+      <dsp:nvSpPr>
+        <dsp:cNvPr id="0" name=""/>
+        <dsp:cNvSpPr/>
+      </dsp:nvSpPr>
+      <dsp:spPr>
+        <a:xfrm rot="5400000">
+          <a:off x="3445579" y="1955511"/>
+          <a:ext cx="289931" cy="347917"/>
+        </a:xfrm>
+        <a:prstGeom prst="rightArrow">
+          <a:avLst>
+            <a:gd name="adj1" fmla="val 60000"/>
+            <a:gd name="adj2" fmla="val 50000"/>
+          </a:avLst>
+        </a:prstGeom>
+        <a:solidFill>
+          <a:schemeClr val="accent1">
+            <a:tint val="60000"/>
+            <a:hueOff val="0"/>
+            <a:satOff val="0"/>
+            <a:lumOff val="0"/>
+            <a:alphaOff val="0"/>
+          </a:schemeClr>
+        </a:solidFill>
+        <a:ln>
+          <a:noFill/>
+        </a:ln>
+        <a:effectLst/>
+      </dsp:spPr>
+      <dsp:style>
+        <a:lnRef idx="0">
+          <a:scrgbClr r="0" g="0" b="0"/>
+        </a:lnRef>
+        <a:fillRef idx="1">
+          <a:scrgbClr r="0" g="0" b="0"/>
+        </a:fillRef>
+        <a:effectRef idx="0">
+          <a:scrgbClr r="0" g="0" b="0"/>
+        </a:effectRef>
+        <a:fontRef idx="minor">
+          <a:schemeClr val="lt1"/>
+        </a:fontRef>
+      </dsp:style>
+      <dsp:txBody>
+        <a:bodyPr spcFirstLastPara="0" vert="horz" wrap="square" lIns="0" tIns="0" rIns="0" bIns="0" numCol="1" spcCol="1270" anchor="ctr" anchorCtr="0">
+          <a:noAutofit/>
+        </a:bodyPr>
+        <a:lstStyle/>
+        <a:p>
+          <a:pPr marL="0" lvl="0" indent="0" algn="ctr" defTabSz="622300">
+            <a:lnSpc>
+              <a:spcPct val="90000"/>
+            </a:lnSpc>
+            <a:spcBef>
+              <a:spcPct val="0"/>
+            </a:spcBef>
+            <a:spcAft>
+              <a:spcPct val="35000"/>
+            </a:spcAft>
+            <a:buNone/>
+          </a:pPr>
+          <a:endParaRPr lang="en-US" sz="1400" kern="1200"/>
+        </a:p>
+      </dsp:txBody>
+      <dsp:txXfrm rot="-5400000">
+        <a:off x="3486170" y="1984504"/>
+        <a:ext cx="208751" cy="202952"/>
+      </dsp:txXfrm>
+    </dsp:sp>
+    <dsp:sp modelId="{FDD4D25E-D89B-4C44-931F-0370C4394241}">
+      <dsp:nvSpPr>
+        <dsp:cNvPr id="0" name=""/>
+        <dsp:cNvSpPr/>
+      </dsp:nvSpPr>
+      <dsp:spPr>
+        <a:xfrm>
+          <a:off x="1561519" y="2322758"/>
+          <a:ext cx="4058050" cy="773150"/>
+        </a:xfrm>
+        <a:prstGeom prst="roundRect">
+          <a:avLst>
+            <a:gd name="adj" fmla="val 10000"/>
+          </a:avLst>
+        </a:prstGeom>
+        <a:solidFill>
+          <a:schemeClr val="accent1">
+            <a:hueOff val="0"/>
+            <a:satOff val="0"/>
+            <a:lumOff val="0"/>
+            <a:alphaOff val="0"/>
+          </a:schemeClr>
+        </a:solidFill>
+        <a:ln w="12700" cap="flat" cmpd="sng" algn="ctr">
+          <a:solidFill>
+            <a:schemeClr val="lt1">
+              <a:hueOff val="0"/>
+              <a:satOff val="0"/>
+              <a:lumOff val="0"/>
+              <a:alphaOff val="0"/>
+            </a:schemeClr>
+          </a:solidFill>
+          <a:prstDash val="solid"/>
+          <a:miter lim="800000"/>
+        </a:ln>
+        <a:effectLst/>
+      </dsp:spPr>
+      <dsp:style>
+        <a:lnRef idx="2">
+          <a:scrgbClr r="0" g="0" b="0"/>
+        </a:lnRef>
+        <a:fillRef idx="1">
+          <a:scrgbClr r="0" g="0" b="0"/>
+        </a:fillRef>
+        <a:effectRef idx="0">
+          <a:scrgbClr r="0" g="0" b="0"/>
+        </a:effectRef>
+        <a:fontRef idx="minor">
+          <a:schemeClr val="lt1"/>
+        </a:fontRef>
+      </dsp:style>
+      <dsp:txBody>
+        <a:bodyPr spcFirstLastPara="0" vert="horz" wrap="square" lIns="60960" tIns="60960" rIns="60960" bIns="60960" numCol="1" spcCol="1270" anchor="ctr" anchorCtr="0">
+          <a:noAutofit/>
+        </a:bodyPr>
+        <a:lstStyle/>
+        <a:p>
+          <a:pPr marL="0" lvl="0" indent="0" algn="ctr" defTabSz="711200">
+            <a:lnSpc>
+              <a:spcPct val="90000"/>
+            </a:lnSpc>
+            <a:spcBef>
+              <a:spcPct val="0"/>
+            </a:spcBef>
+            <a:spcAft>
+              <a:spcPct val="35000"/>
+            </a:spcAft>
+            <a:buNone/>
+          </a:pPr>
+          <a:r>
+            <a:rPr lang="en-US" sz="1600" kern="1200" dirty="0"/>
+            <a:t>Visualize data through country by country plots and graphs</a:t>
+          </a:r>
+        </a:p>
+      </dsp:txBody>
+      <dsp:txXfrm>
+        <a:off x="1584164" y="2345403"/>
+        <a:ext cx="4012760" cy="727860"/>
+      </dsp:txXfrm>
+    </dsp:sp>
+    <dsp:sp modelId="{6678AF47-CA24-49E0-856B-84AC12BB96A4}">
+      <dsp:nvSpPr>
+        <dsp:cNvPr id="0" name=""/>
+        <dsp:cNvSpPr/>
+      </dsp:nvSpPr>
+      <dsp:spPr>
+        <a:xfrm rot="5400000">
+          <a:off x="3445579" y="3115237"/>
+          <a:ext cx="289931" cy="347917"/>
+        </a:xfrm>
+        <a:prstGeom prst="rightArrow">
+          <a:avLst>
+            <a:gd name="adj1" fmla="val 60000"/>
+            <a:gd name="adj2" fmla="val 50000"/>
+          </a:avLst>
+        </a:prstGeom>
+        <a:solidFill>
+          <a:schemeClr val="accent1">
+            <a:tint val="60000"/>
+            <a:hueOff val="0"/>
+            <a:satOff val="0"/>
+            <a:lumOff val="0"/>
+            <a:alphaOff val="0"/>
+          </a:schemeClr>
+        </a:solidFill>
+        <a:ln>
+          <a:noFill/>
+        </a:ln>
+        <a:effectLst/>
+      </dsp:spPr>
+      <dsp:style>
+        <a:lnRef idx="0">
+          <a:scrgbClr r="0" g="0" b="0"/>
+        </a:lnRef>
+        <a:fillRef idx="1">
+          <a:scrgbClr r="0" g="0" b="0"/>
+        </a:fillRef>
+        <a:effectRef idx="0">
+          <a:scrgbClr r="0" g="0" b="0"/>
+        </a:effectRef>
+        <a:fontRef idx="minor">
+          <a:schemeClr val="lt1"/>
+        </a:fontRef>
+      </dsp:style>
+      <dsp:txBody>
+        <a:bodyPr spcFirstLastPara="0" vert="horz" wrap="square" lIns="0" tIns="0" rIns="0" bIns="0" numCol="1" spcCol="1270" anchor="ctr" anchorCtr="0">
+          <a:noAutofit/>
+        </a:bodyPr>
+        <a:lstStyle/>
+        <a:p>
+          <a:pPr marL="0" lvl="0" indent="0" algn="ctr" defTabSz="622300">
+            <a:lnSpc>
+              <a:spcPct val="90000"/>
+            </a:lnSpc>
+            <a:spcBef>
+              <a:spcPct val="0"/>
+            </a:spcBef>
+            <a:spcAft>
+              <a:spcPct val="35000"/>
+            </a:spcAft>
+            <a:buNone/>
+          </a:pPr>
+          <a:endParaRPr lang="en-US" sz="1400" kern="1200"/>
+        </a:p>
+      </dsp:txBody>
+      <dsp:txXfrm rot="-5400000">
+        <a:off x="3486170" y="3144230"/>
+        <a:ext cx="208751" cy="202952"/>
+      </dsp:txXfrm>
+    </dsp:sp>
+    <dsp:sp modelId="{1AD36F85-BBD8-4AEF-A644-A809C0EADD60}">
+      <dsp:nvSpPr>
+        <dsp:cNvPr id="0" name=""/>
+        <dsp:cNvSpPr/>
+      </dsp:nvSpPr>
+      <dsp:spPr>
+        <a:xfrm>
+          <a:off x="1561519" y="3482484"/>
+          <a:ext cx="4058050" cy="773150"/>
+        </a:xfrm>
+        <a:prstGeom prst="roundRect">
+          <a:avLst>
+            <a:gd name="adj" fmla="val 10000"/>
+          </a:avLst>
+        </a:prstGeom>
+        <a:solidFill>
+          <a:schemeClr val="accent1">
+            <a:hueOff val="0"/>
+            <a:satOff val="0"/>
+            <a:lumOff val="0"/>
+            <a:alphaOff val="0"/>
+          </a:schemeClr>
+        </a:solidFill>
+        <a:ln w="12700" cap="flat" cmpd="sng" algn="ctr">
+          <a:solidFill>
+            <a:schemeClr val="lt1">
+              <a:hueOff val="0"/>
+              <a:satOff val="0"/>
+              <a:lumOff val="0"/>
+              <a:alphaOff val="0"/>
+            </a:schemeClr>
+          </a:solidFill>
+          <a:prstDash val="solid"/>
+          <a:miter lim="800000"/>
+        </a:ln>
+        <a:effectLst/>
+      </dsp:spPr>
+      <dsp:style>
+        <a:lnRef idx="2">
+          <a:scrgbClr r="0" g="0" b="0"/>
+        </a:lnRef>
+        <a:fillRef idx="1">
+          <a:scrgbClr r="0" g="0" b="0"/>
+        </a:fillRef>
+        <a:effectRef idx="0">
+          <a:scrgbClr r="0" g="0" b="0"/>
+        </a:effectRef>
+        <a:fontRef idx="minor">
+          <a:schemeClr val="lt1"/>
+        </a:fontRef>
+      </dsp:style>
+      <dsp:txBody>
+        <a:bodyPr spcFirstLastPara="0" vert="horz" wrap="square" lIns="60960" tIns="60960" rIns="60960" bIns="60960" numCol="1" spcCol="1270" anchor="ctr" anchorCtr="0">
+          <a:noAutofit/>
+        </a:bodyPr>
+        <a:lstStyle/>
+        <a:p>
+          <a:pPr marL="0" lvl="0" indent="0" algn="ctr" defTabSz="711200">
+            <a:lnSpc>
+              <a:spcPct val="90000"/>
+            </a:lnSpc>
+            <a:spcBef>
+              <a:spcPct val="0"/>
+            </a:spcBef>
+            <a:spcAft>
+              <a:spcPct val="35000"/>
+            </a:spcAft>
+            <a:buNone/>
+          </a:pPr>
+          <a:r>
+            <a:rPr lang="en-US" sz="1600" kern="1200" dirty="0"/>
+            <a:t>Explore statistical analysis</a:t>
+          </a:r>
+          <a:br>
+            <a:rPr lang="en-US" sz="1600" kern="1200" dirty="0"/>
+          </a:br>
+          <a:r>
+            <a:rPr lang="en-US" sz="1600" kern="1200" dirty="0"/>
+            <a:t>(if viable given the data)</a:t>
+          </a:r>
+        </a:p>
+      </dsp:txBody>
+      <dsp:txXfrm>
+        <a:off x="1584164" y="3505129"/>
+        <a:ext cx="4012760" cy="727860"/>
+      </dsp:txXfrm>
+    </dsp:sp>
+    <dsp:sp modelId="{C0AFEEF5-374F-40D3-916C-E5B2F0F2FFE5}">
+      <dsp:nvSpPr>
+        <dsp:cNvPr id="0" name=""/>
+        <dsp:cNvSpPr/>
+      </dsp:nvSpPr>
+      <dsp:spPr>
+        <a:xfrm rot="5400000">
+          <a:off x="3445579" y="4274963"/>
+          <a:ext cx="289931" cy="347917"/>
+        </a:xfrm>
+        <a:prstGeom prst="rightArrow">
+          <a:avLst>
+            <a:gd name="adj1" fmla="val 60000"/>
+            <a:gd name="adj2" fmla="val 50000"/>
+          </a:avLst>
+        </a:prstGeom>
+        <a:solidFill>
+          <a:schemeClr val="accent1">
+            <a:tint val="60000"/>
+            <a:hueOff val="0"/>
+            <a:satOff val="0"/>
+            <a:lumOff val="0"/>
+            <a:alphaOff val="0"/>
+          </a:schemeClr>
+        </a:solidFill>
+        <a:ln>
+          <a:noFill/>
+        </a:ln>
+        <a:effectLst/>
+      </dsp:spPr>
+      <dsp:style>
+        <a:lnRef idx="0">
+          <a:scrgbClr r="0" g="0" b="0"/>
+        </a:lnRef>
+        <a:fillRef idx="1">
+          <a:scrgbClr r="0" g="0" b="0"/>
+        </a:fillRef>
+        <a:effectRef idx="0">
+          <a:scrgbClr r="0" g="0" b="0"/>
+        </a:effectRef>
+        <a:fontRef idx="minor">
+          <a:schemeClr val="lt1"/>
+        </a:fontRef>
+      </dsp:style>
+      <dsp:txBody>
+        <a:bodyPr spcFirstLastPara="0" vert="horz" wrap="square" lIns="0" tIns="0" rIns="0" bIns="0" numCol="1" spcCol="1270" anchor="ctr" anchorCtr="0">
+          <a:noAutofit/>
+        </a:bodyPr>
+        <a:lstStyle/>
+        <a:p>
+          <a:pPr marL="0" lvl="0" indent="0" algn="ctr" defTabSz="622300">
+            <a:lnSpc>
+              <a:spcPct val="90000"/>
+            </a:lnSpc>
+            <a:spcBef>
+              <a:spcPct val="0"/>
+            </a:spcBef>
+            <a:spcAft>
+              <a:spcPct val="35000"/>
+            </a:spcAft>
+            <a:buNone/>
+          </a:pPr>
+          <a:endParaRPr lang="en-US" sz="1400" kern="1200"/>
+        </a:p>
+      </dsp:txBody>
+      <dsp:txXfrm rot="-5400000">
+        <a:off x="3486170" y="4303956"/>
+        <a:ext cx="208751" cy="202952"/>
+      </dsp:txXfrm>
+    </dsp:sp>
+    <dsp:sp modelId="{3B13D7F2-E1F9-4683-9C32-C528A44D96C7}">
+      <dsp:nvSpPr>
+        <dsp:cNvPr id="0" name=""/>
+        <dsp:cNvSpPr/>
+      </dsp:nvSpPr>
+      <dsp:spPr>
+        <a:xfrm>
+          <a:off x="1561519" y="4642209"/>
+          <a:ext cx="4058050" cy="773150"/>
+        </a:xfrm>
+        <a:prstGeom prst="roundRect">
+          <a:avLst>
+            <a:gd name="adj" fmla="val 10000"/>
+          </a:avLst>
+        </a:prstGeom>
+        <a:solidFill>
+          <a:schemeClr val="accent1">
+            <a:lumMod val="50000"/>
+          </a:schemeClr>
+        </a:solidFill>
+        <a:ln w="12700" cap="flat" cmpd="sng" algn="ctr">
+          <a:solidFill>
+            <a:schemeClr val="lt1">
+              <a:hueOff val="0"/>
+              <a:satOff val="0"/>
+              <a:lumOff val="0"/>
+              <a:alphaOff val="0"/>
+            </a:schemeClr>
+          </a:solidFill>
+          <a:prstDash val="solid"/>
+          <a:miter lim="800000"/>
+        </a:ln>
+        <a:effectLst/>
+      </dsp:spPr>
+      <dsp:style>
+        <a:lnRef idx="2">
+          <a:scrgbClr r="0" g="0" b="0"/>
+        </a:lnRef>
+        <a:fillRef idx="1">
+          <a:scrgbClr r="0" g="0" b="0"/>
+        </a:fillRef>
+        <a:effectRef idx="0">
+          <a:scrgbClr r="0" g="0" b="0"/>
+        </a:effectRef>
+        <a:fontRef idx="minor">
+          <a:schemeClr val="lt1"/>
+        </a:fontRef>
+      </dsp:style>
+      <dsp:txBody>
+        <a:bodyPr spcFirstLastPara="0" vert="horz" wrap="square" lIns="60960" tIns="60960" rIns="60960" bIns="60960" numCol="1" spcCol="1270" anchor="ctr" anchorCtr="0">
+          <a:noAutofit/>
+        </a:bodyPr>
+        <a:lstStyle/>
+        <a:p>
+          <a:pPr marL="0" lvl="0" indent="0" algn="ctr" defTabSz="711200">
+            <a:lnSpc>
+              <a:spcPct val="90000"/>
+            </a:lnSpc>
+            <a:spcBef>
+              <a:spcPct val="0"/>
+            </a:spcBef>
+            <a:spcAft>
+              <a:spcPct val="35000"/>
+            </a:spcAft>
+            <a:buNone/>
+          </a:pPr>
+          <a:r>
+            <a:rPr lang="en-US" sz="1600" kern="1200" dirty="0"/>
+            <a:t>Arrive at and conclude on final set of insights in support of or not in support of hypothesis</a:t>
+          </a:r>
+        </a:p>
+      </dsp:txBody>
+      <dsp:txXfrm>
+        <a:off x="1584164" y="4664854"/>
+        <a:ext cx="4012760" cy="727860"/>
+      </dsp:txXfrm>
+    </dsp:sp>
+  </dsp:spTree>
+</dsp:drawing>
+</file>
+
+<file path=ppt/diagrams/layout1.xml><?xml version="1.0" encoding="utf-8"?>
+<dgm:layoutDef xmlns:dgm="http://schemas.openxmlformats.org/drawingml/2006/diagram" xmlns:a="http://schemas.openxmlformats.org/drawingml/2006/main" uniqueId="urn:microsoft.com/office/officeart/2005/8/layout/process2">
+  <dgm:title val=""/>
+  <dgm:desc val=""/>
+  <dgm:catLst>
+    <dgm:cat type="process" pri="13000"/>
+  </dgm:catLst>
+  <dgm:sampData useDef="1">
+    <dgm:dataModel>
+      <dgm:ptLst/>
+      <dgm:bg/>
+      <dgm:whole/>
+    </dgm:dataModel>
+  </dgm:sampData>
+  <dgm:styleData>
+    <dgm:dataModel>
+      <dgm:ptLst>
+        <dgm:pt modelId="0" type="doc"/>
+        <dgm:pt modelId="1"/>
+        <dgm:pt modelId="2"/>
+      </dgm:ptLst>
+      <dgm:cxnLst>
+        <dgm:cxn modelId="3" srcId="0" destId="1" srcOrd="0" destOrd="0"/>
+        <dgm:cxn modelId="4" srcId="0" destId="2" srcOrd="1" destOrd="0"/>
+      </dgm:cxnLst>
+      <dgm:bg/>
+      <dgm:whole/>
+    </dgm:dataModel>
+  </dgm:styleData>
+  <dgm:clrData>
+    <dgm:dataModel>
+      <dgm:ptLst>
+        <dgm:pt modelId="0" type="doc"/>
+        <dgm:pt modelId="1"/>
+        <dgm:pt modelId="2"/>
+        <dgm:pt modelId="3"/>
+        <dgm:pt modelId="4"/>
+      </dgm:ptLst>
+      <dgm:cxnLst>
+        <dgm:cxn modelId="5" srcId="0" destId="1" srcOrd="0" destOrd="0"/>
+        <dgm:cxn modelId="6" srcId="0" destId="2" srcOrd="1" destOrd="0"/>
+        <dgm:cxn modelId="7" srcId="0" destId="3" srcOrd="2" destOrd="0"/>
+        <dgm:cxn modelId="8" srcId="0" destId="4" srcOrd="3" destOrd="0"/>
+      </dgm:cxnLst>
+      <dgm:bg/>
+      <dgm:whole/>
+    </dgm:dataModel>
+  </dgm:clrData>
+  <dgm:layoutNode name="linearFlow">
+    <dgm:varLst>
+      <dgm:resizeHandles val="exact"/>
+    </dgm:varLst>
+    <dgm:alg type="lin">
+      <dgm:param type="linDir" val="fromT"/>
+    </dgm:alg>
+    <dgm:shape xmlns:r="http://schemas.openxmlformats.org/officeDocument/2006/relationships" r:blip="">
+      <dgm:adjLst/>
+    </dgm:shape>
+    <dgm:presOf/>
+    <dgm:constrLst>
+      <dgm:constr type="h" for="ch" ptType="node" refType="h"/>
+      <dgm:constr type="h" for="ch" ptType="sibTrans" refType="h" refFor="ch" refPtType="node" fact="0.5"/>
+      <dgm:constr type="w" for="ch" ptType="node" op="equ"/>
+      <dgm:constr type="primFontSz" for="ch" ptType="node" op="equ" val="65"/>
+      <dgm:constr type="primFontSz" for="des" forName="connectorText" op="equ" val="55"/>
+      <dgm:constr type="primFontSz" for="des" forName="connectorText" refType="primFontSz" refFor="ch" refPtType="node" op="lte" fact="0.8"/>
+    </dgm:constrLst>
+    <dgm:ruleLst/>
+    <dgm:forEach name="nodesForEach" axis="ch" ptType="node">
+      <dgm:layoutNode name="node">
+        <dgm:varLst>
+          <dgm:bulletEnabled val="1"/>
+        </dgm:varLst>
+        <dgm:choose name="Name0">
+          <dgm:if name="Name1" axis="root des" ptType="all node" func="maxDepth" op="gt" val="1">
+            <dgm:alg type="tx">
+              <dgm:param type="parTxLTRAlign" val="l"/>
+              <dgm:param type="parTxRTLAlign" val="r"/>
+              <dgm:param type="txAnchorVertCh" val="mid"/>
+            </dgm:alg>
+          </dgm:if>
+          <dgm:else name="Name2">
+            <dgm:alg type="tx"/>
+          </dgm:else>
+        </dgm:choose>
+        <dgm:shape xmlns:r="http://schemas.openxmlformats.org/officeDocument/2006/relationships" type="roundRect" r:blip="">
+          <dgm:adjLst>
+            <dgm:adj idx="1" val="0.1"/>
+          </dgm:adjLst>
+        </dgm:shape>
+        <dgm:presOf axis="desOrSelf" ptType="node"/>
+        <dgm:constrLst>
+          <dgm:constr type="w" refType="h" fact="1.8"/>
+          <dgm:constr type="tMarg" refType="primFontSz" fact="0.3"/>
+          <dgm:constr type="bMarg" refType="primFontSz" fact="0.3"/>
+          <dgm:constr type="lMarg" refType="primFontSz" fact="0.3"/>
+          <dgm:constr type="rMarg" refType="primFontSz" fact="0.3"/>
+        </dgm:constrLst>
+        <dgm:ruleLst>
+          <dgm:rule type="primFontSz" val="18" fact="NaN" max="NaN"/>
+          <dgm:rule type="w" val="NaN" fact="4" max="NaN"/>
+          <dgm:rule type="primFontSz" val="5" fact="NaN" max="NaN"/>
+        </dgm:ruleLst>
+      </dgm:layoutNode>
+      <dgm:forEach name="sibTransForEach" axis="followSib" ptType="sibTrans" cnt="1">
+        <dgm:layoutNode name="sibTrans">
+          <dgm:alg type="conn">
+            <dgm:param type="begPts" val="auto"/>
+            <dgm:param type="endPts" val="auto"/>
+          </dgm:alg>
+          <dgm:shape xmlns:r="http://schemas.openxmlformats.org/officeDocument/2006/relationships" type="conn" r:blip="">
+            <dgm:adjLst/>
+          </dgm:shape>
+          <dgm:presOf axis="self"/>
+          <dgm:constrLst>
+            <dgm:constr type="w" refType="h" fact="0.9"/>
+            <dgm:constr type="connDist"/>
+            <dgm:constr type="wArH" refType="w" fact="0.5"/>
+            <dgm:constr type="hArH" refType="w"/>
+            <dgm:constr type="stemThick" refType="w" fact="0.6"/>
+            <dgm:constr type="begPad" refType="connDist" fact="0.125"/>
+            <dgm:constr type="endPad" refType="connDist" fact="0.125"/>
+          </dgm:constrLst>
+          <dgm:ruleLst/>
+          <dgm:layoutNode name="connectorText">
+            <dgm:alg type="tx">
+              <dgm:param type="autoTxRot" val="upr"/>
+            </dgm:alg>
+            <dgm:shape xmlns:r="http://schemas.openxmlformats.org/officeDocument/2006/relationships" type="conn" r:blip="" hideGeom="1">
+              <dgm:adjLst/>
+            </dgm:shape>
+            <dgm:presOf axis="self"/>
+            <dgm:constrLst>
+              <dgm:constr type="lMarg"/>
+              <dgm:constr type="rMarg"/>
+              <dgm:constr type="tMarg"/>
+              <dgm:constr type="bMarg"/>
+            </dgm:constrLst>
+            <dgm:ruleLst>
+              <dgm:rule type="primFontSz" val="5" fact="NaN" max="NaN"/>
+            </dgm:ruleLst>
+          </dgm:layoutNode>
+        </dgm:layoutNode>
+      </dgm:forEach>
+    </dgm:forEach>
+  </dgm:layoutNode>
+</dgm:layoutDef>
+</file>
+
+<file path=ppt/diagrams/quickStyle1.xml><?xml version="1.0" encoding="utf-8"?>
+<dgm:styleDef xmlns:dgm="http://schemas.openxmlformats.org/drawingml/2006/diagram" xmlns:a="http://schemas.openxmlformats.org/drawingml/2006/main" uniqueId="urn:microsoft.com/office/officeart/2005/8/quickstyle/simple1">
+  <dgm:title val=""/>
+  <dgm:desc val=""/>
+  <dgm:catLst>
+    <dgm:cat type="simple" pri="10100"/>
+  </dgm:catLst>
+  <dgm:scene3d>
+    <a:camera prst="orthographicFront"/>
+    <a:lightRig rig="threePt" dir="t"/>
+  </dgm:scene3d>
+  <dgm:styleLbl name="node0">
+    <dgm:scene3d>
+      <a:camera prst="orthographicFront"/>
+      <a:lightRig rig="threePt" dir="t"/>
+    </dgm:scene3d>
+    <dgm:sp3d/>
+    <dgm:txPr/>
+    <dgm:style>
+      <a:lnRef idx="2">
+        <a:scrgbClr r="0" g="0" b="0"/>
+      </a:lnRef>
+      <a:fillRef idx="1">
+        <a:scrgbClr r="0" g="0" b="0"/>
+      </a:fillRef>
+      <a:effectRef idx="0">
+        <a:scrgbClr r="0" g="0" b="0"/>
+      </a:effectRef>
+      <a:fontRef idx="minor">
+        <a:schemeClr val="lt1"/>
+      </a:fontRef>
+    </dgm:style>
+  </dgm:styleLbl>
+  <dgm:styleLbl name="lnNode1">
+    <dgm:scene3d>
+      <a:camera prst="orthographicFront"/>
+      <a:lightRig rig="threePt" dir="t"/>
+    </dgm:scene3d>
+    <dgm:sp3d/>
+    <dgm:txPr/>
+    <dgm:style>
+      <a:lnRef idx="2">
+        <a:scrgbClr r="0" g="0" b="0"/>
+      </a:lnRef>
+      <a:fillRef idx="1">
+        <a:scrgbClr r="0" g="0" b="0"/>
+      </a:fillRef>
+      <a:effectRef idx="0">
+        <a:scrgbClr r="0" g="0" b="0"/>
+      </a:effectRef>
+      <a:fontRef idx="minor">
+        <a:schemeClr val="lt1"/>
+      </a:fontRef>
+    </dgm:style>
+  </dgm:styleLbl>
+  <dgm:styleLbl name="vennNode1">
+    <dgm:scene3d>
+      <a:camera prst="orthographicFront"/>
+      <a:lightRig rig="threePt" dir="t"/>
+    </dgm:scene3d>
+    <dgm:sp3d/>
+    <dgm:txPr/>
+    <dgm:style>
+      <a:lnRef idx="2">
+        <a:scrgbClr r="0" g="0" b="0"/>
+      </a:lnRef>
+      <a:fillRef idx="1">
+        <a:scrgbClr r="0" g="0" b="0"/>
+      </a:fillRef>
+      <a:effectRef idx="0">
+        <a:scrgbClr r="0" g="0" b="0"/>
+      </a:effectRef>
+      <a:fontRef idx="minor">
+        <a:schemeClr val="tx1"/>
+      </a:fontRef>
+    </dgm:style>
+  </dgm:styleLbl>
+  <dgm:styleLbl name="alignNode1">
+    <dgm:scene3d>
+      <a:camera prst="orthographicFront"/>
+      <a:lightRig rig="threePt" dir="t"/>
+    </dgm:scene3d>
+    <dgm:sp3d/>
+    <dgm:txPr/>
+    <dgm:style>
+      <a:lnRef idx="2">
+        <a:scrgbClr r="0" g="0" b="0"/>
+      </a:lnRef>
+      <a:fillRef idx="1">
+        <a:scrgbClr r="0" g="0" b="0"/>
+      </a:fillRef>
+      <a:effectRef idx="0">
+        <a:scrgbClr r="0" g="0" b="0"/>
+      </a:effectRef>
+      <a:fontRef idx="minor">
+        <a:schemeClr val="lt1"/>
+      </a:fontRef>
+    </dgm:style>
+  </dgm:styleLbl>
+  <dgm:styleLbl name="node1">
+    <dgm:scene3d>
+      <a:camera prst="orthographicFront"/>
+      <a:lightRig rig="threePt" dir="t"/>
+    </dgm:scene3d>
+    <dgm:sp3d/>
+    <dgm:txPr/>
+    <dgm:style>
+      <a:lnRef idx="2">
+        <a:scrgbClr r="0" g="0" b="0"/>
+      </a:lnRef>
+      <a:fillRef idx="1">
+        <a:scrgbClr r="0" g="0" b="0"/>
+      </a:fillRef>
+      <a:effectRef idx="0">
+        <a:scrgbClr r="0" g="0" b="0"/>
+      </a:effectRef>
+      <a:fontRef idx="minor">
+        <a:schemeClr val="lt1"/>
+      </a:fontRef>
+    </dgm:style>
+  </dgm:styleLbl>
+  <dgm:styleLbl name="node2">
+    <dgm:scene3d>
+      <a:camera prst="orthographicFront"/>
+      <a:lightRig rig="threePt" dir="t"/>
+    </dgm:scene3d>
+    <dgm:sp3d/>
+    <dgm:txPr/>
+    <dgm:style>
+      <a:lnRef idx="2">
+        <a:scrgbClr r="0" g="0" b="0"/>
+      </a:lnRef>
+      <a:fillRef idx="1">
+        <a:scrgbClr r="0" g="0" b="0"/>
+      </a:fillRef>
+      <a:effectRef idx="0">
+        <a:scrgbClr r="0" g="0" b="0"/>
+      </a:effectRef>
+      <a:fontRef idx="minor">
+        <a:schemeClr val="lt1"/>
+      </a:fontRef>
+    </dgm:style>
+  </dgm:styleLbl>
+  <dgm:styleLbl name="node3">
+    <dgm:scene3d>
+      <a:camera prst="orthographicFront"/>
+      <a:lightRig rig="threePt" dir="t"/>
+    </dgm:scene3d>
+    <dgm:sp3d/>
+    <dgm:txPr/>
+    <dgm:style>
+      <a:lnRef idx="2">
+        <a:scrgbClr r="0" g="0" b="0"/>
+      </a:lnRef>
+      <a:fillRef idx="1">
+        <a:scrgbClr r="0" g="0" b="0"/>
+      </a:fillRef>
+      <a:effectRef idx="0">
+        <a:scrgbClr r="0" g="0" b="0"/>
+      </a:effectRef>
+      <a:fontRef idx="minor">
+        <a:schemeClr val="lt1"/>
+      </a:fontRef>
+    </dgm:style>
+  </dgm:styleLbl>
+  <dgm:styleLbl name="node4">
+    <dgm:scene3d>
+      <a:camera prst="orthographicFront"/>
+      <a:lightRig rig="threePt" dir="t"/>
+    </dgm:scene3d>
+    <dgm:sp3d/>
+    <dgm:txPr/>
+    <dgm:style>
+      <a:lnRef idx="2">
+        <a:scrgbClr r="0" g="0" b="0"/>
+      </a:lnRef>
+      <a:fillRef idx="1">
+        <a:scrgbClr r="0" g="0" b="0"/>
+      </a:fillRef>
+      <a:effectRef idx="0">
+        <a:scrgbClr r="0" g="0" b="0"/>
+      </a:effectRef>
+      <a:fontRef idx="minor">
+        <a:schemeClr val="lt1"/>
+      </a:fontRef>
+    </dgm:style>
+  </dgm:styleLbl>
+  <dgm:styleLbl name="fgImgPlace1">
+    <dgm:scene3d>
+      <a:camera prst="orthographicFront"/>
+      <a:lightRig rig="threePt" dir="t"/>
+    </dgm:scene3d>
+    <dgm:sp3d/>
+    <dgm:txPr/>
+    <dgm:style>
+      <a:lnRef idx="2">
+        <a:scrgbClr r="0" g="0" b="0"/>
+      </a:lnRef>
+      <a:fillRef idx="1">
+        <a:scrgbClr r="0" g="0" b="0"/>
+      </a:fillRef>
+      <a:effectRef idx="0">
+        <a:scrgbClr r="0" g="0" b="0"/>
+      </a:effectRef>
+      <a:fontRef idx="minor"/>
+    </dgm:style>
+  </dgm:styleLbl>
+  <dgm:styleLbl name="alignImgPlace1">
+    <dgm:scene3d>
+      <a:camera prst="orthographicFront"/>
+      <a:lightRig rig="threePt" dir="t"/>
+    </dgm:scene3d>
+    <dgm:sp3d/>
+    <dgm:txPr/>
+    <dgm:style>
+      <a:lnRef idx="2">
+        <a:scrgbClr r="0" g="0" b="0"/>
+      </a:lnRef>
+      <a:fillRef idx="1">
+        <a:scrgbClr r="0" g="0" b="0"/>
+      </a:fillRef>
+      <a:effectRef idx="0">
+        <a:scrgbClr r="0" g="0" b="0"/>
+      </a:effectRef>
+      <a:fontRef idx="minor"/>
+    </dgm:style>
+  </dgm:styleLbl>
+  <dgm:styleLbl name="bgImgPlace1">
+    <dgm:scene3d>
+      <a:camera prst="orthographicFront"/>
+      <a:lightRig rig="threePt" dir="t"/>
+    </dgm:scene3d>
+    <dgm:sp3d/>
+    <dgm:txPr/>
+    <dgm:style>
+      <a:lnRef idx="2">
+        <a:scrgbClr r="0" g="0" b="0"/>
+      </a:lnRef>
+      <a:fillRef idx="1">
+        <a:scrgbClr r="0" g="0" b="0"/>
+      </a:fillRef>
+      <a:effectRef idx="0">
+        <a:scrgbClr r="0" g="0" b="0"/>
+      </a:effectRef>
+      <a:fontRef idx="minor"/>
+    </dgm:style>
+  </dgm:styleLbl>
+  <dgm:styleLbl name="sibTrans2D1">
+    <dgm:scene3d>
+      <a:camera prst="orthographicFront"/>
+      <a:lightRig rig="threePt" dir="t"/>
+    </dgm:scene3d>
+    <dgm:sp3d/>
+    <dgm:txPr/>
+    <dgm:style>
+      <a:lnRef idx="0">
+        <a:scrgbClr r="0" g="0" b="0"/>
+      </a:lnRef>
+      <a:fillRef idx="1">
+        <a:scrgbClr r="0" g="0" b="0"/>
+      </a:fillRef>
+      <a:effectRef idx="0">
+        <a:scrgbClr r="0" g="0" b="0"/>
+      </a:effectRef>
+      <a:fontRef idx="minor">
+        <a:schemeClr val="lt1"/>
+      </a:fontRef>
+    </dgm:style>
+  </dgm:styleLbl>
+  <dgm:styleLbl name="fgSibTrans2D1">
+    <dgm:scene3d>
+      <a:camera prst="orthographicFront"/>
+      <a:lightRig rig="threePt" dir="t"/>
+    </dgm:scene3d>
+    <dgm:sp3d/>
+    <dgm:txPr/>
+    <dgm:style>
+      <a:lnRef idx="0">
+        <a:scrgbClr r="0" g="0" b="0"/>
+      </a:lnRef>
+      <a:fillRef idx="1">
+        <a:scrgbClr r="0" g="0" b="0"/>
+      </a:fillRef>
+      <a:effectRef idx="0">
+        <a:scrgbClr r="0" g="0" b="0"/>
+      </a:effectRef>
+      <a:fontRef idx="minor">
+        <a:schemeClr val="lt1"/>
+      </a:fontRef>
+    </dgm:style>
+  </dgm:styleLbl>
+  <dgm:styleLbl name="bgSibTrans2D1">
+    <dgm:scene3d>
+      <a:camera prst="orthographicFront"/>
+      <a:lightRig rig="threePt" dir="t"/>
+    </dgm:scene3d>
+    <dgm:sp3d/>
+    <dgm:txPr/>
+    <dgm:style>
+      <a:lnRef idx="0">
+        <a:scrgbClr r="0" g="0" b="0"/>
+      </a:lnRef>
+      <a:fillRef idx="1">
+        <a:scrgbClr r="0" g="0" b="0"/>
+      </a:fillRef>
+      <a:effectRef idx="0">
+        <a:scrgbClr r="0" g="0" b="0"/>
+      </a:effectRef>
+      <a:fontRef idx="minor">
+        <a:schemeClr val="lt1"/>
+      </a:fontRef>
+    </dgm:style>
+  </dgm:styleLbl>
+  <dgm:styleLbl name="sibTrans1D1">
+    <dgm:scene3d>
+      <a:camera prst="orthographicFront"/>
+      <a:lightRig rig="threePt" dir="t"/>
+    </dgm:scene3d>
+    <dgm:sp3d/>
+    <dgm:txPr/>
+    <dgm:style>
+      <a:lnRef idx="1">
+        <a:scrgbClr r="0" g="0" b="0"/>
+      </a:lnRef>
+      <a:fillRef idx="0">
+        <a:scrgbClr r="0" g="0" b="0"/>
+      </a:fillRef>
+      <a:effectRef idx="0">
+        <a:scrgbClr r="0" g="0" b="0"/>
+      </a:effectRef>
+      <a:fontRef idx="minor"/>
+    </dgm:style>
+  </dgm:styleLbl>
+  <dgm:styleLbl name="callout">
+    <dgm:scene3d>
+      <a:camera prst="orthographicFront"/>
+      <a:lightRig rig="threePt" dir="t"/>
+    </dgm:scene3d>
+    <dgm:sp3d/>
+    <dgm:txPr/>
+    <dgm:style>
+      <a:lnRef idx="2">
+        <a:scrgbClr r="0" g="0" b="0"/>
+      </a:lnRef>
+      <a:fillRef idx="1">
+        <a:scrgbClr r="0" g="0" b="0"/>
+      </a:fillRef>
+      <a:effectRef idx="0">
+        <a:scrgbClr r="0" g="0" b="0"/>
+      </a:effectRef>
+      <a:fontRef idx="minor"/>
+    </dgm:style>
+  </dgm:styleLbl>
+  <dgm:styleLbl name="asst0">
+    <dgm:scene3d>
+      <a:camera prst="orthographicFront"/>
+      <a:lightRig rig="threePt" dir="t"/>
+    </dgm:scene3d>
+    <dgm:sp3d/>
+    <dgm:txPr/>
+    <dgm:style>
+      <a:lnRef idx="2">
+        <a:scrgbClr r="0" g="0" b="0"/>
+      </a:lnRef>
+      <a:fillRef idx="1">
+        <a:scrgbClr r="0" g="0" b="0"/>
+      </a:fillRef>
+      <a:effectRef idx="0">
+        <a:scrgbClr r="0" g="0" b="0"/>
+      </a:effectRef>
+      <a:fontRef idx="minor">
+        <a:schemeClr val="lt1"/>
+      </a:fontRef>
+    </dgm:style>
+  </dgm:styleLbl>
+  <dgm:styleLbl name="asst1">
+    <dgm:scene3d>
+      <a:camera prst="orthographicFront"/>
+      <a:lightRig rig="threePt" dir="t"/>
+    </dgm:scene3d>
+    <dgm:sp3d/>
+    <dgm:txPr/>
+    <dgm:style>
+      <a:lnRef idx="2">
+        <a:scrgbClr r="0" g="0" b="0"/>
+      </a:lnRef>
+      <a:fillRef idx="1">
+        <a:scrgbClr r="0" g="0" b="0"/>
+      </a:fillRef>
+      <a:effectRef idx="0">
+        <a:scrgbClr r="0" g="0" b="0"/>
+      </a:effectRef>
+      <a:fontRef idx="minor">
+        <a:schemeClr val="lt1"/>
+      </a:fontRef>
+    </dgm:style>
+  </dgm:styleLbl>
+  <dgm:styleLbl name="asst2">
+    <dgm:scene3d>
+      <a:camera prst="orthographicFront"/>
+      <a:lightRig rig="threePt" dir="t"/>
+    </dgm:scene3d>
+    <dgm:sp3d/>
+    <dgm:txPr/>
+    <dgm:style>
+      <a:lnRef idx="2">
+        <a:scrgbClr r="0" g="0" b="0"/>
+      </a:lnRef>
+      <a:fillRef idx="1">
+        <a:scrgbClr r="0" g="0" b="0"/>
+      </a:fillRef>
+      <a:effectRef idx="0">
+        <a:scrgbClr r="0" g="0" b="0"/>
+      </a:effectRef>
+      <a:fontRef idx="minor">
+        <a:schemeClr val="lt1"/>
+      </a:fontRef>
+    </dgm:style>
+  </dgm:styleLbl>
+  <dgm:styleLbl name="asst3">
+    <dgm:scene3d>
+      <a:camera prst="orthographicFront"/>
+      <a:lightRig rig="threePt" dir="t"/>
+    </dgm:scene3d>
+    <dgm:sp3d/>
+    <dgm:txPr/>
+    <dgm:style>
+      <a:lnRef idx="2">
+        <a:scrgbClr r="0" g="0" b="0"/>
+      </a:lnRef>
+      <a:fillRef idx="1">
+        <a:scrgbClr r="0" g="0" b="0"/>
+      </a:fillRef>
+      <a:effectRef idx="0">
+        <a:scrgbClr r="0" g="0" b="0"/>
+      </a:effectRef>
+      <a:fontRef idx="minor">
+        <a:schemeClr val="lt1"/>
+      </a:fontRef>
+    </dgm:style>
+  </dgm:styleLbl>
+  <dgm:styleLbl name="asst4">
+    <dgm:scene3d>
+      <a:camera prst="orthographicFront"/>
+      <a:lightRig rig="threePt" dir="t"/>
+    </dgm:scene3d>
+    <dgm:sp3d/>
+    <dgm:txPr/>
+    <dgm:style>
+      <a:lnRef idx="2">
+        <a:scrgbClr r="0" g="0" b="0"/>
+      </a:lnRef>
+      <a:fillRef idx="1">
+        <a:scrgbClr r="0" g="0" b="0"/>
+      </a:fillRef>
+      <a:effectRef idx="0">
+        <a:scrgbClr r="0" g="0" b="0"/>
+      </a:effectRef>
+      <a:fontRef idx="minor">
+        <a:schemeClr val="lt1"/>
+      </a:fontRef>
+    </dgm:style>
+  </dgm:styleLbl>
+  <dgm:styleLbl name="parChTrans2D1">
+    <dgm:scene3d>
+      <a:camera prst="orthographicFront"/>
+      <a:lightRig rig="threePt" dir="t"/>
+    </dgm:scene3d>
+    <dgm:sp3d/>
+    <dgm:txPr/>
+    <dgm:style>
+      <a:lnRef idx="2">
+        <a:scrgbClr r="0" g="0" b="0"/>
+      </a:lnRef>
+      <a:fillRef idx="1">
+        <a:scrgbClr r="0" g="0" b="0"/>
+      </a:fillRef>
+      <a:effectRef idx="0">
+        <a:scrgbClr r="0" g="0" b="0"/>
+      </a:effectRef>
+      <a:fontRef idx="minor">
+        <a:schemeClr val="lt1"/>
+      </a:fontRef>
+    </dgm:style>
+  </dgm:styleLbl>
+  <dgm:styleLbl name="parChTrans2D2">
+    <dgm:scene3d>
+      <a:camera prst="orthographicFront"/>
+      <a:lightRig rig="threePt" dir="t"/>
+    </dgm:scene3d>
+    <dgm:sp3d/>
+    <dgm:txPr/>
+    <dgm:style>
+      <a:lnRef idx="2">
+        <a:scrgbClr r="0" g="0" b="0"/>
+      </a:lnRef>
+      <a:fillRef idx="1">
+        <a:scrgbClr r="0" g="0" b="0"/>
+      </a:fillRef>
+      <a:effectRef idx="0">
+        <a:scrgbClr r="0" g="0" b="0"/>
+      </a:effectRef>
+      <a:fontRef idx="minor">
+        <a:schemeClr val="lt1"/>
+      </a:fontRef>
+    </dgm:style>
+  </dgm:styleLbl>
+  <dgm:styleLbl name="parChTrans2D3">
+    <dgm:scene3d>
+      <a:camera prst="orthographicFront"/>
+      <a:lightRig rig="threePt" dir="t"/>
+    </dgm:scene3d>
+    <dgm:sp3d/>
+    <dgm:txPr/>
+    <dgm:style>
+      <a:lnRef idx="2">
+        <a:scrgbClr r="0" g="0" b="0"/>
+      </a:lnRef>
+      <a:fillRef idx="1">
+        <a:scrgbClr r="0" g="0" b="0"/>
+      </a:fillRef>
+      <a:effectRef idx="0">
+        <a:scrgbClr r="0" g="0" b="0"/>
+      </a:effectRef>
+      <a:fontRef idx="minor">
+        <a:schemeClr val="lt1"/>
+      </a:fontRef>
+    </dgm:style>
+  </dgm:styleLbl>
+  <dgm:styleLbl name="parChTrans2D4">
+    <dgm:scene3d>
+      <a:camera prst="orthographicFront"/>
+      <a:lightRig rig="threePt" dir="t"/>
+    </dgm:scene3d>
+    <dgm:sp3d/>
+    <dgm:txPr/>
+    <dgm:style>
+      <a:lnRef idx="2">
+        <a:scrgbClr r="0" g="0" b="0"/>
+      </a:lnRef>
+      <a:fillRef idx="1">
+        <a:scrgbClr r="0" g="0" b="0"/>
+      </a:fillRef>
+      <a:effectRef idx="0">
+        <a:scrgbClr r="0" g="0" b="0"/>
+      </a:effectRef>
+      <a:fontRef idx="minor">
+        <a:schemeClr val="lt1"/>
+      </a:fontRef>
+    </dgm:style>
+  </dgm:styleLbl>
+  <dgm:styleLbl name="parChTrans1D1">
+    <dgm:scene3d>
+      <a:camera prst="orthographicFront"/>
+      <a:lightRig rig="threePt" dir="t"/>
+    </dgm:scene3d>
+    <dgm:sp3d/>
+    <dgm:txPr/>
+    <dgm:style>
+      <a:lnRef idx="2">
+        <a:scrgbClr r="0" g="0" b="0"/>
+      </a:lnRef>
+      <a:fillRef idx="0">
+        <a:scrgbClr r="0" g="0" b="0"/>
+      </a:fillRef>
+      <a:effectRef idx="0">
+        <a:scrgbClr r="0" g="0" b="0"/>
+      </a:effectRef>
+      <a:fontRef idx="minor"/>
+    </dgm:style>
+  </dgm:styleLbl>
+  <dgm:styleLbl name="parChTrans1D2">
+    <dgm:scene3d>
+      <a:camera prst="orthographicFront"/>
+      <a:lightRig rig="threePt" dir="t"/>
+    </dgm:scene3d>
+    <dgm:sp3d/>
+    <dgm:txPr/>
+    <dgm:style>
+      <a:lnRef idx="2">
+        <a:scrgbClr r="0" g="0" b="0"/>
+      </a:lnRef>
+      <a:fillRef idx="0">
+        <a:scrgbClr r="0" g="0" b="0"/>
+      </a:fillRef>
+      <a:effectRef idx="0">
+        <a:scrgbClr r="0" g="0" b="0"/>
+      </a:effectRef>
+      <a:fontRef idx="minor"/>
+    </dgm:style>
+  </dgm:styleLbl>
+  <dgm:styleLbl name="parChTrans1D3">
+    <dgm:scene3d>
+      <a:camera prst="orthographicFront"/>
+      <a:lightRig rig="threePt" dir="t"/>
+    </dgm:scene3d>
+    <dgm:sp3d/>
+    <dgm:txPr/>
+    <dgm:style>
+      <a:lnRef idx="2">
+        <a:scrgbClr r="0" g="0" b="0"/>
+      </a:lnRef>
+      <a:fillRef idx="0">
+        <a:scrgbClr r="0" g="0" b="0"/>
+      </a:fillRef>
+      <a:effectRef idx="0">
+        <a:scrgbClr r="0" g="0" b="0"/>
+      </a:effectRef>
+      <a:fontRef idx="minor"/>
+    </dgm:style>
+  </dgm:styleLbl>
+  <dgm:styleLbl name="parChTrans1D4">
+    <dgm:scene3d>
+      <a:camera prst="orthographicFront"/>
+      <a:lightRig rig="threePt" dir="t"/>
+    </dgm:scene3d>
+    <dgm:sp3d/>
+    <dgm:txPr/>
+    <dgm:style>
+      <a:lnRef idx="2">
+        <a:scrgbClr r="0" g="0" b="0"/>
+      </a:lnRef>
+      <a:fillRef idx="0">
+        <a:scrgbClr r="0" g="0" b="0"/>
+      </a:fillRef>
+      <a:effectRef idx="0">
+        <a:scrgbClr r="0" g="0" b="0"/>
+      </a:effectRef>
+      <a:fontRef idx="minor"/>
+    </dgm:style>
+  </dgm:styleLbl>
+  <dgm:styleLbl name="fgAcc1">
+    <dgm:scene3d>
+      <a:camera prst="orthographicFront"/>
+      <a:lightRig rig="threePt" dir="t"/>
+    </dgm:scene3d>
+    <dgm:sp3d/>
+    <dgm:txPr/>
+    <dgm:style>
+      <a:lnRef idx="2">
+        <a:scrgbClr r="0" g="0" b="0"/>
+      </a:lnRef>
+      <a:fillRef idx="1">
+        <a:scrgbClr r="0" g="0" b="0"/>
+      </a:fillRef>
+      <a:effectRef idx="0">
+        <a:scrgbClr r="0" g="0" b="0"/>
+      </a:effectRef>
+      <a:fontRef idx="minor"/>
+    </dgm:style>
+  </dgm:styleLbl>
+  <dgm:styleLbl name="conFgAcc1">
+    <dgm:scene3d>
+      <a:camera prst="orthographicFront"/>
+      <a:lightRig rig="threePt" dir="t"/>
+    </dgm:scene3d>
+    <dgm:sp3d/>
+    <dgm:txPr/>
+    <dgm:style>
+      <a:lnRef idx="2">
+        <a:scrgbClr r="0" g="0" b="0"/>
+      </a:lnRef>
+      <a:fillRef idx="1">
+        <a:scrgbClr r="0" g="0" b="0"/>
+      </a:fillRef>
+      <a:effectRef idx="0">
+        <a:scrgbClr r="0" g="0" b="0"/>
+      </a:effectRef>
+      <a:fontRef idx="minor"/>
+    </dgm:style>
+  </dgm:styleLbl>
+  <dgm:styleLbl name="alignAcc1">
+    <dgm:scene3d>
+      <a:camera prst="orthographicFront"/>
+      <a:lightRig rig="threePt" dir="t"/>
+    </dgm:scene3d>
+    <dgm:sp3d/>
+    <dgm:txPr/>
+    <dgm:style>
+      <a:lnRef idx="2">
+        <a:scrgbClr r="0" g="0" b="0"/>
+      </a:lnRef>
+      <a:fillRef idx="1">
+        <a:scrgbClr r="0" g="0" b="0"/>
+      </a:fillRef>
+      <a:effectRef idx="0">
+        <a:scrgbClr r="0" g="0" b="0"/>
+      </a:effectRef>
+      <a:fontRef idx="minor"/>
+    </dgm:style>
+  </dgm:styleLbl>
+  <dgm:styleLbl name="trAlignAcc1">
+    <dgm:scene3d>
+      <a:camera prst="orthographicFront"/>
+      <a:lightRig rig="threePt" dir="t"/>
+    </dgm:scene3d>
+    <dgm:sp3d/>
+    <dgm:txPr/>
+    <dgm:style>
+      <a:lnRef idx="1">
+        <a:scrgbClr r="0" g="0" b="0"/>
+      </a:lnRef>
+      <a:fillRef idx="1">
+        <a:scrgbClr r="0" g="0" b="0"/>
+      </a:fillRef>
+      <a:effectRef idx="0">
+        <a:scrgbClr r="0" g="0" b="0"/>
+      </a:effectRef>
+      <a:fontRef idx="minor"/>
+    </dgm:style>
+  </dgm:styleLbl>
+  <dgm:styleLbl name="bgAcc1">
+    <dgm:scene3d>
+      <a:camera prst="orthographicFront"/>
+      <a:lightRig rig="threePt" dir="t"/>
+    </dgm:scene3d>
+    <dgm:sp3d/>
+    <dgm:txPr/>
+    <dgm:style>
+      <a:lnRef idx="2">
+        <a:scrgbClr r="0" g="0" b="0"/>
+      </a:lnRef>
+      <a:fillRef idx="1">
+        <a:scrgbClr r="0" g="0" b="0"/>
+      </a:fillRef>
+      <a:effectRef idx="0">
+        <a:scrgbClr r="0" g="0" b="0"/>
+      </a:effectRef>
+      <a:fontRef idx="minor"/>
+    </dgm:style>
+  </dgm:styleLbl>
+  <dgm:styleLbl name="solidFgAcc1">
+    <dgm:scene3d>
+      <a:camera prst="orthographicFront"/>
+      <a:lightRig rig="threePt" dir="t"/>
+    </dgm:scene3d>
+    <dgm:sp3d/>
+    <dgm:txPr/>
+    <dgm:style>
+      <a:lnRef idx="2">
+        <a:scrgbClr r="0" g="0" b="0"/>
+      </a:lnRef>
+      <a:fillRef idx="1">
+        <a:scrgbClr r="0" g="0" b="0"/>
+      </a:fillRef>
+      <a:effectRef idx="0">
+        <a:scrgbClr r="0" g="0" b="0"/>
+      </a:effectRef>
+      <a:fontRef idx="minor"/>
+    </dgm:style>
+  </dgm:styleLbl>
+  <dgm:styleLbl name="solidAlignAcc1">
+    <dgm:scene3d>
+      <a:camera prst="orthographicFront"/>
+      <a:lightRig rig="threePt" dir="t"/>
+    </dgm:scene3d>
+    <dgm:sp3d/>
+    <dgm:txPr/>
+    <dgm:style>
+      <a:lnRef idx="2">
+        <a:scrgbClr r="0" g="0" b="0"/>
+      </a:lnRef>
+      <a:fillRef idx="1">
+        <a:scrgbClr r="0" g="0" b="0"/>
+      </a:fillRef>
+      <a:effectRef idx="0">
+        <a:scrgbClr r="0" g="0" b="0"/>
+      </a:effectRef>
+      <a:fontRef idx="minor"/>
+    </dgm:style>
+  </dgm:styleLbl>
+  <dgm:styleLbl name="solidBgAcc1">
+    <dgm:scene3d>
+      <a:camera prst="orthographicFront"/>
+      <a:lightRig rig="threePt" dir="t"/>
+    </dgm:scene3d>
+    <dgm:sp3d/>
+    <dgm:txPr/>
+    <dgm:style>
+      <a:lnRef idx="2">
+        <a:scrgbClr r="0" g="0" b="0"/>
+      </a:lnRef>
+      <a:fillRef idx="1">
+        <a:scrgbClr r="0" g="0" b="0"/>
+      </a:fillRef>
+      <a:effectRef idx="0">
+        <a:scrgbClr r="0" g="0" b="0"/>
+      </a:effectRef>
+      <a:fontRef idx="minor"/>
+    </dgm:style>
+  </dgm:styleLbl>
+  <dgm:styleLbl name="fgAccFollowNode1">
+    <dgm:scene3d>
+      <a:camera prst="orthographicFront"/>
+      <a:lightRig rig="threePt" dir="t"/>
+    </dgm:scene3d>
+    <dgm:sp3d/>
+    <dgm:txPr/>
+    <dgm:style>
+      <a:lnRef idx="2">
+        <a:scrgbClr r="0" g="0" b="0"/>
+      </a:lnRef>
+      <a:fillRef idx="1">
+        <a:scrgbClr r="0" g="0" b="0"/>
+      </a:fillRef>
+      <a:effectRef idx="0">
+        <a:scrgbClr r="0" g="0" b="0"/>
+      </a:effectRef>
+      <a:fontRef idx="minor"/>
+    </dgm:style>
+  </dgm:styleLbl>
+  <dgm:styleLbl name="alignAccFollowNode1">
+    <dgm:scene3d>
+      <a:camera prst="orthographicFront"/>
+      <a:lightRig rig="threePt" dir="t"/>
+    </dgm:scene3d>
+    <dgm:sp3d/>
+    <dgm:txPr/>
+    <dgm:style>
+      <a:lnRef idx="2">
+        <a:scrgbClr r="0" g="0" b="0"/>
+      </a:lnRef>
+      <a:fillRef idx="1">
+        <a:scrgbClr r="0" g="0" b="0"/>
+      </a:fillRef>
+      <a:effectRef idx="0">
+        <a:scrgbClr r="0" g="0" b="0"/>
+      </a:effectRef>
+      <a:fontRef idx="minor"/>
+    </dgm:style>
+  </dgm:styleLbl>
+  <dgm:styleLbl name="bgAccFollowNode1">
+    <dgm:scene3d>
+      <a:camera prst="orthographicFront"/>
+      <a:lightRig rig="threePt" dir="t"/>
+    </dgm:scene3d>
+    <dgm:sp3d/>
+    <dgm:txPr/>
+    <dgm:style>
+      <a:lnRef idx="2">
+        <a:scrgbClr r="0" g="0" b="0"/>
+      </a:lnRef>
+      <a:fillRef idx="1">
+        <a:scrgbClr r="0" g="0" b="0"/>
+      </a:fillRef>
+      <a:effectRef idx="0">
+        <a:scrgbClr r="0" g="0" b="0"/>
+      </a:effectRef>
+      <a:fontRef idx="minor"/>
+    </dgm:style>
+  </dgm:styleLbl>
+  <dgm:styleLbl name="fgAcc0">
+    <dgm:scene3d>
+      <a:camera prst="orthographicFront"/>
+      <a:lightRig rig="threePt" dir="t"/>
+    </dgm:scene3d>
+    <dgm:sp3d/>
+    <dgm:txPr/>
+    <dgm:style>
+      <a:lnRef idx="2">
+        <a:scrgbClr r="0" g="0" b="0"/>
+      </a:lnRef>
+      <a:fillRef idx="1">
+        <a:scrgbClr r="0" g="0" b="0"/>
+      </a:fillRef>
+      <a:effectRef idx="0">
+        <a:scrgbClr r="0" g="0" b="0"/>
+      </a:effectRef>
+      <a:fontRef idx="minor"/>
+    </dgm:style>
+  </dgm:styleLbl>
+  <dgm:styleLbl name="fgAcc2">
+    <dgm:scene3d>
+      <a:camera prst="orthographicFront"/>
+      <a:lightRig rig="threePt" dir="t"/>
+    </dgm:scene3d>
+    <dgm:sp3d/>
+    <dgm:txPr/>
+    <dgm:style>
+      <a:lnRef idx="2">
+        <a:scrgbClr r="0" g="0" b="0"/>
+      </a:lnRef>
+      <a:fillRef idx="1">
+        <a:scrgbClr r="0" g="0" b="0"/>
+      </a:fillRef>
+      <a:effectRef idx="0">
+        <a:scrgbClr r="0" g="0" b="0"/>
+      </a:effectRef>
+      <a:fontRef idx="minor"/>
+    </dgm:style>
+  </dgm:styleLbl>
+  <dgm:styleLbl name="fgAcc3">
+    <dgm:scene3d>
+      <a:camera prst="orthographicFront"/>
+      <a:lightRig rig="threePt" dir="t"/>
+    </dgm:scene3d>
+    <dgm:sp3d/>
+    <dgm:txPr/>
+    <dgm:style>
+      <a:lnRef idx="2">
+        <a:scrgbClr r="0" g="0" b="0"/>
+      </a:lnRef>
+      <a:fillRef idx="1">
+        <a:scrgbClr r="0" g="0" b="0"/>
+      </a:fillRef>
+      <a:effectRef idx="0">
+        <a:scrgbClr r="0" g="0" b="0"/>
+      </a:effectRef>
+      <a:fontRef idx="minor"/>
+    </dgm:style>
+  </dgm:styleLbl>
+  <dgm:styleLbl name="fgAcc4">
+    <dgm:scene3d>
+      <a:camera prst="orthographicFront"/>
+      <a:lightRig rig="threePt" dir="t"/>
+    </dgm:scene3d>
+    <dgm:sp3d/>
+    <dgm:txPr/>
+    <dgm:style>
+      <a:lnRef idx="2">
+        <a:scrgbClr r="0" g="0" b="0"/>
+      </a:lnRef>
+      <a:fillRef idx="1">
+        <a:scrgbClr r="0" g="0" b="0"/>
+      </a:fillRef>
+      <a:effectRef idx="0">
+        <a:scrgbClr r="0" g="0" b="0"/>
+      </a:effectRef>
+      <a:fontRef idx="minor"/>
+    </dgm:style>
+  </dgm:styleLbl>
+  <dgm:styleLbl name="bgShp">
+    <dgm:scene3d>
+      <a:camera prst="orthographicFront"/>
+      <a:lightRig rig="threePt" dir="t"/>
+    </dgm:scene3d>
+    <dgm:sp3d/>
+    <dgm:txPr/>
+    <dgm:style>
+      <a:lnRef idx="0">
+        <a:scrgbClr r="0" g="0" b="0"/>
+      </a:lnRef>
+      <a:fillRef idx="1">
+        <a:scrgbClr r="0" g="0" b="0"/>
+      </a:fillRef>
+      <a:effectRef idx="0">
+        <a:scrgbClr r="0" g="0" b="0"/>
+      </a:effectRef>
+      <a:fontRef idx="minor"/>
+    </dgm:style>
+  </dgm:styleLbl>
+  <dgm:styleLbl name="dkBgShp">
+    <dgm:scene3d>
+      <a:camera prst="orthographicFront"/>
+      <a:lightRig rig="threePt" dir="t"/>
+    </dgm:scene3d>
+    <dgm:sp3d/>
+    <dgm:txPr/>
+    <dgm:style>
+      <a:lnRef idx="0">
+        <a:scrgbClr r="0" g="0" b="0"/>
+      </a:lnRef>
+      <a:fillRef idx="1">
+        <a:scrgbClr r="0" g="0" b="0"/>
+      </a:fillRef>
+      <a:effectRef idx="0">
+        <a:scrgbClr r="0" g="0" b="0"/>
+      </a:effectRef>
+      <a:fontRef idx="minor"/>
+    </dgm:style>
+  </dgm:styleLbl>
+  <dgm:styleLbl name="trBgShp">
+    <dgm:scene3d>
+      <a:camera prst="orthographicFront"/>
+      <a:lightRig rig="threePt" dir="t"/>
+    </dgm:scene3d>
+    <dgm:sp3d/>
+    <dgm:txPr/>
+    <dgm:style>
+      <a:lnRef idx="0">
+        <a:scrgbClr r="0" g="0" b="0"/>
+      </a:lnRef>
+      <a:fillRef idx="1">
+        <a:scrgbClr r="0" g="0" b="0"/>
+      </a:fillRef>
+      <a:effectRef idx="0">
+        <a:scrgbClr r="0" g="0" b="0"/>
+      </a:effectRef>
+      <a:fontRef idx="minor"/>
+    </dgm:style>
+  </dgm:styleLbl>
+  <dgm:styleLbl name="fgShp">
+    <dgm:scene3d>
+      <a:camera prst="orthographicFront"/>
+      <a:lightRig rig="threePt" dir="t"/>
+    </dgm:scene3d>
+    <dgm:sp3d/>
+    <dgm:txPr/>
+    <dgm:style>
+      <a:lnRef idx="2">
+        <a:scrgbClr r="0" g="0" b="0"/>
+      </a:lnRef>
+      <a:fillRef idx="1">
+        <a:scrgbClr r="0" g="0" b="0"/>
+      </a:fillRef>
+      <a:effectRef idx="0">
+        <a:scrgbClr r="0" g="0" b="0"/>
+      </a:effectRef>
+      <a:fontRef idx="minor"/>
+    </dgm:style>
+  </dgm:styleLbl>
+  <dgm:styleLbl name="revTx">
+    <dgm:scene3d>
+      <a:camera prst="orthographicFront"/>
+      <a:lightRig rig="threePt" dir="t"/>
+    </dgm:scene3d>
+    <dgm:sp3d/>
+    <dgm:txPr/>
+    <dgm:style>
+      <a:lnRef idx="0">
+        <a:scrgbClr r="0" g="0" b="0"/>
+      </a:lnRef>
+      <a:fillRef idx="0">
+        <a:scrgbClr r="0" g="0" b="0"/>
+      </a:fillRef>
+      <a:effectRef idx="0">
+        <a:scrgbClr r="0" g="0" b="0"/>
+      </a:effectRef>
+      <a:fontRef idx="minor"/>
+    </dgm:style>
+  </dgm:styleLbl>
+</dgm:styleDef>
 </file>
 
 <file path=ppt/notesMasters/notesMaster1.xml><?xml version="1.0" encoding="utf-8"?>
@@ -263,7 +3257,7 @@
           <a:p>
             <a:fld id="{7D868EC0-DCF4-4E75-982F-D508B22C4D5C}" type="datetimeFigureOut">
               <a:rPr lang="en-US" smtClean="0"/>
-              <a:t>12/21/2020</a:t>
+              <a:t>12/27/2020</a:t>
             </a:fld>
             <a:endParaRPr lang="en-US"/>
           </a:p>
@@ -661,10 +3655,101 @@
           <a:bodyPr/>
           <a:lstStyle/>
           <a:p>
+            <a:pPr marL="0" indent="0">
+              <a:buNone/>
+            </a:pPr>
             <a:r>
-              <a:rPr lang="en-US" sz="2000" dirty="0"/>
-              <a:t>Team members performed independent data visualization methods and found that output data was the same (YAY.)</a:t>
+              <a:rPr lang="en-US" sz="1200" dirty="0">
+                <a:solidFill>
+                  <a:srgbClr val="FFFFFF"/>
+                </a:solidFill>
+              </a:rPr>
+              <a:t>Examples include:</a:t>
             </a:r>
+          </a:p>
+          <a:p>
+            <a:pPr marL="0" indent="0">
+              <a:buNone/>
+            </a:pPr>
+            <a:r>
+              <a:rPr lang="en-US" sz="1200" dirty="0">
+                <a:solidFill>
+                  <a:srgbClr val="FFFFFF"/>
+                </a:solidFill>
+              </a:rPr>
+              <a:t>United </a:t>
+            </a:r>
+            <a:r>
+              <a:rPr lang="en-US" sz="1200" dirty="0" err="1">
+                <a:solidFill>
+                  <a:srgbClr val="FFFFFF"/>
+                </a:solidFill>
+              </a:rPr>
+              <a:t>Kingdon</a:t>
+            </a:r>
+            <a:r>
+              <a:rPr lang="en-US" sz="1200" dirty="0">
+                <a:solidFill>
+                  <a:srgbClr val="FFFFFF"/>
+                </a:solidFill>
+              </a:rPr>
+              <a:t> – Variant strain</a:t>
+            </a:r>
+          </a:p>
+          <a:p>
+            <a:pPr marL="0" indent="0">
+              <a:buNone/>
+            </a:pPr>
+            <a:r>
+              <a:rPr lang="en-US" sz="1200" dirty="0">
+                <a:solidFill>
+                  <a:srgbClr val="FFFFFF"/>
+                </a:solidFill>
+              </a:rPr>
+              <a:t>Italy – known high rate of infection, one of earliest countries severely impacted</a:t>
+            </a:r>
+          </a:p>
+          <a:p>
+            <a:pPr marL="0" indent="0">
+              <a:buNone/>
+            </a:pPr>
+            <a:r>
+              <a:rPr lang="en-US" sz="1200" dirty="0">
+                <a:solidFill>
+                  <a:srgbClr val="FFFFFF"/>
+                </a:solidFill>
+              </a:rPr>
+              <a:t>China – questionable data</a:t>
+            </a:r>
+          </a:p>
+          <a:p>
+            <a:pPr marL="0" indent="0">
+              <a:buNone/>
+            </a:pPr>
+            <a:r>
+              <a:rPr lang="en-US" sz="1200" dirty="0">
+                <a:solidFill>
+                  <a:srgbClr val="FFFFFF"/>
+                </a:solidFill>
+              </a:rPr>
+              <a:t>Monaco – dense population</a:t>
+            </a:r>
+          </a:p>
+          <a:p>
+            <a:pPr marL="0" indent="0">
+              <a:buNone/>
+            </a:pPr>
+            <a:r>
+              <a:rPr lang="en-US" sz="1200" dirty="0">
+                <a:solidFill>
+                  <a:srgbClr val="FFFFFF"/>
+                </a:solidFill>
+              </a:rPr>
+              <a:t>Seychelles – island region</a:t>
+            </a:r>
+          </a:p>
+          <a:p>
+            <a:endParaRPr lang="en-US" dirty="0"/>
           </a:p>
         </p:txBody>
       </p:sp>
@@ -694,7 +3779,7 @@
     </p:spTree>
     <p:extLst>
       <p:ext uri="{BB962C8B-B14F-4D97-AF65-F5344CB8AC3E}">
-        <p14:creationId xmlns:p14="http://schemas.microsoft.com/office/powerpoint/2010/main" val="1163329263"/>
+        <p14:creationId xmlns:p14="http://schemas.microsoft.com/office/powerpoint/2010/main" val="2408692493"/>
       </p:ext>
     </p:extLst>
   </p:cSld>
@@ -749,28 +3834,8 @@
           <a:lstStyle/>
           <a:p>
             <a:r>
-              <a:rPr lang="en-US" dirty="0"/>
-              <a:t>Similar methods were used to visualize infection rate and stringency rate over time (by country).</a:t>
-            </a:r>
-          </a:p>
-          <a:p>
-            <a:r>
-              <a:rPr lang="en-US" dirty="0"/>
-              <a:t>Note that two separate y-axes (‘</a:t>
-            </a:r>
-            <a:r>
-              <a:rPr lang="en-US" dirty="0" err="1"/>
-              <a:t>twinx</a:t>
-            </a:r>
-            <a:r>
-              <a:rPr lang="en-US" dirty="0"/>
-              <a:t>’ function) as the ranges for “Infection Rate” and “Stringency Index” are separated by several orders in magnitude.</a:t>
-            </a:r>
-          </a:p>
-          <a:p>
-            <a:r>
-              <a:rPr lang="en-US" dirty="0"/>
-              <a:t>For purposes of demonstration, the double line graph images were selected for presentation.</a:t>
+              <a:rPr lang="en-US" sz="2000" dirty="0"/>
+              <a:t>Team members performed independent data visualization methods and found that output data was the same (YAY.)</a:t>
             </a:r>
           </a:p>
         </p:txBody>
@@ -793,6 +3858,113 @@
             <a:fld id="{02B2652D-B2A1-44BF-96C1-15EEAE5CCF84}" type="slidenum">
               <a:rPr lang="en-US" smtClean="0"/>
               <a:t>13</a:t>
+            </a:fld>
+            <a:endParaRPr lang="en-US"/>
+          </a:p>
+        </p:txBody>
+      </p:sp>
+    </p:spTree>
+    <p:extLst>
+      <p:ext uri="{BB962C8B-B14F-4D97-AF65-F5344CB8AC3E}">
+        <p14:creationId xmlns:p14="http://schemas.microsoft.com/office/powerpoint/2010/main" val="1163329263"/>
+      </p:ext>
+    </p:extLst>
+  </p:cSld>
+  <p:clrMapOvr>
+    <a:masterClrMapping/>
+  </p:clrMapOvr>
+</p:notes>
+</file>
+
+<file path=ppt/notesSlides/notesSlide12.xml><?xml version="1.0" encoding="utf-8"?>
+<p:notes xmlns:a="http://schemas.openxmlformats.org/drawingml/2006/main" xmlns:r="http://schemas.openxmlformats.org/officeDocument/2006/relationships" xmlns:p="http://schemas.openxmlformats.org/presentationml/2006/main">
+  <p:cSld>
+    <p:spTree>
+      <p:nvGrpSpPr>
+        <p:cNvPr id="1" name=""/>
+        <p:cNvGrpSpPr/>
+        <p:nvPr/>
+      </p:nvGrpSpPr>
+      <p:grpSpPr>
+        <a:xfrm>
+          <a:off x="0" y="0"/>
+          <a:ext cx="0" cy="0"/>
+          <a:chOff x="0" y="0"/>
+          <a:chExt cx="0" cy="0"/>
+        </a:xfrm>
+      </p:grpSpPr>
+      <p:sp>
+        <p:nvSpPr>
+          <p:cNvPr id="2" name="Slide Image Placeholder 1"/>
+          <p:cNvSpPr>
+            <a:spLocks noGrp="1" noRot="1" noChangeAspect="1"/>
+          </p:cNvSpPr>
+          <p:nvPr>
+            <p:ph type="sldImg"/>
+          </p:nvPr>
+        </p:nvSpPr>
+        <p:spPr/>
+      </p:sp>
+      <p:sp>
+        <p:nvSpPr>
+          <p:cNvPr id="3" name="Notes Placeholder 2"/>
+          <p:cNvSpPr>
+            <a:spLocks noGrp="1"/>
+          </p:cNvSpPr>
+          <p:nvPr>
+            <p:ph type="body" idx="1"/>
+          </p:nvPr>
+        </p:nvSpPr>
+        <p:spPr/>
+        <p:txBody>
+          <a:bodyPr/>
+          <a:lstStyle/>
+          <a:p>
+            <a:r>
+              <a:rPr lang="en-US" dirty="0"/>
+              <a:t>Similar methods were used to visualize infection rate and stringency rate over time (by country).</a:t>
+            </a:r>
+          </a:p>
+          <a:p>
+            <a:r>
+              <a:rPr lang="en-US" dirty="0"/>
+              <a:t>Note that two separate y-axes (‘</a:t>
+            </a:r>
+            <a:r>
+              <a:rPr lang="en-US" dirty="0" err="1"/>
+              <a:t>twinx</a:t>
+            </a:r>
+            <a:r>
+              <a:rPr lang="en-US" dirty="0"/>
+              <a:t>’ function) as the ranges for “Infection Rate” and “Stringency Index” are separated by several orders in magnitude.</a:t>
+            </a:r>
+          </a:p>
+          <a:p>
+            <a:r>
+              <a:rPr lang="en-US" dirty="0"/>
+              <a:t>For purposes of demonstration, the double line graph images were selected for presentation.</a:t>
+            </a:r>
+          </a:p>
+        </p:txBody>
+      </p:sp>
+      <p:sp>
+        <p:nvSpPr>
+          <p:cNvPr id="4" name="Slide Number Placeholder 3"/>
+          <p:cNvSpPr>
+            <a:spLocks noGrp="1"/>
+          </p:cNvSpPr>
+          <p:nvPr>
+            <p:ph type="sldNum" sz="quarter" idx="5"/>
+          </p:nvPr>
+        </p:nvSpPr>
+        <p:spPr/>
+        <p:txBody>
+          <a:bodyPr/>
+          <a:lstStyle/>
+          <a:p>
+            <a:fld id="{02B2652D-B2A1-44BF-96C1-15EEAE5CCF84}" type="slidenum">
+              <a:rPr lang="en-US" smtClean="0"/>
+              <a:t>14</a:t>
             </a:fld>
             <a:endParaRPr lang="en-US"/>
           </a:p>
@@ -944,7 +4116,7 @@
           <a:p>
             <a:r>
               <a:rPr lang="en-US" dirty="0"/>
-              <a:t>Click on link to demonstrate various indices and measurements of stringency calculations</a:t>
+              <a:t>Snapshot of heatmap from Oxford University showing “stringency indices” by country ~June 2020.  Darker color signifies higher stringency.</a:t>
             </a:r>
           </a:p>
         </p:txBody>
@@ -975,7 +4147,7 @@
     </p:spTree>
     <p:extLst>
       <p:ext uri="{BB962C8B-B14F-4D97-AF65-F5344CB8AC3E}">
-        <p14:creationId xmlns:p14="http://schemas.microsoft.com/office/powerpoint/2010/main" val="1747703255"/>
+        <p14:creationId xmlns:p14="http://schemas.microsoft.com/office/powerpoint/2010/main" val="1122038235"/>
       </p:ext>
     </p:extLst>
   </p:cSld>
@@ -1029,56 +4201,10 @@
           <a:bodyPr/>
           <a:lstStyle/>
           <a:p>
-            <a:pPr marL="342900" marR="0" lvl="0" indent="-342900" algn="l" defTabSz="914400" rtl="0" eaLnBrk="1" fontAlgn="auto" latinLnBrk="0" hangingPunct="1">
-              <a:lnSpc>
-                <a:spcPct val="100000"/>
-              </a:lnSpc>
-              <a:spcBef>
-                <a:spcPts val="0"/>
-              </a:spcBef>
-              <a:spcAft>
-                <a:spcPts val="0"/>
-              </a:spcAft>
-              <a:buClrTx/>
-              <a:buSzTx/>
-              <a:buFont typeface="Arial" panose="020B0604020202020204" pitchFamily="34" charset="0"/>
-              <a:buChar char="•"/>
-              <a:tabLst/>
-              <a:defRPr/>
-            </a:pPr>
             <a:r>
-              <a:rPr lang="en-US" sz="2400" dirty="0"/>
-              <a:t>Because country name or identifications are not consistent amongst all data sets, our first goal was to create a standardized list of countries for which COVID data had been reported</a:t>
+              <a:rPr lang="en-US" dirty="0"/>
+              <a:t>Click on link to demonstrate various indices and measurements of stringency calculations</a:t>
             </a:r>
-          </a:p>
-          <a:p>
-            <a:pPr marL="342900" marR="0" lvl="0" indent="-342900" algn="l" defTabSz="914400" rtl="0" eaLnBrk="1" fontAlgn="auto" latinLnBrk="0" hangingPunct="1">
-              <a:lnSpc>
-                <a:spcPct val="100000"/>
-              </a:lnSpc>
-              <a:spcBef>
-                <a:spcPts val="0"/>
-              </a:spcBef>
-              <a:spcAft>
-                <a:spcPts val="0"/>
-              </a:spcAft>
-              <a:buClrTx/>
-              <a:buSzTx/>
-              <a:buFont typeface="Arial" panose="020B0604020202020204" pitchFamily="34" charset="0"/>
-              <a:buChar char="•"/>
-              <a:tabLst/>
-              <a:defRPr/>
-            </a:pPr>
-            <a:r>
-              <a:rPr lang="en-US" sz="2400" dirty="0"/>
-              <a:t>API collecting the countries for which COVID data has been reported (includes country name, ISO code and “slug” required for standardizing country ID)</a:t>
-            </a:r>
-          </a:p>
-          <a:p>
-            <a:endParaRPr lang="en-US" sz="2000" dirty="0"/>
-          </a:p>
-          <a:p>
-            <a:endParaRPr lang="en-US" dirty="0"/>
           </a:p>
         </p:txBody>
       </p:sp>
@@ -1108,7 +4234,7 @@
     </p:spTree>
     <p:extLst>
       <p:ext uri="{BB962C8B-B14F-4D97-AF65-F5344CB8AC3E}">
-        <p14:creationId xmlns:p14="http://schemas.microsoft.com/office/powerpoint/2010/main" val="2030332891"/>
+        <p14:creationId xmlns:p14="http://schemas.microsoft.com/office/powerpoint/2010/main" val="1747703255"/>
       </p:ext>
     </p:extLst>
   </p:cSld>
@@ -1162,6 +4288,52 @@
           <a:bodyPr/>
           <a:lstStyle/>
           <a:p>
+            <a:pPr marL="342900" marR="0" lvl="0" indent="-342900" algn="l" defTabSz="914400" rtl="0" eaLnBrk="1" fontAlgn="auto" latinLnBrk="0" hangingPunct="1">
+              <a:lnSpc>
+                <a:spcPct val="100000"/>
+              </a:lnSpc>
+              <a:spcBef>
+                <a:spcPts val="0"/>
+              </a:spcBef>
+              <a:spcAft>
+                <a:spcPts val="0"/>
+              </a:spcAft>
+              <a:buClrTx/>
+              <a:buSzTx/>
+              <a:buFont typeface="Arial" panose="020B0604020202020204" pitchFamily="34" charset="0"/>
+              <a:buChar char="•"/>
+              <a:tabLst/>
+              <a:defRPr/>
+            </a:pPr>
+            <a:r>
+              <a:rPr lang="en-US" sz="2400" dirty="0"/>
+              <a:t>Because country name or identifications are not consistent amongst all data sets, our first goal was to create a standardized list of countries for which COVID data had been reported</a:t>
+            </a:r>
+          </a:p>
+          <a:p>
+            <a:pPr marL="342900" marR="0" lvl="0" indent="-342900" algn="l" defTabSz="914400" rtl="0" eaLnBrk="1" fontAlgn="auto" latinLnBrk="0" hangingPunct="1">
+              <a:lnSpc>
+                <a:spcPct val="100000"/>
+              </a:lnSpc>
+              <a:spcBef>
+                <a:spcPts val="0"/>
+              </a:spcBef>
+              <a:spcAft>
+                <a:spcPts val="0"/>
+              </a:spcAft>
+              <a:buClrTx/>
+              <a:buSzTx/>
+              <a:buFont typeface="Arial" panose="020B0604020202020204" pitchFamily="34" charset="0"/>
+              <a:buChar char="•"/>
+              <a:tabLst/>
+              <a:defRPr/>
+            </a:pPr>
+            <a:r>
+              <a:rPr lang="en-US" sz="2400" dirty="0"/>
+              <a:t>API collecting the countries for which COVID data has been reported (includes country name, ISO code and “slug” required for standardizing country ID)</a:t>
+            </a:r>
+          </a:p>
+          <a:p>
             <a:endParaRPr lang="en-US" sz="2000" dirty="0"/>
           </a:p>
           <a:p>
@@ -1195,7 +4367,7 @@
     </p:spTree>
     <p:extLst>
       <p:ext uri="{BB962C8B-B14F-4D97-AF65-F5344CB8AC3E}">
-        <p14:creationId xmlns:p14="http://schemas.microsoft.com/office/powerpoint/2010/main" val="2998815276"/>
+        <p14:creationId xmlns:p14="http://schemas.microsoft.com/office/powerpoint/2010/main" val="2030332891"/>
       </p:ext>
     </p:extLst>
   </p:cSld>
@@ -1282,7 +4454,7 @@
     </p:spTree>
     <p:extLst>
       <p:ext uri="{BB962C8B-B14F-4D97-AF65-F5344CB8AC3E}">
-        <p14:creationId xmlns:p14="http://schemas.microsoft.com/office/powerpoint/2010/main" val="2151454699"/>
+        <p14:creationId xmlns:p14="http://schemas.microsoft.com/office/powerpoint/2010/main" val="2998815276"/>
       </p:ext>
     </p:extLst>
   </p:cSld>
@@ -1339,18 +4511,6 @@
             <a:endParaRPr lang="en-US" sz="2000" dirty="0"/>
           </a:p>
           <a:p>
-            <a:r>
-              <a:rPr lang="en-US" sz="1200" dirty="0"/>
-              <a:t>The “Stringency Index” data were cleaned by dropping null or rows with empty data; monthly indices were averaged using “</a:t>
-            </a:r>
-            <a:r>
-              <a:rPr lang="en-US" sz="1200" dirty="0" err="1"/>
-              <a:t>groupby</a:t>
-            </a:r>
-            <a:r>
-              <a:rPr lang="en-US" sz="1200" dirty="0"/>
-              <a:t>” country and month </a:t>
-            </a:r>
             <a:endParaRPr lang="en-US" dirty="0"/>
           </a:p>
         </p:txBody>
@@ -1381,7 +4541,7 @@
     </p:spTree>
     <p:extLst>
       <p:ext uri="{BB962C8B-B14F-4D97-AF65-F5344CB8AC3E}">
-        <p14:creationId xmlns:p14="http://schemas.microsoft.com/office/powerpoint/2010/main" val="979685383"/>
+        <p14:creationId xmlns:p14="http://schemas.microsoft.com/office/powerpoint/2010/main" val="2151454699"/>
       </p:ext>
     </p:extLst>
   </p:cSld>
@@ -1435,10 +4595,22 @@
           <a:bodyPr/>
           <a:lstStyle/>
           <a:p>
+            <a:endParaRPr lang="en-US" sz="2000" dirty="0"/>
+          </a:p>
+          <a:p>
             <a:r>
-              <a:rPr lang="en-US" dirty="0"/>
-              <a:t>Heatmap courtesy of Mir Ahmed!</a:t>
+              <a:rPr lang="en-US" sz="1200" dirty="0"/>
+              <a:t>The “Stringency Index” data were cleaned by dropping null or rows with empty data; monthly indices were averaged using “</a:t>
             </a:r>
+            <a:r>
+              <a:rPr lang="en-US" sz="1200" dirty="0" err="1"/>
+              <a:t>groupby</a:t>
+            </a:r>
+            <a:r>
+              <a:rPr lang="en-US" sz="1200" dirty="0"/>
+              <a:t>” country and month </a:t>
+            </a:r>
+            <a:endParaRPr lang="en-US" dirty="0"/>
           </a:p>
         </p:txBody>
       </p:sp>
@@ -1459,7 +4631,7 @@
           <a:p>
             <a:fld id="{02B2652D-B2A1-44BF-96C1-15EEAE5CCF84}" type="slidenum">
               <a:rPr lang="en-US" smtClean="0"/>
-              <a:t>10</a:t>
+              <a:t>9</a:t>
             </a:fld>
             <a:endParaRPr lang="en-US"/>
           </a:p>
@@ -1468,7 +4640,7 @@
     </p:spTree>
     <p:extLst>
       <p:ext uri="{BB962C8B-B14F-4D97-AF65-F5344CB8AC3E}">
-        <p14:creationId xmlns:p14="http://schemas.microsoft.com/office/powerpoint/2010/main" val="3199195193"/>
+        <p14:creationId xmlns:p14="http://schemas.microsoft.com/office/powerpoint/2010/main" val="979685383"/>
       </p:ext>
     </p:extLst>
   </p:cSld>
@@ -1522,101 +4694,10 @@
           <a:bodyPr/>
           <a:lstStyle/>
           <a:p>
-            <a:pPr marL="0" indent="0">
-              <a:buNone/>
-            </a:pPr>
             <a:r>
-              <a:rPr lang="en-US" sz="1200" dirty="0">
-                <a:solidFill>
-                  <a:srgbClr val="FFFFFF"/>
-                </a:solidFill>
-              </a:rPr>
-              <a:t>Examples include:</a:t>
+              <a:rPr lang="en-US" dirty="0"/>
+              <a:t>Heatmap courtesy of Mir Ahmed!</a:t>
             </a:r>
-          </a:p>
-          <a:p>
-            <a:pPr marL="0" indent="0">
-              <a:buNone/>
-            </a:pPr>
-            <a:r>
-              <a:rPr lang="en-US" sz="1200" dirty="0">
-                <a:solidFill>
-                  <a:srgbClr val="FFFFFF"/>
-                </a:solidFill>
-              </a:rPr>
-              <a:t>United </a:t>
-            </a:r>
-            <a:r>
-              <a:rPr lang="en-US" sz="1200" dirty="0" err="1">
-                <a:solidFill>
-                  <a:srgbClr val="FFFFFF"/>
-                </a:solidFill>
-              </a:rPr>
-              <a:t>Kingdon</a:t>
-            </a:r>
-            <a:r>
-              <a:rPr lang="en-US" sz="1200" dirty="0">
-                <a:solidFill>
-                  <a:srgbClr val="FFFFFF"/>
-                </a:solidFill>
-              </a:rPr>
-              <a:t> – Variant strain</a:t>
-            </a:r>
-          </a:p>
-          <a:p>
-            <a:pPr marL="0" indent="0">
-              <a:buNone/>
-            </a:pPr>
-            <a:r>
-              <a:rPr lang="en-US" sz="1200" dirty="0">
-                <a:solidFill>
-                  <a:srgbClr val="FFFFFF"/>
-                </a:solidFill>
-              </a:rPr>
-              <a:t>Italy – known high rate of infection, one of earliest countries severely impacted</a:t>
-            </a:r>
-          </a:p>
-          <a:p>
-            <a:pPr marL="0" indent="0">
-              <a:buNone/>
-            </a:pPr>
-            <a:r>
-              <a:rPr lang="en-US" sz="1200" dirty="0">
-                <a:solidFill>
-                  <a:srgbClr val="FFFFFF"/>
-                </a:solidFill>
-              </a:rPr>
-              <a:t>China – questionable data</a:t>
-            </a:r>
-          </a:p>
-          <a:p>
-            <a:pPr marL="0" indent="0">
-              <a:buNone/>
-            </a:pPr>
-            <a:r>
-              <a:rPr lang="en-US" sz="1200" dirty="0">
-                <a:solidFill>
-                  <a:srgbClr val="FFFFFF"/>
-                </a:solidFill>
-              </a:rPr>
-              <a:t>Monaco – dense population</a:t>
-            </a:r>
-          </a:p>
-          <a:p>
-            <a:pPr marL="0" indent="0">
-              <a:buNone/>
-            </a:pPr>
-            <a:r>
-              <a:rPr lang="en-US" sz="1200" dirty="0">
-                <a:solidFill>
-                  <a:srgbClr val="FFFFFF"/>
-                </a:solidFill>
-              </a:rPr>
-              <a:t>Seychelles – island region</a:t>
-            </a:r>
-          </a:p>
-          <a:p>
-            <a:endParaRPr lang="en-US" dirty="0"/>
           </a:p>
         </p:txBody>
       </p:sp>
@@ -1646,7 +4727,7 @@
     </p:spTree>
     <p:extLst>
       <p:ext uri="{BB962C8B-B14F-4D97-AF65-F5344CB8AC3E}">
-        <p14:creationId xmlns:p14="http://schemas.microsoft.com/office/powerpoint/2010/main" val="2408692493"/>
+        <p14:creationId xmlns:p14="http://schemas.microsoft.com/office/powerpoint/2010/main" val="3199195193"/>
       </p:ext>
     </p:extLst>
   </p:cSld>
@@ -1803,7 +4884,7 @@
           <a:p>
             <a:fld id="{5A8084B5-A120-41DB-BDF3-6B8AA36092C0}" type="datetimeFigureOut">
               <a:rPr lang="en-US" smtClean="0"/>
-              <a:t>12/19/2020</a:t>
+              <a:t>12/27/2020</a:t>
             </a:fld>
             <a:endParaRPr lang="en-US"/>
           </a:p>
@@ -2001,7 +5082,7 @@
           <a:p>
             <a:fld id="{5A8084B5-A120-41DB-BDF3-6B8AA36092C0}" type="datetimeFigureOut">
               <a:rPr lang="en-US" smtClean="0"/>
-              <a:t>12/19/2020</a:t>
+              <a:t>12/27/2020</a:t>
             </a:fld>
             <a:endParaRPr lang="en-US"/>
           </a:p>
@@ -2209,7 +5290,7 @@
           <a:p>
             <a:fld id="{5A8084B5-A120-41DB-BDF3-6B8AA36092C0}" type="datetimeFigureOut">
               <a:rPr lang="en-US" smtClean="0"/>
-              <a:t>12/19/2020</a:t>
+              <a:t>12/27/2020</a:t>
             </a:fld>
             <a:endParaRPr lang="en-US"/>
           </a:p>
@@ -2407,7 +5488,7 @@
           <a:p>
             <a:fld id="{5A8084B5-A120-41DB-BDF3-6B8AA36092C0}" type="datetimeFigureOut">
               <a:rPr lang="en-US" smtClean="0"/>
-              <a:t>12/19/2020</a:t>
+              <a:t>12/27/2020</a:t>
             </a:fld>
             <a:endParaRPr lang="en-US"/>
           </a:p>
@@ -2682,7 +5763,7 @@
           <a:p>
             <a:fld id="{5A8084B5-A120-41DB-BDF3-6B8AA36092C0}" type="datetimeFigureOut">
               <a:rPr lang="en-US" smtClean="0"/>
-              <a:t>12/19/2020</a:t>
+              <a:t>12/27/2020</a:t>
             </a:fld>
             <a:endParaRPr lang="en-US"/>
           </a:p>
@@ -2947,7 +6028,7 @@
           <a:p>
             <a:fld id="{5A8084B5-A120-41DB-BDF3-6B8AA36092C0}" type="datetimeFigureOut">
               <a:rPr lang="en-US" smtClean="0"/>
-              <a:t>12/19/2020</a:t>
+              <a:t>12/27/2020</a:t>
             </a:fld>
             <a:endParaRPr lang="en-US"/>
           </a:p>
@@ -3359,7 +6440,7 @@
           <a:p>
             <a:fld id="{5A8084B5-A120-41DB-BDF3-6B8AA36092C0}" type="datetimeFigureOut">
               <a:rPr lang="en-US" smtClean="0"/>
-              <a:t>12/19/2020</a:t>
+              <a:t>12/27/2020</a:t>
             </a:fld>
             <a:endParaRPr lang="en-US"/>
           </a:p>
@@ -3500,7 +6581,7 @@
           <a:p>
             <a:fld id="{5A8084B5-A120-41DB-BDF3-6B8AA36092C0}" type="datetimeFigureOut">
               <a:rPr lang="en-US" smtClean="0"/>
-              <a:t>12/19/2020</a:t>
+              <a:t>12/27/2020</a:t>
             </a:fld>
             <a:endParaRPr lang="en-US"/>
           </a:p>
@@ -3613,7 +6694,7 @@
           <a:p>
             <a:fld id="{5A8084B5-A120-41DB-BDF3-6B8AA36092C0}" type="datetimeFigureOut">
               <a:rPr lang="en-US" smtClean="0"/>
-              <a:t>12/19/2020</a:t>
+              <a:t>12/27/2020</a:t>
             </a:fld>
             <a:endParaRPr lang="en-US"/>
           </a:p>
@@ -3924,7 +7005,7 @@
           <a:p>
             <a:fld id="{5A8084B5-A120-41DB-BDF3-6B8AA36092C0}" type="datetimeFigureOut">
               <a:rPr lang="en-US" smtClean="0"/>
-              <a:t>12/19/2020</a:t>
+              <a:t>12/27/2020</a:t>
             </a:fld>
             <a:endParaRPr lang="en-US"/>
           </a:p>
@@ -4212,7 +7293,7 @@
           <a:p>
             <a:fld id="{5A8084B5-A120-41DB-BDF3-6B8AA36092C0}" type="datetimeFigureOut">
               <a:rPr lang="en-US" smtClean="0"/>
-              <a:t>12/19/2020</a:t>
+              <a:t>12/27/2020</a:t>
             </a:fld>
             <a:endParaRPr lang="en-US"/>
           </a:p>
@@ -4453,7 +7534,7 @@
           <a:p>
             <a:fld id="{5A8084B5-A120-41DB-BDF3-6B8AA36092C0}" type="datetimeFigureOut">
               <a:rPr lang="en-US" smtClean="0"/>
-              <a:t>12/19/2020</a:t>
+              <a:t>12/27/2020</a:t>
             </a:fld>
             <a:endParaRPr lang="en-US"/>
           </a:p>
@@ -5242,6 +8323,871 @@
       </p:grpSpPr>
       <p:sp>
         <p:nvSpPr>
+          <p:cNvPr id="8" name="Freeform: Shape 7">
+            <a:extLst>
+              <a:ext uri="{FF2B5EF4-FFF2-40B4-BE49-F238E27FC236}">
+                <a16:creationId xmlns:a16="http://schemas.microsoft.com/office/drawing/2014/main" id="{7CB4857B-ED7C-444D-9F04-2F885114A1C2}"/>
+              </a:ext>
+              <a:ext uri="{C183D7F6-B498-43B3-948B-1728B52AA6E4}">
+                <adec:decorative xmlns:adec="http://schemas.microsoft.com/office/drawing/2017/decorative" val="1"/>
+              </a:ext>
+            </a:extLst>
+          </p:cNvPr>
+          <p:cNvSpPr>
+            <a:spLocks noGrp="1" noRot="1" noChangeAspect="1" noMove="1" noResize="1" noEditPoints="1" noAdjustHandles="1" noChangeArrowheads="1" noChangeShapeType="1" noTextEdit="1"/>
+          </p:cNvSpPr>
+          <p:nvPr>
+            <p:extLst>
+              <p:ext uri="{386F3935-93C4-4BCD-93E2-E3B085C9AB24}">
+                <p16:designElem xmlns:p16="http://schemas.microsoft.com/office/powerpoint/2015/main" val="1"/>
+              </p:ext>
+            </p:extLst>
+          </p:nvPr>
+        </p:nvSpPr>
+        <p:spPr>
+          <a:xfrm>
+            <a:off x="1" y="0"/>
+            <a:ext cx="1764099" cy="1558212"/>
+          </a:xfrm>
+          <a:custGeom>
+            <a:avLst/>
+            <a:gdLst>
+              <a:gd name="connsiteX0" fmla="*/ 0 w 1764099"/>
+              <a:gd name="connsiteY0" fmla="*/ 0 h 1558212"/>
+              <a:gd name="connsiteX1" fmla="*/ 1764099 w 1764099"/>
+              <a:gd name="connsiteY1" fmla="*/ 0 h 1558212"/>
+              <a:gd name="connsiteX2" fmla="*/ 1042087 w 1764099"/>
+              <a:gd name="connsiteY2" fmla="*/ 1558212 h 1558212"/>
+              <a:gd name="connsiteX3" fmla="*/ 0 w 1764099"/>
+              <a:gd name="connsiteY3" fmla="*/ 1558212 h 1558212"/>
+            </a:gdLst>
+            <a:ahLst/>
+            <a:cxnLst>
+              <a:cxn ang="0">
+                <a:pos x="connsiteX0" y="connsiteY0"/>
+              </a:cxn>
+              <a:cxn ang="0">
+                <a:pos x="connsiteX1" y="connsiteY1"/>
+              </a:cxn>
+              <a:cxn ang="0">
+                <a:pos x="connsiteX2" y="connsiteY2"/>
+              </a:cxn>
+              <a:cxn ang="0">
+                <a:pos x="connsiteX3" y="connsiteY3"/>
+              </a:cxn>
+            </a:cxnLst>
+            <a:rect l="l" t="t" r="r" b="b"/>
+            <a:pathLst>
+              <a:path w="1764099" h="1558212">
+                <a:moveTo>
+                  <a:pt x="0" y="0"/>
+                </a:moveTo>
+                <a:lnTo>
+                  <a:pt x="1764099" y="0"/>
+                </a:lnTo>
+                <a:lnTo>
+                  <a:pt x="1042087" y="1558212"/>
+                </a:lnTo>
+                <a:lnTo>
+                  <a:pt x="0" y="1558212"/>
+                </a:lnTo>
+                <a:close/>
+              </a:path>
+            </a:pathLst>
+          </a:custGeom>
+          <a:solidFill>
+            <a:schemeClr val="accent4"/>
+          </a:solidFill>
+          <a:ln>
+            <a:noFill/>
+          </a:ln>
+        </p:spPr>
+        <p:style>
+          <a:lnRef idx="2">
+            <a:schemeClr val="accent1">
+              <a:shade val="50000"/>
+            </a:schemeClr>
+          </a:lnRef>
+          <a:fillRef idx="1">
+            <a:schemeClr val="accent1"/>
+          </a:fillRef>
+          <a:effectRef idx="0">
+            <a:schemeClr val="accent1"/>
+          </a:effectRef>
+          <a:fontRef idx="minor">
+            <a:schemeClr val="lt1"/>
+          </a:fontRef>
+        </p:style>
+        <p:txBody>
+          <a:bodyPr wrap="square" rtlCol="0" anchor="ctr">
+            <a:noAutofit/>
+          </a:bodyPr>
+          <a:lstStyle/>
+          <a:p>
+            <a:pPr algn="ctr"/>
+            <a:endParaRPr lang="en-US"/>
+          </a:p>
+        </p:txBody>
+      </p:sp>
+      <p:sp>
+        <p:nvSpPr>
+          <p:cNvPr id="10" name="Freeform: Shape 9">
+            <a:extLst>
+              <a:ext uri="{FF2B5EF4-FFF2-40B4-BE49-F238E27FC236}">
+                <a16:creationId xmlns:a16="http://schemas.microsoft.com/office/drawing/2014/main" id="{D18046FB-44EA-4FD8-A585-EA09A319B2D0}"/>
+              </a:ext>
+              <a:ext uri="{C183D7F6-B498-43B3-948B-1728B52AA6E4}">
+                <adec:decorative xmlns:adec="http://schemas.microsoft.com/office/drawing/2017/decorative" val="1"/>
+              </a:ext>
+            </a:extLst>
+          </p:cNvPr>
+          <p:cNvSpPr>
+            <a:spLocks noGrp="1" noRot="1" noChangeAspect="1" noMove="1" noResize="1" noEditPoints="1" noAdjustHandles="1" noChangeArrowheads="1" noChangeShapeType="1" noTextEdit="1"/>
+          </p:cNvSpPr>
+          <p:nvPr>
+            <p:extLst>
+              <p:ext uri="{386F3935-93C4-4BCD-93E2-E3B085C9AB24}">
+                <p16:designElem xmlns:p16="http://schemas.microsoft.com/office/powerpoint/2015/main" val="1"/>
+              </p:ext>
+            </p:extLst>
+          </p:nvPr>
+        </p:nvSpPr>
+        <p:spPr>
+          <a:xfrm>
+            <a:off x="1" y="1691640"/>
+            <a:ext cx="12191999" cy="5166360"/>
+          </a:xfrm>
+          <a:custGeom>
+            <a:avLst/>
+            <a:gdLst>
+              <a:gd name="connsiteX0" fmla="*/ 0 w 12191999"/>
+              <a:gd name="connsiteY0" fmla="*/ 0 h 5166360"/>
+              <a:gd name="connsiteX1" fmla="*/ 1822388 w 12191999"/>
+              <a:gd name="connsiteY1" fmla="*/ 0 h 5166360"/>
+              <a:gd name="connsiteX2" fmla="*/ 6468290 w 12191999"/>
+              <a:gd name="connsiteY2" fmla="*/ 0 h 5166360"/>
+              <a:gd name="connsiteX3" fmla="*/ 7796394 w 12191999"/>
+              <a:gd name="connsiteY3" fmla="*/ 0 h 5166360"/>
+              <a:gd name="connsiteX4" fmla="*/ 8376834 w 12191999"/>
+              <a:gd name="connsiteY4" fmla="*/ 0 h 5166360"/>
+              <a:gd name="connsiteX5" fmla="*/ 9704938 w 12191999"/>
+              <a:gd name="connsiteY5" fmla="*/ 0 h 5166360"/>
+              <a:gd name="connsiteX6" fmla="*/ 9704938 w 12191999"/>
+              <a:gd name="connsiteY6" fmla="*/ 2 h 5166360"/>
+              <a:gd name="connsiteX7" fmla="*/ 10283456 w 12191999"/>
+              <a:gd name="connsiteY7" fmla="*/ 2 h 5166360"/>
+              <a:gd name="connsiteX8" fmla="*/ 10863897 w 12191999"/>
+              <a:gd name="connsiteY8" fmla="*/ 2 h 5166360"/>
+              <a:gd name="connsiteX9" fmla="*/ 12191999 w 12191999"/>
+              <a:gd name="connsiteY9" fmla="*/ 2 h 5166360"/>
+              <a:gd name="connsiteX10" fmla="*/ 12191999 w 12191999"/>
+              <a:gd name="connsiteY10" fmla="*/ 5166360 h 5166360"/>
+              <a:gd name="connsiteX11" fmla="*/ 0 w 12191999"/>
+              <a:gd name="connsiteY11" fmla="*/ 5166360 h 5166360"/>
+              <a:gd name="connsiteX12" fmla="*/ 0 w 12191999"/>
+              <a:gd name="connsiteY12" fmla="*/ 2604436 h 5166360"/>
+              <a:gd name="connsiteX13" fmla="*/ 862341 w 12191999"/>
+              <a:gd name="connsiteY13" fmla="*/ 743371 h 5166360"/>
+              <a:gd name="connsiteX14" fmla="*/ 0 w 12191999"/>
+              <a:gd name="connsiteY14" fmla="*/ 743371 h 5166360"/>
+              <a:gd name="connsiteX15" fmla="*/ 0 w 12191999"/>
+              <a:gd name="connsiteY15" fmla="*/ 742508 h 5166360"/>
+              <a:gd name="connsiteX16" fmla="*/ 92826 w 12191999"/>
+              <a:gd name="connsiteY16" fmla="*/ 742508 h 5166360"/>
+              <a:gd name="connsiteX17" fmla="*/ 406486 w 12191999"/>
+              <a:gd name="connsiteY17" fmla="*/ 742508 h 5166360"/>
+              <a:gd name="connsiteX18" fmla="*/ 406486 w 12191999"/>
+              <a:gd name="connsiteY18" fmla="*/ 742507 h 5166360"/>
+              <a:gd name="connsiteX19" fmla="*/ 862741 w 12191999"/>
+              <a:gd name="connsiteY19" fmla="*/ 742507 h 5166360"/>
+              <a:gd name="connsiteX20" fmla="*/ 1206388 w 12191999"/>
+              <a:gd name="connsiteY20" fmla="*/ 864 h 5166360"/>
+              <a:gd name="connsiteX21" fmla="*/ 748500 w 12191999"/>
+              <a:gd name="connsiteY21" fmla="*/ 864 h 5166360"/>
+              <a:gd name="connsiteX22" fmla="*/ 0 w 12191999"/>
+              <a:gd name="connsiteY22" fmla="*/ 864 h 5166360"/>
+            </a:gdLst>
+            <a:ahLst/>
+            <a:cxnLst>
+              <a:cxn ang="0">
+                <a:pos x="connsiteX0" y="connsiteY0"/>
+              </a:cxn>
+              <a:cxn ang="0">
+                <a:pos x="connsiteX1" y="connsiteY1"/>
+              </a:cxn>
+              <a:cxn ang="0">
+                <a:pos x="connsiteX2" y="connsiteY2"/>
+              </a:cxn>
+              <a:cxn ang="0">
+                <a:pos x="connsiteX3" y="connsiteY3"/>
+              </a:cxn>
+              <a:cxn ang="0">
+                <a:pos x="connsiteX4" y="connsiteY4"/>
+              </a:cxn>
+              <a:cxn ang="0">
+                <a:pos x="connsiteX5" y="connsiteY5"/>
+              </a:cxn>
+              <a:cxn ang="0">
+                <a:pos x="connsiteX6" y="connsiteY6"/>
+              </a:cxn>
+              <a:cxn ang="0">
+                <a:pos x="connsiteX7" y="connsiteY7"/>
+              </a:cxn>
+              <a:cxn ang="0">
+                <a:pos x="connsiteX8" y="connsiteY8"/>
+              </a:cxn>
+              <a:cxn ang="0">
+                <a:pos x="connsiteX9" y="connsiteY9"/>
+              </a:cxn>
+              <a:cxn ang="0">
+                <a:pos x="connsiteX10" y="connsiteY10"/>
+              </a:cxn>
+              <a:cxn ang="0">
+                <a:pos x="connsiteX11" y="connsiteY11"/>
+              </a:cxn>
+              <a:cxn ang="0">
+                <a:pos x="connsiteX12" y="connsiteY12"/>
+              </a:cxn>
+              <a:cxn ang="0">
+                <a:pos x="connsiteX13" y="connsiteY13"/>
+              </a:cxn>
+              <a:cxn ang="0">
+                <a:pos x="connsiteX14" y="connsiteY14"/>
+              </a:cxn>
+              <a:cxn ang="0">
+                <a:pos x="connsiteX15" y="connsiteY15"/>
+              </a:cxn>
+              <a:cxn ang="0">
+                <a:pos x="connsiteX16" y="connsiteY16"/>
+              </a:cxn>
+              <a:cxn ang="0">
+                <a:pos x="connsiteX17" y="connsiteY17"/>
+              </a:cxn>
+              <a:cxn ang="0">
+                <a:pos x="connsiteX18" y="connsiteY18"/>
+              </a:cxn>
+              <a:cxn ang="0">
+                <a:pos x="connsiteX19" y="connsiteY19"/>
+              </a:cxn>
+              <a:cxn ang="0">
+                <a:pos x="connsiteX20" y="connsiteY20"/>
+              </a:cxn>
+              <a:cxn ang="0">
+                <a:pos x="connsiteX21" y="connsiteY21"/>
+              </a:cxn>
+              <a:cxn ang="0">
+                <a:pos x="connsiteX22" y="connsiteY22"/>
+              </a:cxn>
+            </a:cxnLst>
+            <a:rect l="l" t="t" r="r" b="b"/>
+            <a:pathLst>
+              <a:path w="12191999" h="5166360">
+                <a:moveTo>
+                  <a:pt x="0" y="0"/>
+                </a:moveTo>
+                <a:lnTo>
+                  <a:pt x="1822388" y="0"/>
+                </a:lnTo>
+                <a:lnTo>
+                  <a:pt x="6468290" y="0"/>
+                </a:lnTo>
+                <a:lnTo>
+                  <a:pt x="7796394" y="0"/>
+                </a:lnTo>
+                <a:lnTo>
+                  <a:pt x="8376834" y="0"/>
+                </a:lnTo>
+                <a:lnTo>
+                  <a:pt x="9704938" y="0"/>
+                </a:lnTo>
+                <a:lnTo>
+                  <a:pt x="9704938" y="2"/>
+                </a:lnTo>
+                <a:lnTo>
+                  <a:pt x="10283456" y="2"/>
+                </a:lnTo>
+                <a:lnTo>
+                  <a:pt x="10863897" y="2"/>
+                </a:lnTo>
+                <a:lnTo>
+                  <a:pt x="12191999" y="2"/>
+                </a:lnTo>
+                <a:lnTo>
+                  <a:pt x="12191999" y="5166360"/>
+                </a:lnTo>
+                <a:lnTo>
+                  <a:pt x="0" y="5166360"/>
+                </a:lnTo>
+                <a:lnTo>
+                  <a:pt x="0" y="2604436"/>
+                </a:lnTo>
+                <a:lnTo>
+                  <a:pt x="862341" y="743371"/>
+                </a:lnTo>
+                <a:lnTo>
+                  <a:pt x="0" y="743371"/>
+                </a:lnTo>
+                <a:lnTo>
+                  <a:pt x="0" y="742508"/>
+                </a:lnTo>
+                <a:lnTo>
+                  <a:pt x="92826" y="742508"/>
+                </a:lnTo>
+                <a:lnTo>
+                  <a:pt x="406486" y="742508"/>
+                </a:lnTo>
+                <a:lnTo>
+                  <a:pt x="406486" y="742507"/>
+                </a:lnTo>
+                <a:lnTo>
+                  <a:pt x="862741" y="742507"/>
+                </a:lnTo>
+                <a:lnTo>
+                  <a:pt x="1206388" y="864"/>
+                </a:lnTo>
+                <a:lnTo>
+                  <a:pt x="748500" y="864"/>
+                </a:lnTo>
+                <a:lnTo>
+                  <a:pt x="0" y="864"/>
+                </a:lnTo>
+                <a:close/>
+              </a:path>
+            </a:pathLst>
+          </a:custGeom>
+          <a:solidFill>
+            <a:srgbClr val="A6A6A6">
+              <a:alpha val="49804"/>
+            </a:srgbClr>
+          </a:solidFill>
+          <a:ln>
+            <a:noFill/>
+          </a:ln>
+        </p:spPr>
+        <p:style>
+          <a:lnRef idx="2">
+            <a:schemeClr val="accent1">
+              <a:shade val="50000"/>
+            </a:schemeClr>
+          </a:lnRef>
+          <a:fillRef idx="1">
+            <a:schemeClr val="accent1"/>
+          </a:fillRef>
+          <a:effectRef idx="0">
+            <a:schemeClr val="accent1"/>
+          </a:effectRef>
+          <a:fontRef idx="minor">
+            <a:schemeClr val="lt1"/>
+          </a:fontRef>
+        </p:style>
+        <p:txBody>
+          <a:bodyPr wrap="square" rtlCol="0" anchor="ctr">
+            <a:noAutofit/>
+          </a:bodyPr>
+          <a:lstStyle/>
+          <a:p>
+            <a:pPr algn="ctr"/>
+            <a:endParaRPr lang="en-US"/>
+          </a:p>
+        </p:txBody>
+      </p:sp>
+      <p:sp>
+        <p:nvSpPr>
+          <p:cNvPr id="12" name="Freeform: Shape 11">
+            <a:extLst>
+              <a:ext uri="{FF2B5EF4-FFF2-40B4-BE49-F238E27FC236}">
+                <a16:creationId xmlns:a16="http://schemas.microsoft.com/office/drawing/2014/main" id="{479F5F2B-8B58-4140-AE6A-51F6C67B18D9}"/>
+              </a:ext>
+              <a:ext uri="{C183D7F6-B498-43B3-948B-1728B52AA6E4}">
+                <adec:decorative xmlns:adec="http://schemas.microsoft.com/office/drawing/2017/decorative" val="1"/>
+              </a:ext>
+            </a:extLst>
+          </p:cNvPr>
+          <p:cNvSpPr>
+            <a:spLocks noGrp="1" noRot="1" noChangeAspect="1" noMove="1" noResize="1" noEditPoints="1" noAdjustHandles="1" noChangeArrowheads="1" noChangeShapeType="1" noTextEdit="1"/>
+          </p:cNvSpPr>
+          <p:nvPr>
+            <p:extLst>
+              <p:ext uri="{386F3935-93C4-4BCD-93E2-E3B085C9AB24}">
+                <p16:designElem xmlns:p16="http://schemas.microsoft.com/office/powerpoint/2015/main" val="1"/>
+              </p:ext>
+            </p:extLst>
+          </p:nvPr>
+        </p:nvSpPr>
+        <p:spPr>
+          <a:xfrm>
+            <a:off x="0" y="1691641"/>
+            <a:ext cx="971654" cy="2096979"/>
+          </a:xfrm>
+          <a:custGeom>
+            <a:avLst/>
+            <a:gdLst>
+              <a:gd name="connsiteX0" fmla="*/ 0 w 971654"/>
+              <a:gd name="connsiteY0" fmla="*/ 0 h 2096979"/>
+              <a:gd name="connsiteX1" fmla="*/ 971654 w 971654"/>
+              <a:gd name="connsiteY1" fmla="*/ 0 h 2096979"/>
+              <a:gd name="connsiteX2" fmla="*/ 0 w 971654"/>
+              <a:gd name="connsiteY2" fmla="*/ 2096979 h 2096979"/>
+            </a:gdLst>
+            <a:ahLst/>
+            <a:cxnLst>
+              <a:cxn ang="0">
+                <a:pos x="connsiteX0" y="connsiteY0"/>
+              </a:cxn>
+              <a:cxn ang="0">
+                <a:pos x="connsiteX1" y="connsiteY1"/>
+              </a:cxn>
+              <a:cxn ang="0">
+                <a:pos x="connsiteX2" y="connsiteY2"/>
+              </a:cxn>
+            </a:cxnLst>
+            <a:rect l="l" t="t" r="r" b="b"/>
+            <a:pathLst>
+              <a:path w="971654" h="2096979">
+                <a:moveTo>
+                  <a:pt x="0" y="0"/>
+                </a:moveTo>
+                <a:lnTo>
+                  <a:pt x="971654" y="0"/>
+                </a:lnTo>
+                <a:lnTo>
+                  <a:pt x="0" y="2096979"/>
+                </a:lnTo>
+                <a:close/>
+              </a:path>
+            </a:pathLst>
+          </a:custGeom>
+          <a:solidFill>
+            <a:srgbClr val="404040"/>
+          </a:solidFill>
+          <a:ln>
+            <a:noFill/>
+          </a:ln>
+        </p:spPr>
+        <p:style>
+          <a:lnRef idx="2">
+            <a:schemeClr val="accent1">
+              <a:shade val="50000"/>
+            </a:schemeClr>
+          </a:lnRef>
+          <a:fillRef idx="1">
+            <a:schemeClr val="accent1"/>
+          </a:fillRef>
+          <a:effectRef idx="0">
+            <a:schemeClr val="accent1"/>
+          </a:effectRef>
+          <a:fontRef idx="minor">
+            <a:schemeClr val="lt1"/>
+          </a:fontRef>
+        </p:style>
+        <p:txBody>
+          <a:bodyPr wrap="square" rtlCol="0" anchor="ctr">
+            <a:noAutofit/>
+          </a:bodyPr>
+          <a:lstStyle/>
+          <a:p>
+            <a:pPr algn="ctr"/>
+            <a:endParaRPr lang="en-US"/>
+          </a:p>
+        </p:txBody>
+      </p:sp>
+      <p:sp>
+        <p:nvSpPr>
+          <p:cNvPr id="3" name="Content Placeholder 2">
+            <a:extLst>
+              <a:ext uri="{FF2B5EF4-FFF2-40B4-BE49-F238E27FC236}">
+                <a16:creationId xmlns:a16="http://schemas.microsoft.com/office/drawing/2014/main" id="{F0C9D29A-341E-4C3A-A78C-AF45FA53BE59}"/>
+              </a:ext>
+            </a:extLst>
+          </p:cNvPr>
+          <p:cNvSpPr>
+            <a:spLocks noGrp="1"/>
+          </p:cNvSpPr>
+          <p:nvPr>
+            <p:ph idx="1"/>
+          </p:nvPr>
+        </p:nvSpPr>
+        <p:spPr>
+          <a:xfrm>
+            <a:off x="1185332" y="1758633"/>
+            <a:ext cx="10481735" cy="1446213"/>
+          </a:xfrm>
+        </p:spPr>
+        <p:txBody>
+          <a:bodyPr anchor="t">
+            <a:normAutofit/>
+          </a:bodyPr>
+          <a:lstStyle/>
+          <a:p>
+            <a:r>
+              <a:rPr lang="en-US" sz="2000" dirty="0"/>
+              <a:t>Using similar methods, separate </a:t>
+            </a:r>
+            <a:r>
+              <a:rPr lang="en-US" sz="2000" dirty="0" err="1"/>
+              <a:t>dataframes</a:t>
+            </a:r>
+            <a:r>
+              <a:rPr lang="en-US" sz="2000" dirty="0"/>
+              <a:t> containing country population and geographic coordinates were created to generate the “Ultimate” dataframe containing all data needed to test hypothesis:</a:t>
+            </a:r>
+          </a:p>
+          <a:p>
+            <a:pPr marL="457200" lvl="1" indent="0">
+              <a:buNone/>
+            </a:pPr>
+            <a:endParaRPr lang="en-US" sz="2000" dirty="0"/>
+          </a:p>
+          <a:p>
+            <a:pPr lvl="1"/>
+            <a:endParaRPr lang="en-US" sz="2000" dirty="0"/>
+          </a:p>
+        </p:txBody>
+      </p:sp>
+      <p:grpSp>
+        <p:nvGrpSpPr>
+          <p:cNvPr id="21" name="Group 20">
+            <a:extLst>
+              <a:ext uri="{FF2B5EF4-FFF2-40B4-BE49-F238E27FC236}">
+                <a16:creationId xmlns:a16="http://schemas.microsoft.com/office/drawing/2014/main" id="{1AC34932-8BB7-4E2E-B2F8-07E401547C8A}"/>
+              </a:ext>
+            </a:extLst>
+          </p:cNvPr>
+          <p:cNvGrpSpPr/>
+          <p:nvPr/>
+        </p:nvGrpSpPr>
+        <p:grpSpPr>
+          <a:xfrm>
+            <a:off x="711198" y="2743577"/>
+            <a:ext cx="11142134" cy="4030343"/>
+            <a:chOff x="711198" y="2827657"/>
+            <a:chExt cx="11142134" cy="4030343"/>
+          </a:xfrm>
+        </p:grpSpPr>
+        <p:pic>
+          <p:nvPicPr>
+            <p:cNvPr id="11" name="Picture 10">
+              <a:extLst>
+                <a:ext uri="{FF2B5EF4-FFF2-40B4-BE49-F238E27FC236}">
+                  <a16:creationId xmlns:a16="http://schemas.microsoft.com/office/drawing/2014/main" id="{09F10D76-A530-4FEB-94C2-4D7C1A1972CB}"/>
+                </a:ext>
+              </a:extLst>
+            </p:cNvPr>
+            <p:cNvPicPr>
+              <a:picLocks noChangeAspect="1"/>
+            </p:cNvPicPr>
+            <p:nvPr/>
+          </p:nvPicPr>
+          <p:blipFill rotWithShape="1">
+            <a:blip r:embed="rId2"/>
+            <a:srcRect r="-1" b="2974"/>
+            <a:stretch/>
+          </p:blipFill>
+          <p:spPr>
+            <a:xfrm>
+              <a:off x="711198" y="2827657"/>
+              <a:ext cx="11142134" cy="2972933"/>
+            </a:xfrm>
+            <a:prstGeom prst="rect">
+              <a:avLst/>
+            </a:prstGeom>
+          </p:spPr>
+        </p:pic>
+        <p:sp>
+          <p:nvSpPr>
+            <p:cNvPr id="9" name="Oval 8">
+              <a:extLst>
+                <a:ext uri="{FF2B5EF4-FFF2-40B4-BE49-F238E27FC236}">
+                  <a16:creationId xmlns:a16="http://schemas.microsoft.com/office/drawing/2014/main" id="{44D8ACC2-C8B0-494E-8894-F0747BF0EB51}"/>
+                </a:ext>
+              </a:extLst>
+            </p:cNvPr>
+            <p:cNvSpPr/>
+            <p:nvPr/>
+          </p:nvSpPr>
+          <p:spPr>
+            <a:xfrm>
+              <a:off x="9104488" y="3169850"/>
+              <a:ext cx="1377245" cy="905440"/>
+            </a:xfrm>
+            <a:prstGeom prst="ellipse">
+              <a:avLst/>
+            </a:prstGeom>
+            <a:noFill/>
+            <a:ln w="31750">
+              <a:solidFill>
+                <a:srgbClr val="FF0000"/>
+              </a:solidFill>
+            </a:ln>
+          </p:spPr>
+          <p:style>
+            <a:lnRef idx="2">
+              <a:schemeClr val="accent1">
+                <a:shade val="50000"/>
+              </a:schemeClr>
+            </a:lnRef>
+            <a:fillRef idx="1">
+              <a:schemeClr val="accent1"/>
+            </a:fillRef>
+            <a:effectRef idx="0">
+              <a:schemeClr val="accent1"/>
+            </a:effectRef>
+            <a:fontRef idx="minor">
+              <a:schemeClr val="lt1"/>
+            </a:fontRef>
+          </p:style>
+          <p:txBody>
+            <a:bodyPr rtlCol="0" anchor="ctr"/>
+            <a:lstStyle/>
+            <a:p>
+              <a:pPr algn="ctr"/>
+              <a:endParaRPr lang="en-US"/>
+            </a:p>
+          </p:txBody>
+        </p:sp>
+        <p:cxnSp>
+          <p:nvCxnSpPr>
+            <p:cNvPr id="14" name="Straight Arrow Connector 13">
+              <a:extLst>
+                <a:ext uri="{FF2B5EF4-FFF2-40B4-BE49-F238E27FC236}">
+                  <a16:creationId xmlns:a16="http://schemas.microsoft.com/office/drawing/2014/main" id="{279AF249-B0DE-4501-AAE1-0ACF24E5CB42}"/>
+                </a:ext>
+              </a:extLst>
+            </p:cNvPr>
+            <p:cNvCxnSpPr>
+              <a:cxnSpLocks/>
+              <a:stCxn id="15" idx="4"/>
+            </p:cNvCxnSpPr>
+            <p:nvPr/>
+          </p:nvCxnSpPr>
+          <p:spPr>
+            <a:xfrm flipV="1">
+              <a:off x="5667665" y="4075290"/>
+              <a:ext cx="3792424" cy="2067677"/>
+            </a:xfrm>
+            <a:prstGeom prst="straightConnector1">
+              <a:avLst/>
+            </a:prstGeom>
+            <a:ln w="28575">
+              <a:tailEnd type="triangle"/>
+            </a:ln>
+          </p:spPr>
+          <p:style>
+            <a:lnRef idx="1">
+              <a:schemeClr val="accent1"/>
+            </a:lnRef>
+            <a:fillRef idx="0">
+              <a:schemeClr val="accent1"/>
+            </a:fillRef>
+            <a:effectRef idx="0">
+              <a:schemeClr val="accent1"/>
+            </a:effectRef>
+            <a:fontRef idx="minor">
+              <a:schemeClr val="tx1"/>
+            </a:fontRef>
+          </p:style>
+        </p:cxnSp>
+        <p:sp>
+          <p:nvSpPr>
+            <p:cNvPr id="15" name="Speech Bubble: Rectangle with Corners Rounded 14">
+              <a:extLst>
+                <a:ext uri="{FF2B5EF4-FFF2-40B4-BE49-F238E27FC236}">
+                  <a16:creationId xmlns:a16="http://schemas.microsoft.com/office/drawing/2014/main" id="{473BF2F2-75A4-4023-8A1A-27007F4345C2}"/>
+                </a:ext>
+              </a:extLst>
+            </p:cNvPr>
+            <p:cNvSpPr/>
+            <p:nvPr/>
+          </p:nvSpPr>
+          <p:spPr>
+            <a:xfrm>
+              <a:off x="1580444" y="5678311"/>
+              <a:ext cx="3183467" cy="1179689"/>
+            </a:xfrm>
+            <a:prstGeom prst="wedgeRoundRectCallout">
+              <a:avLst>
+                <a:gd name="adj1" fmla="val 78389"/>
+                <a:gd name="adj2" fmla="val -10612"/>
+                <a:gd name="adj3" fmla="val 16667"/>
+              </a:avLst>
+            </a:prstGeom>
+            <a:solidFill>
+              <a:schemeClr val="bg1"/>
+            </a:solidFill>
+          </p:spPr>
+          <p:style>
+            <a:lnRef idx="2">
+              <a:schemeClr val="accent1">
+                <a:shade val="50000"/>
+              </a:schemeClr>
+            </a:lnRef>
+            <a:fillRef idx="1">
+              <a:schemeClr val="accent1"/>
+            </a:fillRef>
+            <a:effectRef idx="0">
+              <a:schemeClr val="accent1"/>
+            </a:effectRef>
+            <a:fontRef idx="minor">
+              <a:schemeClr val="lt1"/>
+            </a:fontRef>
+          </p:style>
+          <p:txBody>
+            <a:bodyPr rtlCol="0" anchor="ctr"/>
+            <a:lstStyle/>
+            <a:p>
+              <a:pPr algn="ctr"/>
+              <a:r>
+                <a:rPr lang="en-US" b="1" i="1" dirty="0">
+                  <a:solidFill>
+                    <a:schemeClr val="tx1"/>
+                  </a:solidFill>
+                </a:rPr>
+                <a:t>“Infection Rate” </a:t>
+              </a:r>
+              <a:r>
+                <a:rPr lang="en-US" i="1" dirty="0">
+                  <a:solidFill>
+                    <a:schemeClr val="tx1"/>
+                  </a:solidFill>
+                </a:rPr>
+                <a:t>is a calculated field: (total population / #confirmed for month) *100</a:t>
+              </a:r>
+            </a:p>
+          </p:txBody>
+        </p:sp>
+      </p:grpSp>
+      <p:pic>
+        <p:nvPicPr>
+          <p:cNvPr id="23" name="Picture 22">
+            <a:extLst>
+              <a:ext uri="{FF2B5EF4-FFF2-40B4-BE49-F238E27FC236}">
+                <a16:creationId xmlns:a16="http://schemas.microsoft.com/office/drawing/2014/main" id="{3E9D15D3-13B4-4751-9802-59AE82E11B0D}"/>
+              </a:ext>
+            </a:extLst>
+          </p:cNvPr>
+          <p:cNvPicPr>
+            <a:picLocks noChangeAspect="1"/>
+          </p:cNvPicPr>
+          <p:nvPr/>
+        </p:nvPicPr>
+        <p:blipFill>
+          <a:blip r:embed="rId3"/>
+          <a:stretch>
+            <a:fillRect/>
+          </a:stretch>
+        </p:blipFill>
+        <p:spPr>
+          <a:xfrm>
+            <a:off x="10379825" y="588404"/>
+            <a:ext cx="1473507" cy="743431"/>
+          </a:xfrm>
+          <a:prstGeom prst="rect">
+            <a:avLst/>
+          </a:prstGeom>
+        </p:spPr>
+      </p:pic>
+      <p:sp>
+        <p:nvSpPr>
+          <p:cNvPr id="13" name="Title 1">
+            <a:extLst>
+              <a:ext uri="{FF2B5EF4-FFF2-40B4-BE49-F238E27FC236}">
+                <a16:creationId xmlns:a16="http://schemas.microsoft.com/office/drawing/2014/main" id="{44FD1845-80A2-4C5D-946B-5314A1D64892}"/>
+              </a:ext>
+            </a:extLst>
+          </p:cNvPr>
+          <p:cNvSpPr txBox="1">
+            <a:spLocks/>
+          </p:cNvSpPr>
+          <p:nvPr/>
+        </p:nvSpPr>
+        <p:spPr>
+          <a:xfrm>
+            <a:off x="1653363" y="365760"/>
+            <a:ext cx="8756404" cy="1188720"/>
+          </a:xfrm>
+          <a:prstGeom prst="rect">
+            <a:avLst/>
+          </a:prstGeom>
+        </p:spPr>
+        <p:txBody>
+          <a:bodyPr vert="horz" lIns="91440" tIns="45720" rIns="91440" bIns="45720" rtlCol="0" anchor="ctr">
+            <a:normAutofit fontScale="90000" lnSpcReduction="10000"/>
+          </a:bodyPr>
+          <a:lstStyle>
+            <a:lvl1pPr algn="l" defTabSz="914400" rtl="0" eaLnBrk="1" latinLnBrk="0" hangingPunct="1">
+              <a:lnSpc>
+                <a:spcPct val="90000"/>
+              </a:lnSpc>
+              <a:spcBef>
+                <a:spcPct val="0"/>
+              </a:spcBef>
+              <a:buNone/>
+              <a:defRPr sz="4400" kern="1200">
+                <a:solidFill>
+                  <a:schemeClr val="tx1"/>
+                </a:solidFill>
+                <a:latin typeface="+mj-lt"/>
+                <a:ea typeface="+mj-ea"/>
+                <a:cs typeface="+mj-cs"/>
+              </a:defRPr>
+            </a:lvl1pPr>
+          </a:lstStyle>
+          <a:p>
+            <a:r>
+              <a:rPr lang="en-US" sz="3100" b="1" dirty="0"/>
+              <a:t>General Methods Part 1:</a:t>
+            </a:r>
+            <a:br>
+              <a:rPr lang="en-US" sz="3100" b="1" dirty="0"/>
+            </a:br>
+            <a:r>
+              <a:rPr lang="en-US" sz="3100" dirty="0"/>
+              <a:t>Identify &amp; Obtain Current Country-specific COVID-19 Data Master (“Ultimate”) Dataframe</a:t>
+            </a:r>
+            <a:endParaRPr lang="en-US" sz="2400" dirty="0"/>
+          </a:p>
+        </p:txBody>
+      </p:sp>
+    </p:spTree>
+    <p:extLst>
+      <p:ext uri="{BB962C8B-B14F-4D97-AF65-F5344CB8AC3E}">
+        <p14:creationId xmlns:p14="http://schemas.microsoft.com/office/powerpoint/2010/main" val="3088704315"/>
+      </p:ext>
+    </p:extLst>
+  </p:cSld>
+  <p:clrMapOvr>
+    <a:masterClrMapping/>
+  </p:clrMapOvr>
+</p:sld>
+</file>
+
+<file path=ppt/slides/slide11.xml><?xml version="1.0" encoding="utf-8"?>
+<p:sld xmlns:a="http://schemas.openxmlformats.org/drawingml/2006/main" xmlns:r="http://schemas.openxmlformats.org/officeDocument/2006/relationships" xmlns:p="http://schemas.openxmlformats.org/presentationml/2006/main">
+  <p:cSld>
+    <p:bg>
+      <p:bgPr>
+        <a:solidFill>
+          <a:schemeClr val="bg1"/>
+        </a:solidFill>
+        <a:effectLst/>
+      </p:bgPr>
+    </p:bg>
+    <p:spTree>
+      <p:nvGrpSpPr>
+        <p:cNvPr id="1" name=""/>
+        <p:cNvGrpSpPr/>
+        <p:nvPr/>
+      </p:nvGrpSpPr>
+      <p:grpSpPr>
+        <a:xfrm>
+          <a:off x="0" y="0"/>
+          <a:ext cx="0" cy="0"/>
+          <a:chOff x="0" y="0"/>
+          <a:chExt cx="0" cy="0"/>
+        </a:xfrm>
+      </p:grpSpPr>
+      <p:sp>
+        <p:nvSpPr>
           <p:cNvPr id="59" name="Rectangle 58">
             <a:extLst>
               <a:ext uri="{FF2B5EF4-FFF2-40B4-BE49-F238E27FC236}">
@@ -6860,7 +10806,7 @@
 </p:sld>
 </file>
 
-<file path=ppt/slides/slide11.xml><?xml version="1.0" encoding="utf-8"?>
+<file path=ppt/slides/slide12.xml><?xml version="1.0" encoding="utf-8"?>
 <p:sld xmlns:a="http://schemas.openxmlformats.org/drawingml/2006/main" xmlns:r="http://schemas.openxmlformats.org/officeDocument/2006/relationships" xmlns:p="http://schemas.openxmlformats.org/presentationml/2006/main">
   <p:cSld>
     <p:bg>
@@ -7231,7 +11177,7 @@
 </p:sld>
 </file>
 
-<file path=ppt/slides/slide12.xml><?xml version="1.0" encoding="utf-8"?>
+<file path=ppt/slides/slide13.xml><?xml version="1.0" encoding="utf-8"?>
 <p:sld xmlns:a="http://schemas.openxmlformats.org/drawingml/2006/main" xmlns:r="http://schemas.openxmlformats.org/officeDocument/2006/relationships" xmlns:p="http://schemas.openxmlformats.org/presentationml/2006/main">
   <p:cSld>
     <p:bg>
@@ -7944,7 +11890,7 @@
 </p:sld>
 </file>
 
-<file path=ppt/slides/slide13.xml><?xml version="1.0" encoding="utf-8"?>
+<file path=ppt/slides/slide14.xml><?xml version="1.0" encoding="utf-8"?>
 <p:sld xmlns:a="http://schemas.openxmlformats.org/drawingml/2006/main" xmlns:r="http://schemas.openxmlformats.org/officeDocument/2006/relationships" xmlns:p="http://schemas.openxmlformats.org/presentationml/2006/main">
   <p:cSld>
     <p:bg>
@@ -8192,7 +12138,7 @@
 </p:sld>
 </file>
 
-<file path=ppt/slides/slide14.xml><?xml version="1.0" encoding="utf-8"?>
+<file path=ppt/slides/slide15.xml><?xml version="1.0" encoding="utf-8"?>
 <p:sld xmlns:a="http://schemas.openxmlformats.org/drawingml/2006/main" xmlns:r="http://schemas.openxmlformats.org/officeDocument/2006/relationships" xmlns:p="http://schemas.openxmlformats.org/presentationml/2006/main">
   <p:cSld>
     <p:bg>
@@ -8499,7 +12445,7 @@
 </p:sld>
 </file>
 
-<file path=ppt/slides/slide15.xml><?xml version="1.0" encoding="utf-8"?>
+<file path=ppt/slides/slide16.xml><?xml version="1.0" encoding="utf-8"?>
 <p:sld xmlns:a="http://schemas.openxmlformats.org/drawingml/2006/main" xmlns:r="http://schemas.openxmlformats.org/officeDocument/2006/relationships" xmlns:p="http://schemas.openxmlformats.org/presentationml/2006/main">
   <p:cSld>
     <p:bg>
@@ -8806,7 +12752,7 @@
 </p:sld>
 </file>
 
-<file path=ppt/slides/slide16.xml><?xml version="1.0" encoding="utf-8"?>
+<file path=ppt/slides/slide17.xml><?xml version="1.0" encoding="utf-8"?>
 <p:sld xmlns:a="http://schemas.openxmlformats.org/drawingml/2006/main" xmlns:r="http://schemas.openxmlformats.org/officeDocument/2006/relationships" xmlns:p="http://schemas.openxmlformats.org/presentationml/2006/main">
   <p:cSld>
     <p:bg>
@@ -9113,7 +13059,7 @@
 </p:sld>
 </file>
 
-<file path=ppt/slides/slide17.xml><?xml version="1.0" encoding="utf-8"?>
+<file path=ppt/slides/slide18.xml><?xml version="1.0" encoding="utf-8"?>
 <p:sld xmlns:a="http://schemas.openxmlformats.org/drawingml/2006/main" xmlns:r="http://schemas.openxmlformats.org/officeDocument/2006/relationships" xmlns:p="http://schemas.openxmlformats.org/presentationml/2006/main">
   <p:cSld>
     <p:bg>
@@ -9420,17 +13366,9 @@
 </p:sld>
 </file>
 
-<file path=ppt/slides/slide18.xml><?xml version="1.0" encoding="utf-8"?>
+<file path=ppt/slides/slide19.xml><?xml version="1.0" encoding="utf-8"?>
 <p:sld xmlns:a="http://schemas.openxmlformats.org/drawingml/2006/main" xmlns:r="http://schemas.openxmlformats.org/officeDocument/2006/relationships" xmlns:p="http://schemas.openxmlformats.org/presentationml/2006/main">
   <p:cSld>
-    <p:bg>
-      <p:bgPr>
-        <a:solidFill>
-          <a:schemeClr val="bg1"/>
-        </a:solidFill>
-        <a:effectLst/>
-      </p:bgPr>
-    </p:bg>
     <p:spTree>
       <p:nvGrpSpPr>
         <p:cNvPr id="1" name=""/>
@@ -9450,7 +13388,7 @@
           <p:cNvPr id="2" name="Title 1">
             <a:extLst>
               <a:ext uri="{FF2B5EF4-FFF2-40B4-BE49-F238E27FC236}">
-                <a16:creationId xmlns:a16="http://schemas.microsoft.com/office/drawing/2014/main" id="{88AA3B77-3674-4E34-88DD-12D87E927F20}"/>
+                <a16:creationId xmlns:a16="http://schemas.microsoft.com/office/drawing/2014/main" id="{B4AEA279-F77A-4DC3-A123-FFBCFB60D7F8}"/>
               </a:ext>
             </a:extLst>
           </p:cNvPr>
@@ -9461,641 +13399,50 @@
             <p:ph type="title"/>
           </p:nvPr>
         </p:nvSpPr>
-        <p:spPr>
-          <a:xfrm>
-            <a:off x="1653363" y="365760"/>
-            <a:ext cx="9367203" cy="1188720"/>
-          </a:xfrm>
-        </p:spPr>
+        <p:spPr/>
         <p:txBody>
-          <a:bodyPr>
-            <a:normAutofit/>
-          </a:bodyPr>
+          <a:bodyPr/>
           <a:lstStyle/>
           <a:p>
             <a:r>
-              <a:rPr lang="en-US"/>
-              <a:t>Resources</a:t>
+              <a:rPr lang="en-US" dirty="0"/>
+              <a:t>Analysis &amp; Conclusions</a:t>
             </a:r>
           </a:p>
         </p:txBody>
       </p:sp>
       <p:sp>
         <p:nvSpPr>
-          <p:cNvPr id="25" name="Freeform: Shape 24">
+          <p:cNvPr id="3" name="Content Placeholder 2">
             <a:extLst>
               <a:ext uri="{FF2B5EF4-FFF2-40B4-BE49-F238E27FC236}">
-                <a16:creationId xmlns:a16="http://schemas.microsoft.com/office/drawing/2014/main" id="{7CB4857B-ED7C-444D-9F04-2F885114A1C2}"/>
-              </a:ext>
-              <a:ext uri="{C183D7F6-B498-43B3-948B-1728B52AA6E4}">
-                <adec:decorative xmlns:adec="http://schemas.microsoft.com/office/drawing/2017/decorative" val="1"/>
+                <a16:creationId xmlns:a16="http://schemas.microsoft.com/office/drawing/2014/main" id="{8D465612-207F-4830-AD66-A05547B69BE6}"/>
               </a:ext>
             </a:extLst>
           </p:cNvPr>
           <p:cNvSpPr>
-            <a:spLocks noGrp="1" noRot="1" noChangeAspect="1" noMove="1" noResize="1" noEditPoints="1" noAdjustHandles="1" noChangeArrowheads="1" noChangeShapeType="1" noTextEdit="1"/>
-          </p:cNvSpPr>
-          <p:nvPr>
-            <p:extLst>
-              <p:ext uri="{386F3935-93C4-4BCD-93E2-E3B085C9AB24}">
-                <p16:designElem xmlns:p16="http://schemas.microsoft.com/office/powerpoint/2015/main" val="1"/>
-              </p:ext>
-            </p:extLst>
-          </p:nvPr>
-        </p:nvSpPr>
-        <p:spPr>
-          <a:xfrm>
-            <a:off x="1" y="0"/>
-            <a:ext cx="1764099" cy="1558212"/>
-          </a:xfrm>
-          <a:custGeom>
-            <a:avLst/>
-            <a:gdLst>
-              <a:gd name="connsiteX0" fmla="*/ 0 w 1764099"/>
-              <a:gd name="connsiteY0" fmla="*/ 0 h 1558212"/>
-              <a:gd name="connsiteX1" fmla="*/ 1764099 w 1764099"/>
-              <a:gd name="connsiteY1" fmla="*/ 0 h 1558212"/>
-              <a:gd name="connsiteX2" fmla="*/ 1042087 w 1764099"/>
-              <a:gd name="connsiteY2" fmla="*/ 1558212 h 1558212"/>
-              <a:gd name="connsiteX3" fmla="*/ 0 w 1764099"/>
-              <a:gd name="connsiteY3" fmla="*/ 1558212 h 1558212"/>
-            </a:gdLst>
-            <a:ahLst/>
-            <a:cxnLst>
-              <a:cxn ang="0">
-                <a:pos x="connsiteX0" y="connsiteY0"/>
-              </a:cxn>
-              <a:cxn ang="0">
-                <a:pos x="connsiteX1" y="connsiteY1"/>
-              </a:cxn>
-              <a:cxn ang="0">
-                <a:pos x="connsiteX2" y="connsiteY2"/>
-              </a:cxn>
-              <a:cxn ang="0">
-                <a:pos x="connsiteX3" y="connsiteY3"/>
-              </a:cxn>
-            </a:cxnLst>
-            <a:rect l="l" t="t" r="r" b="b"/>
-            <a:pathLst>
-              <a:path w="1764099" h="1558212">
-                <a:moveTo>
-                  <a:pt x="0" y="0"/>
-                </a:moveTo>
-                <a:lnTo>
-                  <a:pt x="1764099" y="0"/>
-                </a:lnTo>
-                <a:lnTo>
-                  <a:pt x="1042087" y="1558212"/>
-                </a:lnTo>
-                <a:lnTo>
-                  <a:pt x="0" y="1558212"/>
-                </a:lnTo>
-                <a:close/>
-              </a:path>
-            </a:pathLst>
-          </a:custGeom>
-          <a:solidFill>
-            <a:schemeClr val="accent4"/>
-          </a:solidFill>
-          <a:ln>
-            <a:noFill/>
-          </a:ln>
-        </p:spPr>
-        <p:style>
-          <a:lnRef idx="2">
-            <a:schemeClr val="accent1">
-              <a:shade val="50000"/>
-            </a:schemeClr>
-          </a:lnRef>
-          <a:fillRef idx="1">
-            <a:schemeClr val="accent1"/>
-          </a:fillRef>
-          <a:effectRef idx="0">
-            <a:schemeClr val="accent1"/>
-          </a:effectRef>
-          <a:fontRef idx="minor">
-            <a:schemeClr val="lt1"/>
-          </a:fontRef>
-        </p:style>
-        <p:txBody>
-          <a:bodyPr wrap="square" rtlCol="0" anchor="ctr">
-            <a:noAutofit/>
-          </a:bodyPr>
-          <a:lstStyle/>
-          <a:p>
-            <a:pPr algn="ctr"/>
-            <a:endParaRPr lang="en-US"/>
-          </a:p>
-        </p:txBody>
-      </p:sp>
-      <p:sp>
-        <p:nvSpPr>
-          <p:cNvPr id="27" name="Freeform: Shape 26">
-            <a:extLst>
-              <a:ext uri="{FF2B5EF4-FFF2-40B4-BE49-F238E27FC236}">
-                <a16:creationId xmlns:a16="http://schemas.microsoft.com/office/drawing/2014/main" id="{D18046FB-44EA-4FD8-A585-EA09A319B2D0}"/>
-              </a:ext>
-              <a:ext uri="{C183D7F6-B498-43B3-948B-1728B52AA6E4}">
-                <adec:decorative xmlns:adec="http://schemas.microsoft.com/office/drawing/2017/decorative" val="1"/>
-              </a:ext>
-            </a:extLst>
-          </p:cNvPr>
-          <p:cNvSpPr>
-            <a:spLocks noGrp="1" noRot="1" noChangeAspect="1" noMove="1" noResize="1" noEditPoints="1" noAdjustHandles="1" noChangeArrowheads="1" noChangeShapeType="1" noTextEdit="1"/>
-          </p:cNvSpPr>
-          <p:nvPr>
-            <p:extLst>
-              <p:ext uri="{386F3935-93C4-4BCD-93E2-E3B085C9AB24}">
-                <p16:designElem xmlns:p16="http://schemas.microsoft.com/office/powerpoint/2015/main" val="1"/>
-              </p:ext>
-            </p:extLst>
-          </p:nvPr>
-        </p:nvSpPr>
-        <p:spPr>
-          <a:xfrm>
-            <a:off x="1" y="1691640"/>
-            <a:ext cx="12191999" cy="5166360"/>
-          </a:xfrm>
-          <a:custGeom>
-            <a:avLst/>
-            <a:gdLst>
-              <a:gd name="connsiteX0" fmla="*/ 0 w 12191999"/>
-              <a:gd name="connsiteY0" fmla="*/ 0 h 5166360"/>
-              <a:gd name="connsiteX1" fmla="*/ 1822388 w 12191999"/>
-              <a:gd name="connsiteY1" fmla="*/ 0 h 5166360"/>
-              <a:gd name="connsiteX2" fmla="*/ 6468290 w 12191999"/>
-              <a:gd name="connsiteY2" fmla="*/ 0 h 5166360"/>
-              <a:gd name="connsiteX3" fmla="*/ 7796394 w 12191999"/>
-              <a:gd name="connsiteY3" fmla="*/ 0 h 5166360"/>
-              <a:gd name="connsiteX4" fmla="*/ 8376834 w 12191999"/>
-              <a:gd name="connsiteY4" fmla="*/ 0 h 5166360"/>
-              <a:gd name="connsiteX5" fmla="*/ 9704938 w 12191999"/>
-              <a:gd name="connsiteY5" fmla="*/ 0 h 5166360"/>
-              <a:gd name="connsiteX6" fmla="*/ 9704938 w 12191999"/>
-              <a:gd name="connsiteY6" fmla="*/ 2 h 5166360"/>
-              <a:gd name="connsiteX7" fmla="*/ 10283456 w 12191999"/>
-              <a:gd name="connsiteY7" fmla="*/ 2 h 5166360"/>
-              <a:gd name="connsiteX8" fmla="*/ 10863897 w 12191999"/>
-              <a:gd name="connsiteY8" fmla="*/ 2 h 5166360"/>
-              <a:gd name="connsiteX9" fmla="*/ 12191999 w 12191999"/>
-              <a:gd name="connsiteY9" fmla="*/ 2 h 5166360"/>
-              <a:gd name="connsiteX10" fmla="*/ 12191999 w 12191999"/>
-              <a:gd name="connsiteY10" fmla="*/ 5166360 h 5166360"/>
-              <a:gd name="connsiteX11" fmla="*/ 0 w 12191999"/>
-              <a:gd name="connsiteY11" fmla="*/ 5166360 h 5166360"/>
-              <a:gd name="connsiteX12" fmla="*/ 0 w 12191999"/>
-              <a:gd name="connsiteY12" fmla="*/ 2604436 h 5166360"/>
-              <a:gd name="connsiteX13" fmla="*/ 862341 w 12191999"/>
-              <a:gd name="connsiteY13" fmla="*/ 743371 h 5166360"/>
-              <a:gd name="connsiteX14" fmla="*/ 0 w 12191999"/>
-              <a:gd name="connsiteY14" fmla="*/ 743371 h 5166360"/>
-              <a:gd name="connsiteX15" fmla="*/ 0 w 12191999"/>
-              <a:gd name="connsiteY15" fmla="*/ 742508 h 5166360"/>
-              <a:gd name="connsiteX16" fmla="*/ 92826 w 12191999"/>
-              <a:gd name="connsiteY16" fmla="*/ 742508 h 5166360"/>
-              <a:gd name="connsiteX17" fmla="*/ 406486 w 12191999"/>
-              <a:gd name="connsiteY17" fmla="*/ 742508 h 5166360"/>
-              <a:gd name="connsiteX18" fmla="*/ 406486 w 12191999"/>
-              <a:gd name="connsiteY18" fmla="*/ 742507 h 5166360"/>
-              <a:gd name="connsiteX19" fmla="*/ 862741 w 12191999"/>
-              <a:gd name="connsiteY19" fmla="*/ 742507 h 5166360"/>
-              <a:gd name="connsiteX20" fmla="*/ 1206388 w 12191999"/>
-              <a:gd name="connsiteY20" fmla="*/ 864 h 5166360"/>
-              <a:gd name="connsiteX21" fmla="*/ 748500 w 12191999"/>
-              <a:gd name="connsiteY21" fmla="*/ 864 h 5166360"/>
-              <a:gd name="connsiteX22" fmla="*/ 0 w 12191999"/>
-              <a:gd name="connsiteY22" fmla="*/ 864 h 5166360"/>
-            </a:gdLst>
-            <a:ahLst/>
-            <a:cxnLst>
-              <a:cxn ang="0">
-                <a:pos x="connsiteX0" y="connsiteY0"/>
-              </a:cxn>
-              <a:cxn ang="0">
-                <a:pos x="connsiteX1" y="connsiteY1"/>
-              </a:cxn>
-              <a:cxn ang="0">
-                <a:pos x="connsiteX2" y="connsiteY2"/>
-              </a:cxn>
-              <a:cxn ang="0">
-                <a:pos x="connsiteX3" y="connsiteY3"/>
-              </a:cxn>
-              <a:cxn ang="0">
-                <a:pos x="connsiteX4" y="connsiteY4"/>
-              </a:cxn>
-              <a:cxn ang="0">
-                <a:pos x="connsiteX5" y="connsiteY5"/>
-              </a:cxn>
-              <a:cxn ang="0">
-                <a:pos x="connsiteX6" y="connsiteY6"/>
-              </a:cxn>
-              <a:cxn ang="0">
-                <a:pos x="connsiteX7" y="connsiteY7"/>
-              </a:cxn>
-              <a:cxn ang="0">
-                <a:pos x="connsiteX8" y="connsiteY8"/>
-              </a:cxn>
-              <a:cxn ang="0">
-                <a:pos x="connsiteX9" y="connsiteY9"/>
-              </a:cxn>
-              <a:cxn ang="0">
-                <a:pos x="connsiteX10" y="connsiteY10"/>
-              </a:cxn>
-              <a:cxn ang="0">
-                <a:pos x="connsiteX11" y="connsiteY11"/>
-              </a:cxn>
-              <a:cxn ang="0">
-                <a:pos x="connsiteX12" y="connsiteY12"/>
-              </a:cxn>
-              <a:cxn ang="0">
-                <a:pos x="connsiteX13" y="connsiteY13"/>
-              </a:cxn>
-              <a:cxn ang="0">
-                <a:pos x="connsiteX14" y="connsiteY14"/>
-              </a:cxn>
-              <a:cxn ang="0">
-                <a:pos x="connsiteX15" y="connsiteY15"/>
-              </a:cxn>
-              <a:cxn ang="0">
-                <a:pos x="connsiteX16" y="connsiteY16"/>
-              </a:cxn>
-              <a:cxn ang="0">
-                <a:pos x="connsiteX17" y="connsiteY17"/>
-              </a:cxn>
-              <a:cxn ang="0">
-                <a:pos x="connsiteX18" y="connsiteY18"/>
-              </a:cxn>
-              <a:cxn ang="0">
-                <a:pos x="connsiteX19" y="connsiteY19"/>
-              </a:cxn>
-              <a:cxn ang="0">
-                <a:pos x="connsiteX20" y="connsiteY20"/>
-              </a:cxn>
-              <a:cxn ang="0">
-                <a:pos x="connsiteX21" y="connsiteY21"/>
-              </a:cxn>
-              <a:cxn ang="0">
-                <a:pos x="connsiteX22" y="connsiteY22"/>
-              </a:cxn>
-            </a:cxnLst>
-            <a:rect l="l" t="t" r="r" b="b"/>
-            <a:pathLst>
-              <a:path w="12191999" h="5166360">
-                <a:moveTo>
-                  <a:pt x="0" y="0"/>
-                </a:moveTo>
-                <a:lnTo>
-                  <a:pt x="1822388" y="0"/>
-                </a:lnTo>
-                <a:lnTo>
-                  <a:pt x="6468290" y="0"/>
-                </a:lnTo>
-                <a:lnTo>
-                  <a:pt x="7796394" y="0"/>
-                </a:lnTo>
-                <a:lnTo>
-                  <a:pt x="8376834" y="0"/>
-                </a:lnTo>
-                <a:lnTo>
-                  <a:pt x="9704938" y="0"/>
-                </a:lnTo>
-                <a:lnTo>
-                  <a:pt x="9704938" y="2"/>
-                </a:lnTo>
-                <a:lnTo>
-                  <a:pt x="10283456" y="2"/>
-                </a:lnTo>
-                <a:lnTo>
-                  <a:pt x="10863897" y="2"/>
-                </a:lnTo>
-                <a:lnTo>
-                  <a:pt x="12191999" y="2"/>
-                </a:lnTo>
-                <a:lnTo>
-                  <a:pt x="12191999" y="5166360"/>
-                </a:lnTo>
-                <a:lnTo>
-                  <a:pt x="0" y="5166360"/>
-                </a:lnTo>
-                <a:lnTo>
-                  <a:pt x="0" y="2604436"/>
-                </a:lnTo>
-                <a:lnTo>
-                  <a:pt x="862341" y="743371"/>
-                </a:lnTo>
-                <a:lnTo>
-                  <a:pt x="0" y="743371"/>
-                </a:lnTo>
-                <a:lnTo>
-                  <a:pt x="0" y="742508"/>
-                </a:lnTo>
-                <a:lnTo>
-                  <a:pt x="92826" y="742508"/>
-                </a:lnTo>
-                <a:lnTo>
-                  <a:pt x="406486" y="742508"/>
-                </a:lnTo>
-                <a:lnTo>
-                  <a:pt x="406486" y="742507"/>
-                </a:lnTo>
-                <a:lnTo>
-                  <a:pt x="862741" y="742507"/>
-                </a:lnTo>
-                <a:lnTo>
-                  <a:pt x="1206388" y="864"/>
-                </a:lnTo>
-                <a:lnTo>
-                  <a:pt x="748500" y="864"/>
-                </a:lnTo>
-                <a:lnTo>
-                  <a:pt x="0" y="864"/>
-                </a:lnTo>
-                <a:close/>
-              </a:path>
-            </a:pathLst>
-          </a:custGeom>
-          <a:solidFill>
-            <a:srgbClr val="A6A6A6">
-              <a:alpha val="49804"/>
-            </a:srgbClr>
-          </a:solidFill>
-          <a:ln>
-            <a:noFill/>
-          </a:ln>
-        </p:spPr>
-        <p:style>
-          <a:lnRef idx="2">
-            <a:schemeClr val="accent1">
-              <a:shade val="50000"/>
-            </a:schemeClr>
-          </a:lnRef>
-          <a:fillRef idx="1">
-            <a:schemeClr val="accent1"/>
-          </a:fillRef>
-          <a:effectRef idx="0">
-            <a:schemeClr val="accent1"/>
-          </a:effectRef>
-          <a:fontRef idx="minor">
-            <a:schemeClr val="lt1"/>
-          </a:fontRef>
-        </p:style>
-        <p:txBody>
-          <a:bodyPr wrap="square" rtlCol="0" anchor="ctr">
-            <a:noAutofit/>
-          </a:bodyPr>
-          <a:lstStyle/>
-          <a:p>
-            <a:pPr algn="ctr"/>
-            <a:endParaRPr lang="en-US"/>
-          </a:p>
-        </p:txBody>
-      </p:sp>
-      <p:sp>
-        <p:nvSpPr>
-          <p:cNvPr id="29" name="Freeform: Shape 28">
-            <a:extLst>
-              <a:ext uri="{FF2B5EF4-FFF2-40B4-BE49-F238E27FC236}">
-                <a16:creationId xmlns:a16="http://schemas.microsoft.com/office/drawing/2014/main" id="{479F5F2B-8B58-4140-AE6A-51F6C67B18D9}"/>
-              </a:ext>
-              <a:ext uri="{C183D7F6-B498-43B3-948B-1728B52AA6E4}">
-                <adec:decorative xmlns:adec="http://schemas.microsoft.com/office/drawing/2017/decorative" val="1"/>
-              </a:ext>
-            </a:extLst>
-          </p:cNvPr>
-          <p:cNvSpPr>
-            <a:spLocks noGrp="1" noRot="1" noChangeAspect="1" noMove="1" noResize="1" noEditPoints="1" noAdjustHandles="1" noChangeArrowheads="1" noChangeShapeType="1" noTextEdit="1"/>
-          </p:cNvSpPr>
-          <p:nvPr>
-            <p:extLst>
-              <p:ext uri="{386F3935-93C4-4BCD-93E2-E3B085C9AB24}">
-                <p16:designElem xmlns:p16="http://schemas.microsoft.com/office/powerpoint/2015/main" val="1"/>
-              </p:ext>
-            </p:extLst>
-          </p:nvPr>
-        </p:nvSpPr>
-        <p:spPr>
-          <a:xfrm>
-            <a:off x="0" y="1691641"/>
-            <a:ext cx="971654" cy="2096979"/>
-          </a:xfrm>
-          <a:custGeom>
-            <a:avLst/>
-            <a:gdLst>
-              <a:gd name="connsiteX0" fmla="*/ 0 w 971654"/>
-              <a:gd name="connsiteY0" fmla="*/ 0 h 2096979"/>
-              <a:gd name="connsiteX1" fmla="*/ 971654 w 971654"/>
-              <a:gd name="connsiteY1" fmla="*/ 0 h 2096979"/>
-              <a:gd name="connsiteX2" fmla="*/ 0 w 971654"/>
-              <a:gd name="connsiteY2" fmla="*/ 2096979 h 2096979"/>
-            </a:gdLst>
-            <a:ahLst/>
-            <a:cxnLst>
-              <a:cxn ang="0">
-                <a:pos x="connsiteX0" y="connsiteY0"/>
-              </a:cxn>
-              <a:cxn ang="0">
-                <a:pos x="connsiteX1" y="connsiteY1"/>
-              </a:cxn>
-              <a:cxn ang="0">
-                <a:pos x="connsiteX2" y="connsiteY2"/>
-              </a:cxn>
-            </a:cxnLst>
-            <a:rect l="l" t="t" r="r" b="b"/>
-            <a:pathLst>
-              <a:path w="971654" h="2096979">
-                <a:moveTo>
-                  <a:pt x="0" y="0"/>
-                </a:moveTo>
-                <a:lnTo>
-                  <a:pt x="971654" y="0"/>
-                </a:lnTo>
-                <a:lnTo>
-                  <a:pt x="0" y="2096979"/>
-                </a:lnTo>
-                <a:close/>
-              </a:path>
-            </a:pathLst>
-          </a:custGeom>
-          <a:solidFill>
-            <a:srgbClr val="404040"/>
-          </a:solidFill>
-          <a:ln>
-            <a:noFill/>
-          </a:ln>
-        </p:spPr>
-        <p:style>
-          <a:lnRef idx="2">
-            <a:schemeClr val="accent1">
-              <a:shade val="50000"/>
-            </a:schemeClr>
-          </a:lnRef>
-          <a:fillRef idx="1">
-            <a:schemeClr val="accent1"/>
-          </a:fillRef>
-          <a:effectRef idx="0">
-            <a:schemeClr val="accent1"/>
-          </a:effectRef>
-          <a:fontRef idx="minor">
-            <a:schemeClr val="lt1"/>
-          </a:fontRef>
-        </p:style>
-        <p:txBody>
-          <a:bodyPr wrap="square" rtlCol="0" anchor="ctr">
-            <a:noAutofit/>
-          </a:bodyPr>
-          <a:lstStyle/>
-          <a:p>
-            <a:pPr algn="ctr"/>
-            <a:endParaRPr lang="en-US"/>
-          </a:p>
-        </p:txBody>
-      </p:sp>
-      <p:sp>
-        <p:nvSpPr>
-          <p:cNvPr id="4" name="Content Placeholder 3">
-            <a:extLst>
-              <a:ext uri="{FF2B5EF4-FFF2-40B4-BE49-F238E27FC236}">
-                <a16:creationId xmlns:a16="http://schemas.microsoft.com/office/drawing/2014/main" id="{D186A37D-75B0-4361-AB71-00E1E0B9ADEF}"/>
-              </a:ext>
-            </a:extLst>
-          </p:cNvPr>
-          <p:cNvSpPr txBox="1">
             <a:spLocks noGrp="1"/>
           </p:cNvSpPr>
           <p:nvPr>
             <p:ph idx="1"/>
           </p:nvPr>
         </p:nvSpPr>
-        <p:spPr>
-          <a:xfrm>
-            <a:off x="1653363" y="2176272"/>
-            <a:ext cx="9367204" cy="4041648"/>
-          </a:xfrm>
-          <a:prstGeom prst="rect">
-            <a:avLst/>
-          </a:prstGeom>
-        </p:spPr>
+        <p:spPr/>
         <p:txBody>
-          <a:bodyPr rtlCol="0" anchor="t">
-            <a:normAutofit lnSpcReduction="10000"/>
-          </a:bodyPr>
+          <a:bodyPr/>
           <a:lstStyle/>
           <a:p>
-            <a:pPr marL="0" indent="0">
-              <a:buNone/>
-            </a:pPr>
             <a:r>
-              <a:rPr lang="en-US" sz="2400" b="1" dirty="0"/>
-              <a:t>Coronavirus COVID19 APIs:</a:t>
+              <a:rPr lang="en-US" dirty="0"/>
+              <a:t>Change in stringency needs at least one month to take effect as per the documentation of the stringency dataset. Also, the population might not follow the restrictions properly which leads to higher number of cases over time.</a:t>
             </a:r>
-          </a:p>
-          <a:p>
-            <a:r>
-              <a:rPr lang="en-US" sz="2400" b="1" dirty="0">
-                <a:hlinkClick r:id="rId2"/>
-              </a:rPr>
-              <a:t>https://documenter.getpostman.com/view/10808728/SzS8rjbc</a:t>
-            </a:r>
-            <a:r>
-              <a:rPr lang="en-US" sz="2400" b="1" dirty="0"/>
-              <a:t> </a:t>
-            </a:r>
-          </a:p>
-          <a:p>
-            <a:r>
-              <a:rPr lang="en-US" sz="2400" b="1" dirty="0">
-                <a:hlinkClick r:id="rId3"/>
-              </a:rPr>
-              <a:t>https://api.covid19api.com/countries</a:t>
-            </a:r>
-            <a:r>
-              <a:rPr lang="en-US" sz="2400" b="1" dirty="0"/>
-              <a:t> </a:t>
-            </a:r>
-          </a:p>
-          <a:p>
-            <a:pPr marL="0" indent="0">
-              <a:buNone/>
-            </a:pPr>
-            <a:endParaRPr lang="en-US" sz="2400" b="1" dirty="0"/>
-          </a:p>
-          <a:p>
-            <a:pPr marL="0" indent="0">
-              <a:buNone/>
-            </a:pPr>
-            <a:r>
-              <a:rPr lang="en-US" sz="2400" b="1" dirty="0"/>
-              <a:t>University of Oxford, </a:t>
-            </a:r>
-            <a:r>
-              <a:rPr lang="en-US" sz="2400" b="1" dirty="0" err="1"/>
-              <a:t>Blavatnik</a:t>
-            </a:r>
-            <a:r>
-              <a:rPr lang="en-US" sz="2400" b="1" dirty="0"/>
-              <a:t> School of Government (2020):</a:t>
-            </a:r>
-          </a:p>
-          <a:p>
-            <a:r>
-              <a:rPr lang="en-US" sz="2400" b="1" dirty="0">
-                <a:hlinkClick r:id="rId4"/>
-              </a:rPr>
-              <a:t>https://www.bsg.ox.ac.uk/research/research-projects/coronavirus-government-response-tracker</a:t>
-            </a:r>
-            <a:endParaRPr lang="en-US" sz="2400" b="1" dirty="0"/>
-          </a:p>
-          <a:p>
-            <a:pPr marL="0" indent="0">
-              <a:buNone/>
-            </a:pPr>
-            <a:endParaRPr lang="en-US" sz="2400" b="1" dirty="0"/>
-          </a:p>
-          <a:p>
-            <a:pPr marL="0" indent="0">
-              <a:buNone/>
-            </a:pPr>
-            <a:r>
-              <a:rPr lang="en-US" sz="2400" b="1" dirty="0"/>
-              <a:t>Kaggle, “Population by Country 2020”:</a:t>
-            </a:r>
-          </a:p>
-          <a:p>
-            <a:r>
-              <a:rPr lang="en-US" sz="2400" b="1" dirty="0">
-                <a:hlinkClick r:id="rId5"/>
-              </a:rPr>
-              <a:t>https://www.kaggle.com/tanuprabhu/population-by-country-2020</a:t>
-            </a:r>
-            <a:r>
-              <a:rPr lang="en-US" sz="2400" b="1" dirty="0"/>
-              <a:t> </a:t>
-            </a:r>
-          </a:p>
-          <a:p>
-            <a:endParaRPr lang="en-US" sz="2400" b="1" dirty="0"/>
-          </a:p>
-          <a:p>
-            <a:endParaRPr lang="en-US" sz="2400" b="1" dirty="0"/>
-          </a:p>
-          <a:p>
-            <a:endParaRPr lang="en-US" sz="2400" b="1" dirty="0"/>
-          </a:p>
-          <a:p>
-            <a:endParaRPr lang="en-US" sz="2400" b="1" dirty="0"/>
-          </a:p>
-          <a:p>
-            <a:endParaRPr lang="en-US" sz="2400" b="1" dirty="0"/>
-          </a:p>
-          <a:p>
-            <a:endParaRPr lang="en-US" sz="2400" b="1" dirty="0"/>
           </a:p>
         </p:txBody>
       </p:sp>
     </p:spTree>
     <p:extLst>
       <p:ext uri="{BB962C8B-B14F-4D97-AF65-F5344CB8AC3E}">
-        <p14:creationId xmlns:p14="http://schemas.microsoft.com/office/powerpoint/2010/main" val="930667710"/>
+        <p14:creationId xmlns:p14="http://schemas.microsoft.com/office/powerpoint/2010/main" val="315404676"/>
       </p:ext>
     </p:extLst>
   </p:cSld>
@@ -10481,7 +13828,7 @@
             </a:pPr>
             <a:r>
               <a:rPr lang="en-US" sz="1900" dirty="0"/>
-              <a:t>In response to the COVID-19 pandemic, governments across the world have implemented various levels of stringency measures to prevent spread of disease.  </a:t>
+              <a:t>In response to the COVID-19 pandemic, governments across the world have implemented various levels of stringency measures to prevent spread of disease  </a:t>
             </a:r>
           </a:p>
           <a:p>
@@ -10497,7 +13844,7 @@
             </a:pPr>
             <a:r>
               <a:rPr lang="en-US" sz="1900" dirty="0"/>
-              <a:t>These measures vary amongst all countries with regards to the timing and scope (calculated index) of stringency.</a:t>
+              <a:t>These measures vary amongst all countries with regards to the timing and scope (calculated index) of stringency</a:t>
             </a:r>
           </a:p>
           <a:p>
@@ -10697,6 +14044,1120 @@
     <p:extLst>
       <p:ext uri="{BB962C8B-B14F-4D97-AF65-F5344CB8AC3E}">
         <p14:creationId xmlns:p14="http://schemas.microsoft.com/office/powerpoint/2010/main" val="1647082401"/>
+      </p:ext>
+    </p:extLst>
+  </p:cSld>
+  <p:clrMapOvr>
+    <a:masterClrMapping/>
+  </p:clrMapOvr>
+</p:sld>
+</file>
+
+<file path=ppt/slides/slide20.xml><?xml version="1.0" encoding="utf-8"?>
+<p:sld xmlns:a="http://schemas.openxmlformats.org/drawingml/2006/main" xmlns:r="http://schemas.openxmlformats.org/officeDocument/2006/relationships" xmlns:p="http://schemas.openxmlformats.org/presentationml/2006/main">
+  <p:cSld>
+    <p:spTree>
+      <p:nvGrpSpPr>
+        <p:cNvPr id="1" name=""/>
+        <p:cNvGrpSpPr/>
+        <p:nvPr/>
+      </p:nvGrpSpPr>
+      <p:grpSpPr>
+        <a:xfrm>
+          <a:off x="0" y="0"/>
+          <a:ext cx="0" cy="0"/>
+          <a:chOff x="0" y="0"/>
+          <a:chExt cx="0" cy="0"/>
+        </a:xfrm>
+      </p:grpSpPr>
+      <p:sp>
+        <p:nvSpPr>
+          <p:cNvPr id="2" name="Title 1">
+            <a:extLst>
+              <a:ext uri="{FF2B5EF4-FFF2-40B4-BE49-F238E27FC236}">
+                <a16:creationId xmlns:a16="http://schemas.microsoft.com/office/drawing/2014/main" id="{8B4976C5-DAC2-454A-80DF-3BE6E779582B}"/>
+              </a:ext>
+            </a:extLst>
+          </p:cNvPr>
+          <p:cNvSpPr>
+            <a:spLocks noGrp="1"/>
+          </p:cNvSpPr>
+          <p:nvPr>
+            <p:ph type="title"/>
+          </p:nvPr>
+        </p:nvSpPr>
+        <p:spPr/>
+        <p:txBody>
+          <a:bodyPr/>
+          <a:lstStyle/>
+          <a:p>
+            <a:r>
+              <a:rPr lang="en-US" dirty="0"/>
+              <a:t>Conclusions &amp; Analysis</a:t>
+            </a:r>
+          </a:p>
+        </p:txBody>
+      </p:sp>
+      <p:sp>
+        <p:nvSpPr>
+          <p:cNvPr id="3" name="Content Placeholder 2">
+            <a:extLst>
+              <a:ext uri="{FF2B5EF4-FFF2-40B4-BE49-F238E27FC236}">
+                <a16:creationId xmlns:a16="http://schemas.microsoft.com/office/drawing/2014/main" id="{DC84095D-8614-4673-8F83-9D86455551D9}"/>
+              </a:ext>
+            </a:extLst>
+          </p:cNvPr>
+          <p:cNvSpPr>
+            <a:spLocks noGrp="1"/>
+          </p:cNvSpPr>
+          <p:nvPr>
+            <p:ph idx="1"/>
+          </p:nvPr>
+        </p:nvSpPr>
+        <p:spPr/>
+        <p:txBody>
+          <a:bodyPr>
+            <a:normAutofit/>
+          </a:bodyPr>
+          <a:lstStyle/>
+          <a:p>
+            <a:r>
+              <a:rPr lang="en-US" dirty="0"/>
+              <a:t>Stringency and infection rate are not contemporaneously  negatively correlated (real-time) as we expected it to be. </a:t>
+            </a:r>
+          </a:p>
+          <a:p>
+            <a:pPr lvl="1"/>
+            <a:r>
+              <a:rPr lang="en-US" dirty="0"/>
+              <a:t>This could imply that governments were not quick enough to implement measures to keep this spread of coronavirus under control</a:t>
+            </a:r>
+          </a:p>
+          <a:p>
+            <a:pPr lvl="1"/>
+            <a:r>
+              <a:rPr lang="en-US" dirty="0"/>
+              <a:t>Not proactive</a:t>
+            </a:r>
+          </a:p>
+          <a:p>
+            <a:pPr lvl="1"/>
+            <a:r>
+              <a:rPr lang="en-US" dirty="0"/>
+              <a:t>See reduction of infection rate ~1 month AFTER significant stringency measures were implemented (take countries as examples using bar / line graph plots)</a:t>
+            </a:r>
+          </a:p>
+        </p:txBody>
+      </p:sp>
+    </p:spTree>
+    <p:extLst>
+      <p:ext uri="{BB962C8B-B14F-4D97-AF65-F5344CB8AC3E}">
+        <p14:creationId xmlns:p14="http://schemas.microsoft.com/office/powerpoint/2010/main" val="501294956"/>
+      </p:ext>
+    </p:extLst>
+  </p:cSld>
+  <p:clrMapOvr>
+    <a:masterClrMapping/>
+  </p:clrMapOvr>
+</p:sld>
+</file>
+
+<file path=ppt/slides/slide21.xml><?xml version="1.0" encoding="utf-8"?>
+<p:sld xmlns:a="http://schemas.openxmlformats.org/drawingml/2006/main" xmlns:r="http://schemas.openxmlformats.org/officeDocument/2006/relationships" xmlns:p="http://schemas.openxmlformats.org/presentationml/2006/main">
+  <p:cSld>
+    <p:spTree>
+      <p:nvGrpSpPr>
+        <p:cNvPr id="1" name=""/>
+        <p:cNvGrpSpPr/>
+        <p:nvPr/>
+      </p:nvGrpSpPr>
+      <p:grpSpPr>
+        <a:xfrm>
+          <a:off x="0" y="0"/>
+          <a:ext cx="0" cy="0"/>
+          <a:chOff x="0" y="0"/>
+          <a:chExt cx="0" cy="0"/>
+        </a:xfrm>
+      </p:grpSpPr>
+      <p:sp>
+        <p:nvSpPr>
+          <p:cNvPr id="2" name="Title 1">
+            <a:extLst>
+              <a:ext uri="{FF2B5EF4-FFF2-40B4-BE49-F238E27FC236}">
+                <a16:creationId xmlns:a16="http://schemas.microsoft.com/office/drawing/2014/main" id="{7C74C570-ACB2-4457-AF47-9B579B50D08D}"/>
+              </a:ext>
+            </a:extLst>
+          </p:cNvPr>
+          <p:cNvSpPr>
+            <a:spLocks noGrp="1"/>
+          </p:cNvSpPr>
+          <p:nvPr>
+            <p:ph type="title"/>
+          </p:nvPr>
+        </p:nvSpPr>
+        <p:spPr/>
+        <p:txBody>
+          <a:bodyPr/>
+          <a:lstStyle/>
+          <a:p>
+            <a:r>
+              <a:rPr lang="en-US" dirty="0"/>
+              <a:t>Conclusions</a:t>
+            </a:r>
+          </a:p>
+        </p:txBody>
+      </p:sp>
+      <p:sp>
+        <p:nvSpPr>
+          <p:cNvPr id="3" name="Content Placeholder 2">
+            <a:extLst>
+              <a:ext uri="{FF2B5EF4-FFF2-40B4-BE49-F238E27FC236}">
+                <a16:creationId xmlns:a16="http://schemas.microsoft.com/office/drawing/2014/main" id="{79B3B4C1-535C-4AB2-9CF3-729979326EE4}"/>
+              </a:ext>
+            </a:extLst>
+          </p:cNvPr>
+          <p:cNvSpPr>
+            <a:spLocks noGrp="1"/>
+          </p:cNvSpPr>
+          <p:nvPr>
+            <p:ph idx="1"/>
+          </p:nvPr>
+        </p:nvSpPr>
+        <p:spPr/>
+        <p:txBody>
+          <a:bodyPr/>
+          <a:lstStyle/>
+          <a:p>
+            <a:r>
+              <a:rPr lang="en-US" dirty="0"/>
+              <a:t>Stringency and infection rate have weak to mild positive (real-time) correlation across most of the countries, which led us to analyze couple more variables like total population, density etc. With population, we found a mildly strong positive relation (.62) which means the bigger the population, the more infection.</a:t>
+            </a:r>
+          </a:p>
+        </p:txBody>
+      </p:sp>
+    </p:spTree>
+    <p:extLst>
+      <p:ext uri="{BB962C8B-B14F-4D97-AF65-F5344CB8AC3E}">
+        <p14:creationId xmlns:p14="http://schemas.microsoft.com/office/powerpoint/2010/main" val="309924242"/>
+      </p:ext>
+    </p:extLst>
+  </p:cSld>
+  <p:clrMapOvr>
+    <a:masterClrMapping/>
+  </p:clrMapOvr>
+</p:sld>
+</file>
+
+<file path=ppt/slides/slide22.xml><?xml version="1.0" encoding="utf-8"?>
+<p:sld xmlns:a="http://schemas.openxmlformats.org/drawingml/2006/main" xmlns:r="http://schemas.openxmlformats.org/officeDocument/2006/relationships" xmlns:p="http://schemas.openxmlformats.org/presentationml/2006/main">
+  <p:cSld>
+    <p:spTree>
+      <p:nvGrpSpPr>
+        <p:cNvPr id="1" name=""/>
+        <p:cNvGrpSpPr/>
+        <p:nvPr/>
+      </p:nvGrpSpPr>
+      <p:grpSpPr>
+        <a:xfrm>
+          <a:off x="0" y="0"/>
+          <a:ext cx="0" cy="0"/>
+          <a:chOff x="0" y="0"/>
+          <a:chExt cx="0" cy="0"/>
+        </a:xfrm>
+      </p:grpSpPr>
+      <p:sp>
+        <p:nvSpPr>
+          <p:cNvPr id="2" name="Title 1">
+            <a:extLst>
+              <a:ext uri="{FF2B5EF4-FFF2-40B4-BE49-F238E27FC236}">
+                <a16:creationId xmlns:a16="http://schemas.microsoft.com/office/drawing/2014/main" id="{BCE96166-E54F-49C9-85F4-FD42762A3862}"/>
+              </a:ext>
+            </a:extLst>
+          </p:cNvPr>
+          <p:cNvSpPr>
+            <a:spLocks noGrp="1"/>
+          </p:cNvSpPr>
+          <p:nvPr>
+            <p:ph type="title"/>
+          </p:nvPr>
+        </p:nvSpPr>
+        <p:spPr/>
+        <p:txBody>
+          <a:bodyPr/>
+          <a:lstStyle/>
+          <a:p>
+            <a:endParaRPr lang="en-US"/>
+          </a:p>
+        </p:txBody>
+      </p:sp>
+      <p:sp>
+        <p:nvSpPr>
+          <p:cNvPr id="3" name="Content Placeholder 2">
+            <a:extLst>
+              <a:ext uri="{FF2B5EF4-FFF2-40B4-BE49-F238E27FC236}">
+                <a16:creationId xmlns:a16="http://schemas.microsoft.com/office/drawing/2014/main" id="{98CF65E0-3EEB-4FEF-B9B3-C7890653F5A7}"/>
+              </a:ext>
+            </a:extLst>
+          </p:cNvPr>
+          <p:cNvSpPr>
+            <a:spLocks noGrp="1"/>
+          </p:cNvSpPr>
+          <p:nvPr>
+            <p:ph idx="1"/>
+          </p:nvPr>
+        </p:nvSpPr>
+        <p:spPr/>
+        <p:txBody>
+          <a:bodyPr/>
+          <a:lstStyle/>
+          <a:p>
+            <a:r>
+              <a:rPr lang="en-US" dirty="0"/>
+              <a:t>4.Countries those could not ban cross-country road travel are hit the hardest by Covid-19 as oppose to countries (mostly islands) those are surrounded by water/ocean.</a:t>
+            </a:r>
+          </a:p>
+        </p:txBody>
+      </p:sp>
+    </p:spTree>
+    <p:extLst>
+      <p:ext uri="{BB962C8B-B14F-4D97-AF65-F5344CB8AC3E}">
+        <p14:creationId xmlns:p14="http://schemas.microsoft.com/office/powerpoint/2010/main" val="3730170260"/>
+      </p:ext>
+    </p:extLst>
+  </p:cSld>
+  <p:clrMapOvr>
+    <a:masterClrMapping/>
+  </p:clrMapOvr>
+</p:sld>
+</file>
+
+<file path=ppt/slides/slide23.xml><?xml version="1.0" encoding="utf-8"?>
+<p:sld xmlns:a="http://schemas.openxmlformats.org/drawingml/2006/main" xmlns:r="http://schemas.openxmlformats.org/officeDocument/2006/relationships" xmlns:p="http://schemas.openxmlformats.org/presentationml/2006/main">
+  <p:cSld>
+    <p:spTree>
+      <p:nvGrpSpPr>
+        <p:cNvPr id="1" name=""/>
+        <p:cNvGrpSpPr/>
+        <p:nvPr/>
+      </p:nvGrpSpPr>
+      <p:grpSpPr>
+        <a:xfrm>
+          <a:off x="0" y="0"/>
+          <a:ext cx="0" cy="0"/>
+          <a:chOff x="0" y="0"/>
+          <a:chExt cx="0" cy="0"/>
+        </a:xfrm>
+      </p:grpSpPr>
+      <p:sp>
+        <p:nvSpPr>
+          <p:cNvPr id="2" name="Title 1">
+            <a:extLst>
+              <a:ext uri="{FF2B5EF4-FFF2-40B4-BE49-F238E27FC236}">
+                <a16:creationId xmlns:a16="http://schemas.microsoft.com/office/drawing/2014/main" id="{A9ED69E9-5A92-4613-B9DD-5E2874F401C3}"/>
+              </a:ext>
+            </a:extLst>
+          </p:cNvPr>
+          <p:cNvSpPr>
+            <a:spLocks noGrp="1"/>
+          </p:cNvSpPr>
+          <p:nvPr>
+            <p:ph type="title"/>
+          </p:nvPr>
+        </p:nvSpPr>
+        <p:spPr/>
+        <p:txBody>
+          <a:bodyPr/>
+          <a:lstStyle/>
+          <a:p>
+            <a:r>
+              <a:rPr lang="en-US" dirty="0"/>
+              <a:t>Conclusions &amp; Analysis, &amp; Weaknesses</a:t>
+            </a:r>
+          </a:p>
+        </p:txBody>
+      </p:sp>
+      <p:sp>
+        <p:nvSpPr>
+          <p:cNvPr id="3" name="Content Placeholder 2">
+            <a:extLst>
+              <a:ext uri="{FF2B5EF4-FFF2-40B4-BE49-F238E27FC236}">
+                <a16:creationId xmlns:a16="http://schemas.microsoft.com/office/drawing/2014/main" id="{B8C583B4-1E3B-4480-8377-7D48097A4024}"/>
+              </a:ext>
+            </a:extLst>
+          </p:cNvPr>
+          <p:cNvSpPr>
+            <a:spLocks noGrp="1"/>
+          </p:cNvSpPr>
+          <p:nvPr>
+            <p:ph idx="1"/>
+          </p:nvPr>
+        </p:nvSpPr>
+        <p:spPr/>
+        <p:txBody>
+          <a:bodyPr/>
+          <a:lstStyle/>
+          <a:p>
+            <a:r>
+              <a:rPr lang="en-US" dirty="0"/>
+              <a:t>Outliers (e.g. China)</a:t>
+            </a:r>
+          </a:p>
+          <a:p>
+            <a:pPr lvl="1"/>
+            <a:r>
+              <a:rPr lang="en-US" dirty="0"/>
+              <a:t>Those that don’t appear to be reporting data</a:t>
+            </a:r>
+          </a:p>
+          <a:p>
+            <a:pPr lvl="1"/>
+            <a:r>
+              <a:rPr lang="en-US" dirty="0"/>
+              <a:t>Analysis is only as good as data being reported (e.g. China); some countries don’t have any incidences reported for a given month(s)</a:t>
+            </a:r>
+          </a:p>
+          <a:p>
+            <a:pPr lvl="2"/>
+            <a:r>
+              <a:rPr lang="en-US" dirty="0"/>
+              <a:t>Potential of countries not having the bandwidth to accurately collect/report data</a:t>
+            </a:r>
+          </a:p>
+          <a:p>
+            <a:pPr lvl="2"/>
+            <a:r>
+              <a:rPr lang="en-US" dirty="0"/>
+              <a:t>Data probably skewed towards countries with higher average income (GDP?)</a:t>
+            </a:r>
+          </a:p>
+          <a:p>
+            <a:pPr lvl="2"/>
+            <a:r>
+              <a:rPr lang="en-US" dirty="0"/>
+              <a:t>Countries may not be able to afford mass testing </a:t>
+            </a:r>
+          </a:p>
+        </p:txBody>
+      </p:sp>
+      <p:pic>
+        <p:nvPicPr>
+          <p:cNvPr id="5" name="Picture 4">
+            <a:extLst>
+              <a:ext uri="{FF2B5EF4-FFF2-40B4-BE49-F238E27FC236}">
+                <a16:creationId xmlns:a16="http://schemas.microsoft.com/office/drawing/2014/main" id="{3E97D218-9D03-4000-AA07-D1ECDDFAC996}"/>
+              </a:ext>
+            </a:extLst>
+          </p:cNvPr>
+          <p:cNvPicPr>
+            <a:picLocks noChangeAspect="1"/>
+          </p:cNvPicPr>
+          <p:nvPr/>
+        </p:nvPicPr>
+        <p:blipFill>
+          <a:blip r:embed="rId2"/>
+          <a:stretch>
+            <a:fillRect/>
+          </a:stretch>
+        </p:blipFill>
+        <p:spPr>
+          <a:xfrm>
+            <a:off x="1151618" y="3801023"/>
+            <a:ext cx="7911102" cy="2691852"/>
+          </a:xfrm>
+          <a:prstGeom prst="rect">
+            <a:avLst/>
+          </a:prstGeom>
+        </p:spPr>
+      </p:pic>
+    </p:spTree>
+    <p:extLst>
+      <p:ext uri="{BB962C8B-B14F-4D97-AF65-F5344CB8AC3E}">
+        <p14:creationId xmlns:p14="http://schemas.microsoft.com/office/powerpoint/2010/main" val="2876685972"/>
+      </p:ext>
+    </p:extLst>
+  </p:cSld>
+  <p:clrMapOvr>
+    <a:masterClrMapping/>
+  </p:clrMapOvr>
+</p:sld>
+</file>
+
+<file path=ppt/slides/slide24.xml><?xml version="1.0" encoding="utf-8"?>
+<p:sld xmlns:a="http://schemas.openxmlformats.org/drawingml/2006/main" xmlns:r="http://schemas.openxmlformats.org/officeDocument/2006/relationships" xmlns:p="http://schemas.openxmlformats.org/presentationml/2006/main">
+  <p:cSld>
+    <p:bg>
+      <p:bgPr>
+        <a:solidFill>
+          <a:schemeClr val="bg1"/>
+        </a:solidFill>
+        <a:effectLst/>
+      </p:bgPr>
+    </p:bg>
+    <p:spTree>
+      <p:nvGrpSpPr>
+        <p:cNvPr id="1" name=""/>
+        <p:cNvGrpSpPr/>
+        <p:nvPr/>
+      </p:nvGrpSpPr>
+      <p:grpSpPr>
+        <a:xfrm>
+          <a:off x="0" y="0"/>
+          <a:ext cx="0" cy="0"/>
+          <a:chOff x="0" y="0"/>
+          <a:chExt cx="0" cy="0"/>
+        </a:xfrm>
+      </p:grpSpPr>
+      <p:sp>
+        <p:nvSpPr>
+          <p:cNvPr id="2" name="Title 1">
+            <a:extLst>
+              <a:ext uri="{FF2B5EF4-FFF2-40B4-BE49-F238E27FC236}">
+                <a16:creationId xmlns:a16="http://schemas.microsoft.com/office/drawing/2014/main" id="{88AA3B77-3674-4E34-88DD-12D87E927F20}"/>
+              </a:ext>
+            </a:extLst>
+          </p:cNvPr>
+          <p:cNvSpPr>
+            <a:spLocks noGrp="1"/>
+          </p:cNvSpPr>
+          <p:nvPr>
+            <p:ph type="title"/>
+          </p:nvPr>
+        </p:nvSpPr>
+        <p:spPr>
+          <a:xfrm>
+            <a:off x="1653363" y="365760"/>
+            <a:ext cx="9367203" cy="1188720"/>
+          </a:xfrm>
+        </p:spPr>
+        <p:txBody>
+          <a:bodyPr>
+            <a:normAutofit/>
+          </a:bodyPr>
+          <a:lstStyle/>
+          <a:p>
+            <a:r>
+              <a:rPr lang="en-US"/>
+              <a:t>Resources</a:t>
+            </a:r>
+          </a:p>
+        </p:txBody>
+      </p:sp>
+      <p:sp>
+        <p:nvSpPr>
+          <p:cNvPr id="25" name="Freeform: Shape 24">
+            <a:extLst>
+              <a:ext uri="{FF2B5EF4-FFF2-40B4-BE49-F238E27FC236}">
+                <a16:creationId xmlns:a16="http://schemas.microsoft.com/office/drawing/2014/main" id="{7CB4857B-ED7C-444D-9F04-2F885114A1C2}"/>
+              </a:ext>
+              <a:ext uri="{C183D7F6-B498-43B3-948B-1728B52AA6E4}">
+                <adec:decorative xmlns:adec="http://schemas.microsoft.com/office/drawing/2017/decorative" val="1"/>
+              </a:ext>
+            </a:extLst>
+          </p:cNvPr>
+          <p:cNvSpPr>
+            <a:spLocks noGrp="1" noRot="1" noChangeAspect="1" noMove="1" noResize="1" noEditPoints="1" noAdjustHandles="1" noChangeArrowheads="1" noChangeShapeType="1" noTextEdit="1"/>
+          </p:cNvSpPr>
+          <p:nvPr>
+            <p:extLst>
+              <p:ext uri="{386F3935-93C4-4BCD-93E2-E3B085C9AB24}">
+                <p16:designElem xmlns:p16="http://schemas.microsoft.com/office/powerpoint/2015/main" val="1"/>
+              </p:ext>
+            </p:extLst>
+          </p:nvPr>
+        </p:nvSpPr>
+        <p:spPr>
+          <a:xfrm>
+            <a:off x="1" y="0"/>
+            <a:ext cx="1764099" cy="1558212"/>
+          </a:xfrm>
+          <a:custGeom>
+            <a:avLst/>
+            <a:gdLst>
+              <a:gd name="connsiteX0" fmla="*/ 0 w 1764099"/>
+              <a:gd name="connsiteY0" fmla="*/ 0 h 1558212"/>
+              <a:gd name="connsiteX1" fmla="*/ 1764099 w 1764099"/>
+              <a:gd name="connsiteY1" fmla="*/ 0 h 1558212"/>
+              <a:gd name="connsiteX2" fmla="*/ 1042087 w 1764099"/>
+              <a:gd name="connsiteY2" fmla="*/ 1558212 h 1558212"/>
+              <a:gd name="connsiteX3" fmla="*/ 0 w 1764099"/>
+              <a:gd name="connsiteY3" fmla="*/ 1558212 h 1558212"/>
+            </a:gdLst>
+            <a:ahLst/>
+            <a:cxnLst>
+              <a:cxn ang="0">
+                <a:pos x="connsiteX0" y="connsiteY0"/>
+              </a:cxn>
+              <a:cxn ang="0">
+                <a:pos x="connsiteX1" y="connsiteY1"/>
+              </a:cxn>
+              <a:cxn ang="0">
+                <a:pos x="connsiteX2" y="connsiteY2"/>
+              </a:cxn>
+              <a:cxn ang="0">
+                <a:pos x="connsiteX3" y="connsiteY3"/>
+              </a:cxn>
+            </a:cxnLst>
+            <a:rect l="l" t="t" r="r" b="b"/>
+            <a:pathLst>
+              <a:path w="1764099" h="1558212">
+                <a:moveTo>
+                  <a:pt x="0" y="0"/>
+                </a:moveTo>
+                <a:lnTo>
+                  <a:pt x="1764099" y="0"/>
+                </a:lnTo>
+                <a:lnTo>
+                  <a:pt x="1042087" y="1558212"/>
+                </a:lnTo>
+                <a:lnTo>
+                  <a:pt x="0" y="1558212"/>
+                </a:lnTo>
+                <a:close/>
+              </a:path>
+            </a:pathLst>
+          </a:custGeom>
+          <a:solidFill>
+            <a:schemeClr val="accent4"/>
+          </a:solidFill>
+          <a:ln>
+            <a:noFill/>
+          </a:ln>
+        </p:spPr>
+        <p:style>
+          <a:lnRef idx="2">
+            <a:schemeClr val="accent1">
+              <a:shade val="50000"/>
+            </a:schemeClr>
+          </a:lnRef>
+          <a:fillRef idx="1">
+            <a:schemeClr val="accent1"/>
+          </a:fillRef>
+          <a:effectRef idx="0">
+            <a:schemeClr val="accent1"/>
+          </a:effectRef>
+          <a:fontRef idx="minor">
+            <a:schemeClr val="lt1"/>
+          </a:fontRef>
+        </p:style>
+        <p:txBody>
+          <a:bodyPr wrap="square" rtlCol="0" anchor="ctr">
+            <a:noAutofit/>
+          </a:bodyPr>
+          <a:lstStyle/>
+          <a:p>
+            <a:pPr algn="ctr"/>
+            <a:endParaRPr lang="en-US"/>
+          </a:p>
+        </p:txBody>
+      </p:sp>
+      <p:sp>
+        <p:nvSpPr>
+          <p:cNvPr id="27" name="Freeform: Shape 26">
+            <a:extLst>
+              <a:ext uri="{FF2B5EF4-FFF2-40B4-BE49-F238E27FC236}">
+                <a16:creationId xmlns:a16="http://schemas.microsoft.com/office/drawing/2014/main" id="{D18046FB-44EA-4FD8-A585-EA09A319B2D0}"/>
+              </a:ext>
+              <a:ext uri="{C183D7F6-B498-43B3-948B-1728B52AA6E4}">
+                <adec:decorative xmlns:adec="http://schemas.microsoft.com/office/drawing/2017/decorative" val="1"/>
+              </a:ext>
+            </a:extLst>
+          </p:cNvPr>
+          <p:cNvSpPr>
+            <a:spLocks noGrp="1" noRot="1" noChangeAspect="1" noMove="1" noResize="1" noEditPoints="1" noAdjustHandles="1" noChangeArrowheads="1" noChangeShapeType="1" noTextEdit="1"/>
+          </p:cNvSpPr>
+          <p:nvPr>
+            <p:extLst>
+              <p:ext uri="{386F3935-93C4-4BCD-93E2-E3B085C9AB24}">
+                <p16:designElem xmlns:p16="http://schemas.microsoft.com/office/powerpoint/2015/main" val="1"/>
+              </p:ext>
+            </p:extLst>
+          </p:nvPr>
+        </p:nvSpPr>
+        <p:spPr>
+          <a:xfrm>
+            <a:off x="1" y="1691640"/>
+            <a:ext cx="12191999" cy="5166360"/>
+          </a:xfrm>
+          <a:custGeom>
+            <a:avLst/>
+            <a:gdLst>
+              <a:gd name="connsiteX0" fmla="*/ 0 w 12191999"/>
+              <a:gd name="connsiteY0" fmla="*/ 0 h 5166360"/>
+              <a:gd name="connsiteX1" fmla="*/ 1822388 w 12191999"/>
+              <a:gd name="connsiteY1" fmla="*/ 0 h 5166360"/>
+              <a:gd name="connsiteX2" fmla="*/ 6468290 w 12191999"/>
+              <a:gd name="connsiteY2" fmla="*/ 0 h 5166360"/>
+              <a:gd name="connsiteX3" fmla="*/ 7796394 w 12191999"/>
+              <a:gd name="connsiteY3" fmla="*/ 0 h 5166360"/>
+              <a:gd name="connsiteX4" fmla="*/ 8376834 w 12191999"/>
+              <a:gd name="connsiteY4" fmla="*/ 0 h 5166360"/>
+              <a:gd name="connsiteX5" fmla="*/ 9704938 w 12191999"/>
+              <a:gd name="connsiteY5" fmla="*/ 0 h 5166360"/>
+              <a:gd name="connsiteX6" fmla="*/ 9704938 w 12191999"/>
+              <a:gd name="connsiteY6" fmla="*/ 2 h 5166360"/>
+              <a:gd name="connsiteX7" fmla="*/ 10283456 w 12191999"/>
+              <a:gd name="connsiteY7" fmla="*/ 2 h 5166360"/>
+              <a:gd name="connsiteX8" fmla="*/ 10863897 w 12191999"/>
+              <a:gd name="connsiteY8" fmla="*/ 2 h 5166360"/>
+              <a:gd name="connsiteX9" fmla="*/ 12191999 w 12191999"/>
+              <a:gd name="connsiteY9" fmla="*/ 2 h 5166360"/>
+              <a:gd name="connsiteX10" fmla="*/ 12191999 w 12191999"/>
+              <a:gd name="connsiteY10" fmla="*/ 5166360 h 5166360"/>
+              <a:gd name="connsiteX11" fmla="*/ 0 w 12191999"/>
+              <a:gd name="connsiteY11" fmla="*/ 5166360 h 5166360"/>
+              <a:gd name="connsiteX12" fmla="*/ 0 w 12191999"/>
+              <a:gd name="connsiteY12" fmla="*/ 2604436 h 5166360"/>
+              <a:gd name="connsiteX13" fmla="*/ 862341 w 12191999"/>
+              <a:gd name="connsiteY13" fmla="*/ 743371 h 5166360"/>
+              <a:gd name="connsiteX14" fmla="*/ 0 w 12191999"/>
+              <a:gd name="connsiteY14" fmla="*/ 743371 h 5166360"/>
+              <a:gd name="connsiteX15" fmla="*/ 0 w 12191999"/>
+              <a:gd name="connsiteY15" fmla="*/ 742508 h 5166360"/>
+              <a:gd name="connsiteX16" fmla="*/ 92826 w 12191999"/>
+              <a:gd name="connsiteY16" fmla="*/ 742508 h 5166360"/>
+              <a:gd name="connsiteX17" fmla="*/ 406486 w 12191999"/>
+              <a:gd name="connsiteY17" fmla="*/ 742508 h 5166360"/>
+              <a:gd name="connsiteX18" fmla="*/ 406486 w 12191999"/>
+              <a:gd name="connsiteY18" fmla="*/ 742507 h 5166360"/>
+              <a:gd name="connsiteX19" fmla="*/ 862741 w 12191999"/>
+              <a:gd name="connsiteY19" fmla="*/ 742507 h 5166360"/>
+              <a:gd name="connsiteX20" fmla="*/ 1206388 w 12191999"/>
+              <a:gd name="connsiteY20" fmla="*/ 864 h 5166360"/>
+              <a:gd name="connsiteX21" fmla="*/ 748500 w 12191999"/>
+              <a:gd name="connsiteY21" fmla="*/ 864 h 5166360"/>
+              <a:gd name="connsiteX22" fmla="*/ 0 w 12191999"/>
+              <a:gd name="connsiteY22" fmla="*/ 864 h 5166360"/>
+            </a:gdLst>
+            <a:ahLst/>
+            <a:cxnLst>
+              <a:cxn ang="0">
+                <a:pos x="connsiteX0" y="connsiteY0"/>
+              </a:cxn>
+              <a:cxn ang="0">
+                <a:pos x="connsiteX1" y="connsiteY1"/>
+              </a:cxn>
+              <a:cxn ang="0">
+                <a:pos x="connsiteX2" y="connsiteY2"/>
+              </a:cxn>
+              <a:cxn ang="0">
+                <a:pos x="connsiteX3" y="connsiteY3"/>
+              </a:cxn>
+              <a:cxn ang="0">
+                <a:pos x="connsiteX4" y="connsiteY4"/>
+              </a:cxn>
+              <a:cxn ang="0">
+                <a:pos x="connsiteX5" y="connsiteY5"/>
+              </a:cxn>
+              <a:cxn ang="0">
+                <a:pos x="connsiteX6" y="connsiteY6"/>
+              </a:cxn>
+              <a:cxn ang="0">
+                <a:pos x="connsiteX7" y="connsiteY7"/>
+              </a:cxn>
+              <a:cxn ang="0">
+                <a:pos x="connsiteX8" y="connsiteY8"/>
+              </a:cxn>
+              <a:cxn ang="0">
+                <a:pos x="connsiteX9" y="connsiteY9"/>
+              </a:cxn>
+              <a:cxn ang="0">
+                <a:pos x="connsiteX10" y="connsiteY10"/>
+              </a:cxn>
+              <a:cxn ang="0">
+                <a:pos x="connsiteX11" y="connsiteY11"/>
+              </a:cxn>
+              <a:cxn ang="0">
+                <a:pos x="connsiteX12" y="connsiteY12"/>
+              </a:cxn>
+              <a:cxn ang="0">
+                <a:pos x="connsiteX13" y="connsiteY13"/>
+              </a:cxn>
+              <a:cxn ang="0">
+                <a:pos x="connsiteX14" y="connsiteY14"/>
+              </a:cxn>
+              <a:cxn ang="0">
+                <a:pos x="connsiteX15" y="connsiteY15"/>
+              </a:cxn>
+              <a:cxn ang="0">
+                <a:pos x="connsiteX16" y="connsiteY16"/>
+              </a:cxn>
+              <a:cxn ang="0">
+                <a:pos x="connsiteX17" y="connsiteY17"/>
+              </a:cxn>
+              <a:cxn ang="0">
+                <a:pos x="connsiteX18" y="connsiteY18"/>
+              </a:cxn>
+              <a:cxn ang="0">
+                <a:pos x="connsiteX19" y="connsiteY19"/>
+              </a:cxn>
+              <a:cxn ang="0">
+                <a:pos x="connsiteX20" y="connsiteY20"/>
+              </a:cxn>
+              <a:cxn ang="0">
+                <a:pos x="connsiteX21" y="connsiteY21"/>
+              </a:cxn>
+              <a:cxn ang="0">
+                <a:pos x="connsiteX22" y="connsiteY22"/>
+              </a:cxn>
+            </a:cxnLst>
+            <a:rect l="l" t="t" r="r" b="b"/>
+            <a:pathLst>
+              <a:path w="12191999" h="5166360">
+                <a:moveTo>
+                  <a:pt x="0" y="0"/>
+                </a:moveTo>
+                <a:lnTo>
+                  <a:pt x="1822388" y="0"/>
+                </a:lnTo>
+                <a:lnTo>
+                  <a:pt x="6468290" y="0"/>
+                </a:lnTo>
+                <a:lnTo>
+                  <a:pt x="7796394" y="0"/>
+                </a:lnTo>
+                <a:lnTo>
+                  <a:pt x="8376834" y="0"/>
+                </a:lnTo>
+                <a:lnTo>
+                  <a:pt x="9704938" y="0"/>
+                </a:lnTo>
+                <a:lnTo>
+                  <a:pt x="9704938" y="2"/>
+                </a:lnTo>
+                <a:lnTo>
+                  <a:pt x="10283456" y="2"/>
+                </a:lnTo>
+                <a:lnTo>
+                  <a:pt x="10863897" y="2"/>
+                </a:lnTo>
+                <a:lnTo>
+                  <a:pt x="12191999" y="2"/>
+                </a:lnTo>
+                <a:lnTo>
+                  <a:pt x="12191999" y="5166360"/>
+                </a:lnTo>
+                <a:lnTo>
+                  <a:pt x="0" y="5166360"/>
+                </a:lnTo>
+                <a:lnTo>
+                  <a:pt x="0" y="2604436"/>
+                </a:lnTo>
+                <a:lnTo>
+                  <a:pt x="862341" y="743371"/>
+                </a:lnTo>
+                <a:lnTo>
+                  <a:pt x="0" y="743371"/>
+                </a:lnTo>
+                <a:lnTo>
+                  <a:pt x="0" y="742508"/>
+                </a:lnTo>
+                <a:lnTo>
+                  <a:pt x="92826" y="742508"/>
+                </a:lnTo>
+                <a:lnTo>
+                  <a:pt x="406486" y="742508"/>
+                </a:lnTo>
+                <a:lnTo>
+                  <a:pt x="406486" y="742507"/>
+                </a:lnTo>
+                <a:lnTo>
+                  <a:pt x="862741" y="742507"/>
+                </a:lnTo>
+                <a:lnTo>
+                  <a:pt x="1206388" y="864"/>
+                </a:lnTo>
+                <a:lnTo>
+                  <a:pt x="748500" y="864"/>
+                </a:lnTo>
+                <a:lnTo>
+                  <a:pt x="0" y="864"/>
+                </a:lnTo>
+                <a:close/>
+              </a:path>
+            </a:pathLst>
+          </a:custGeom>
+          <a:solidFill>
+            <a:srgbClr val="A6A6A6">
+              <a:alpha val="49804"/>
+            </a:srgbClr>
+          </a:solidFill>
+          <a:ln>
+            <a:noFill/>
+          </a:ln>
+        </p:spPr>
+        <p:style>
+          <a:lnRef idx="2">
+            <a:schemeClr val="accent1">
+              <a:shade val="50000"/>
+            </a:schemeClr>
+          </a:lnRef>
+          <a:fillRef idx="1">
+            <a:schemeClr val="accent1"/>
+          </a:fillRef>
+          <a:effectRef idx="0">
+            <a:schemeClr val="accent1"/>
+          </a:effectRef>
+          <a:fontRef idx="minor">
+            <a:schemeClr val="lt1"/>
+          </a:fontRef>
+        </p:style>
+        <p:txBody>
+          <a:bodyPr wrap="square" rtlCol="0" anchor="ctr">
+            <a:noAutofit/>
+          </a:bodyPr>
+          <a:lstStyle/>
+          <a:p>
+            <a:pPr algn="ctr"/>
+            <a:endParaRPr lang="en-US"/>
+          </a:p>
+        </p:txBody>
+      </p:sp>
+      <p:sp>
+        <p:nvSpPr>
+          <p:cNvPr id="29" name="Freeform: Shape 28">
+            <a:extLst>
+              <a:ext uri="{FF2B5EF4-FFF2-40B4-BE49-F238E27FC236}">
+                <a16:creationId xmlns:a16="http://schemas.microsoft.com/office/drawing/2014/main" id="{479F5F2B-8B58-4140-AE6A-51F6C67B18D9}"/>
+              </a:ext>
+              <a:ext uri="{C183D7F6-B498-43B3-948B-1728B52AA6E4}">
+                <adec:decorative xmlns:adec="http://schemas.microsoft.com/office/drawing/2017/decorative" val="1"/>
+              </a:ext>
+            </a:extLst>
+          </p:cNvPr>
+          <p:cNvSpPr>
+            <a:spLocks noGrp="1" noRot="1" noChangeAspect="1" noMove="1" noResize="1" noEditPoints="1" noAdjustHandles="1" noChangeArrowheads="1" noChangeShapeType="1" noTextEdit="1"/>
+          </p:cNvSpPr>
+          <p:nvPr>
+            <p:extLst>
+              <p:ext uri="{386F3935-93C4-4BCD-93E2-E3B085C9AB24}">
+                <p16:designElem xmlns:p16="http://schemas.microsoft.com/office/powerpoint/2015/main" val="1"/>
+              </p:ext>
+            </p:extLst>
+          </p:nvPr>
+        </p:nvSpPr>
+        <p:spPr>
+          <a:xfrm>
+            <a:off x="0" y="1691641"/>
+            <a:ext cx="971654" cy="2096979"/>
+          </a:xfrm>
+          <a:custGeom>
+            <a:avLst/>
+            <a:gdLst>
+              <a:gd name="connsiteX0" fmla="*/ 0 w 971654"/>
+              <a:gd name="connsiteY0" fmla="*/ 0 h 2096979"/>
+              <a:gd name="connsiteX1" fmla="*/ 971654 w 971654"/>
+              <a:gd name="connsiteY1" fmla="*/ 0 h 2096979"/>
+              <a:gd name="connsiteX2" fmla="*/ 0 w 971654"/>
+              <a:gd name="connsiteY2" fmla="*/ 2096979 h 2096979"/>
+            </a:gdLst>
+            <a:ahLst/>
+            <a:cxnLst>
+              <a:cxn ang="0">
+                <a:pos x="connsiteX0" y="connsiteY0"/>
+              </a:cxn>
+              <a:cxn ang="0">
+                <a:pos x="connsiteX1" y="connsiteY1"/>
+              </a:cxn>
+              <a:cxn ang="0">
+                <a:pos x="connsiteX2" y="connsiteY2"/>
+              </a:cxn>
+            </a:cxnLst>
+            <a:rect l="l" t="t" r="r" b="b"/>
+            <a:pathLst>
+              <a:path w="971654" h="2096979">
+                <a:moveTo>
+                  <a:pt x="0" y="0"/>
+                </a:moveTo>
+                <a:lnTo>
+                  <a:pt x="971654" y="0"/>
+                </a:lnTo>
+                <a:lnTo>
+                  <a:pt x="0" y="2096979"/>
+                </a:lnTo>
+                <a:close/>
+              </a:path>
+            </a:pathLst>
+          </a:custGeom>
+          <a:solidFill>
+            <a:srgbClr val="404040"/>
+          </a:solidFill>
+          <a:ln>
+            <a:noFill/>
+          </a:ln>
+        </p:spPr>
+        <p:style>
+          <a:lnRef idx="2">
+            <a:schemeClr val="accent1">
+              <a:shade val="50000"/>
+            </a:schemeClr>
+          </a:lnRef>
+          <a:fillRef idx="1">
+            <a:schemeClr val="accent1"/>
+          </a:fillRef>
+          <a:effectRef idx="0">
+            <a:schemeClr val="accent1"/>
+          </a:effectRef>
+          <a:fontRef idx="minor">
+            <a:schemeClr val="lt1"/>
+          </a:fontRef>
+        </p:style>
+        <p:txBody>
+          <a:bodyPr wrap="square" rtlCol="0" anchor="ctr">
+            <a:noAutofit/>
+          </a:bodyPr>
+          <a:lstStyle/>
+          <a:p>
+            <a:pPr algn="ctr"/>
+            <a:endParaRPr lang="en-US"/>
+          </a:p>
+        </p:txBody>
+      </p:sp>
+      <p:sp>
+        <p:nvSpPr>
+          <p:cNvPr id="4" name="Content Placeholder 3">
+            <a:extLst>
+              <a:ext uri="{FF2B5EF4-FFF2-40B4-BE49-F238E27FC236}">
+                <a16:creationId xmlns:a16="http://schemas.microsoft.com/office/drawing/2014/main" id="{D186A37D-75B0-4361-AB71-00E1E0B9ADEF}"/>
+              </a:ext>
+            </a:extLst>
+          </p:cNvPr>
+          <p:cNvSpPr txBox="1">
+            <a:spLocks noGrp="1"/>
+          </p:cNvSpPr>
+          <p:nvPr>
+            <p:ph idx="1"/>
+          </p:nvPr>
+        </p:nvSpPr>
+        <p:spPr>
+          <a:xfrm>
+            <a:off x="1653363" y="2176272"/>
+            <a:ext cx="9367204" cy="4041648"/>
+          </a:xfrm>
+          <a:prstGeom prst="rect">
+            <a:avLst/>
+          </a:prstGeom>
+        </p:spPr>
+        <p:txBody>
+          <a:bodyPr rtlCol="0" anchor="t">
+            <a:normAutofit lnSpcReduction="10000"/>
+          </a:bodyPr>
+          <a:lstStyle/>
+          <a:p>
+            <a:pPr marL="0" indent="0">
+              <a:buNone/>
+            </a:pPr>
+            <a:r>
+              <a:rPr lang="en-US" sz="2400" b="1" dirty="0"/>
+              <a:t>Coronavirus COVID19 APIs:</a:t>
+            </a:r>
+          </a:p>
+          <a:p>
+            <a:r>
+              <a:rPr lang="en-US" sz="2400" b="1" dirty="0">
+                <a:hlinkClick r:id="rId2"/>
+              </a:rPr>
+              <a:t>https://documenter.getpostman.com/view/10808728/SzS8rjbc</a:t>
+            </a:r>
+            <a:r>
+              <a:rPr lang="en-US" sz="2400" b="1" dirty="0"/>
+              <a:t> </a:t>
+            </a:r>
+          </a:p>
+          <a:p>
+            <a:r>
+              <a:rPr lang="en-US" sz="2400" b="1" dirty="0">
+                <a:hlinkClick r:id="rId3"/>
+              </a:rPr>
+              <a:t>https://api.covid19api.com/countries</a:t>
+            </a:r>
+            <a:r>
+              <a:rPr lang="en-US" sz="2400" b="1" dirty="0"/>
+              <a:t> </a:t>
+            </a:r>
+          </a:p>
+          <a:p>
+            <a:pPr marL="0" indent="0">
+              <a:buNone/>
+            </a:pPr>
+            <a:endParaRPr lang="en-US" sz="2400" b="1" dirty="0"/>
+          </a:p>
+          <a:p>
+            <a:pPr marL="0" indent="0">
+              <a:buNone/>
+            </a:pPr>
+            <a:r>
+              <a:rPr lang="en-US" sz="2400" b="1" dirty="0"/>
+              <a:t>University of Oxford, </a:t>
+            </a:r>
+            <a:r>
+              <a:rPr lang="en-US" sz="2400" b="1" dirty="0" err="1"/>
+              <a:t>Blavatnik</a:t>
+            </a:r>
+            <a:r>
+              <a:rPr lang="en-US" sz="2400" b="1" dirty="0"/>
+              <a:t> School of Government (2020):</a:t>
+            </a:r>
+          </a:p>
+          <a:p>
+            <a:r>
+              <a:rPr lang="en-US" sz="2400" b="1" dirty="0">
+                <a:hlinkClick r:id="rId4"/>
+              </a:rPr>
+              <a:t>https://www.bsg.ox.ac.uk/research/research-projects/coronavirus-government-response-tracker</a:t>
+            </a:r>
+            <a:endParaRPr lang="en-US" sz="2400" b="1" dirty="0"/>
+          </a:p>
+          <a:p>
+            <a:pPr marL="0" indent="0">
+              <a:buNone/>
+            </a:pPr>
+            <a:endParaRPr lang="en-US" sz="2400" b="1" dirty="0"/>
+          </a:p>
+          <a:p>
+            <a:pPr marL="0" indent="0">
+              <a:buNone/>
+            </a:pPr>
+            <a:r>
+              <a:rPr lang="en-US" sz="2400" b="1" dirty="0"/>
+              <a:t>Kaggle, “Population by Country 2020”:</a:t>
+            </a:r>
+          </a:p>
+          <a:p>
+            <a:r>
+              <a:rPr lang="en-US" sz="2400" b="1" dirty="0">
+                <a:hlinkClick r:id="rId5"/>
+              </a:rPr>
+              <a:t>https://www.kaggle.com/tanuprabhu/population-by-country-2020</a:t>
+            </a:r>
+            <a:r>
+              <a:rPr lang="en-US" sz="2400" b="1" dirty="0"/>
+              <a:t> </a:t>
+            </a:r>
+          </a:p>
+          <a:p>
+            <a:endParaRPr lang="en-US" sz="2400" b="1" dirty="0"/>
+          </a:p>
+          <a:p>
+            <a:endParaRPr lang="en-US" sz="2400" b="1" dirty="0"/>
+          </a:p>
+          <a:p>
+            <a:endParaRPr lang="en-US" sz="2400" b="1" dirty="0"/>
+          </a:p>
+          <a:p>
+            <a:endParaRPr lang="en-US" sz="2400" b="1" dirty="0"/>
+          </a:p>
+          <a:p>
+            <a:endParaRPr lang="en-US" sz="2400" b="1" dirty="0"/>
+          </a:p>
+          <a:p>
+            <a:endParaRPr lang="en-US" sz="2400" b="1" dirty="0"/>
+          </a:p>
+        </p:txBody>
+      </p:sp>
+    </p:spTree>
+    <p:extLst>
+      <p:ext uri="{BB962C8B-B14F-4D97-AF65-F5344CB8AC3E}">
+        <p14:creationId xmlns:p14="http://schemas.microsoft.com/office/powerpoint/2010/main" val="930667710"/>
       </p:ext>
     </p:extLst>
   </p:cSld>
@@ -11245,6 +15706,631 @@
           <a:chExt cx="0" cy="0"/>
         </a:xfrm>
       </p:grpSpPr>
+      <p:sp useBgFill="1">
+        <p:nvSpPr>
+          <p:cNvPr id="133" name="Rectangle 132">
+            <a:extLst>
+              <a:ext uri="{FF2B5EF4-FFF2-40B4-BE49-F238E27FC236}">
+                <a16:creationId xmlns:a16="http://schemas.microsoft.com/office/drawing/2014/main" id="{201CC55D-ED54-4C5C-95E6-10947BD1103B}"/>
+              </a:ext>
+              <a:ext uri="{C183D7F6-B498-43B3-948B-1728B52AA6E4}">
+                <adec:decorative xmlns:adec="http://schemas.microsoft.com/office/drawing/2017/decorative" val="1"/>
+              </a:ext>
+            </a:extLst>
+          </p:cNvPr>
+          <p:cNvSpPr>
+            <a:spLocks noGrp="1" noRot="1" noChangeAspect="1" noMove="1" noResize="1" noEditPoints="1" noAdjustHandles="1" noChangeArrowheads="1" noChangeShapeType="1" noTextEdit="1"/>
+          </p:cNvSpPr>
+          <p:nvPr>
+            <p:extLst>
+              <p:ext uri="{386F3935-93C4-4BCD-93E2-E3B085C9AB24}">
+                <p16:designElem xmlns:p16="http://schemas.microsoft.com/office/powerpoint/2015/main" val="1"/>
+              </p:ext>
+            </p:extLst>
+          </p:nvPr>
+        </p:nvSpPr>
+        <p:spPr>
+          <a:xfrm>
+            <a:off x="0" y="0"/>
+            <a:ext cx="12191999" cy="6857365"/>
+          </a:xfrm>
+          <a:prstGeom prst="rect">
+            <a:avLst/>
+          </a:prstGeom>
+          <a:ln>
+            <a:noFill/>
+          </a:ln>
+        </p:spPr>
+        <p:style>
+          <a:lnRef idx="2">
+            <a:schemeClr val="accent1">
+              <a:shade val="50000"/>
+            </a:schemeClr>
+          </a:lnRef>
+          <a:fillRef idx="1">
+            <a:schemeClr val="accent1"/>
+          </a:fillRef>
+          <a:effectRef idx="0">
+            <a:schemeClr val="accent1"/>
+          </a:effectRef>
+          <a:fontRef idx="minor">
+            <a:schemeClr val="lt1"/>
+          </a:fontRef>
+        </p:style>
+        <p:txBody>
+          <a:bodyPr rtlCol="0" anchor="ctr"/>
+          <a:lstStyle/>
+          <a:p>
+            <a:pPr algn="ctr"/>
+            <a:endParaRPr lang="en-US"/>
+          </a:p>
+        </p:txBody>
+      </p:sp>
+      <p:sp>
+        <p:nvSpPr>
+          <p:cNvPr id="2" name="Title 1">
+            <a:extLst>
+              <a:ext uri="{FF2B5EF4-FFF2-40B4-BE49-F238E27FC236}">
+                <a16:creationId xmlns:a16="http://schemas.microsoft.com/office/drawing/2014/main" id="{4D024406-FBF4-4B6D-A40C-5EB25DF18D9A}"/>
+              </a:ext>
+            </a:extLst>
+          </p:cNvPr>
+          <p:cNvSpPr>
+            <a:spLocks noGrp="1"/>
+          </p:cNvSpPr>
+          <p:nvPr>
+            <p:ph type="title"/>
+          </p:nvPr>
+        </p:nvSpPr>
+        <p:spPr>
+          <a:xfrm>
+            <a:off x="589560" y="856180"/>
+            <a:ext cx="4560584" cy="1128068"/>
+          </a:xfrm>
+        </p:spPr>
+        <p:txBody>
+          <a:bodyPr vert="horz" lIns="91440" tIns="45720" rIns="91440" bIns="45720" rtlCol="0" anchor="ctr">
+            <a:normAutofit/>
+          </a:bodyPr>
+          <a:lstStyle/>
+          <a:p>
+            <a:r>
+              <a:rPr lang="en-US" sz="4000" dirty="0"/>
+              <a:t>Strategy &amp; Approach</a:t>
+            </a:r>
+          </a:p>
+        </p:txBody>
+      </p:sp>
+      <p:grpSp>
+        <p:nvGrpSpPr>
+          <p:cNvPr id="135" name="Group 134">
+            <a:extLst>
+              <a:ext uri="{FF2B5EF4-FFF2-40B4-BE49-F238E27FC236}">
+                <a16:creationId xmlns:a16="http://schemas.microsoft.com/office/drawing/2014/main" id="{1DE889C7-FAD6-4397-98E2-05D503484459}"/>
+              </a:ext>
+              <a:ext uri="{C183D7F6-B498-43B3-948B-1728B52AA6E4}">
+                <adec:decorative xmlns:adec="http://schemas.microsoft.com/office/drawing/2017/decorative" val="1"/>
+              </a:ext>
+            </a:extLst>
+          </p:cNvPr>
+          <p:cNvGrpSpPr>
+            <a:grpSpLocks noGrp="1" noUngrp="1" noRot="1" noChangeAspect="1" noMove="1" noResize="1"/>
+          </p:cNvGrpSpPr>
+          <p:nvPr>
+            <p:extLst>
+              <p:ext uri="{386F3935-93C4-4BCD-93E2-E3B085C9AB24}">
+                <p16:designElem xmlns:p16="http://schemas.microsoft.com/office/powerpoint/2015/main" val="1"/>
+              </p:ext>
+            </p:extLst>
+          </p:nvPr>
+        </p:nvGrpSpPr>
+        <p:grpSpPr>
+          <a:xfrm>
+            <a:off x="0" y="1083484"/>
+            <a:ext cx="355196" cy="673460"/>
+            <a:chOff x="0" y="823811"/>
+            <a:chExt cx="355196" cy="673460"/>
+          </a:xfrm>
+        </p:grpSpPr>
+        <p:sp>
+          <p:nvSpPr>
+            <p:cNvPr id="136" name="Rectangle 135">
+              <a:extLst>
+                <a:ext uri="{FF2B5EF4-FFF2-40B4-BE49-F238E27FC236}">
+                  <a16:creationId xmlns:a16="http://schemas.microsoft.com/office/drawing/2014/main" id="{F399A70F-F8CD-4992-9EF5-6CF15472E73F}"/>
+                </a:ext>
+                <a:ext uri="{C183D7F6-B498-43B3-948B-1728B52AA6E4}">
+                  <adec:decorative xmlns:adec="http://schemas.microsoft.com/office/drawing/2017/decorative" val="1"/>
+                </a:ext>
+              </a:extLst>
+            </p:cNvPr>
+            <p:cNvSpPr/>
+            <p:nvPr>
+              <p:extLst>
+                <p:ext uri="{386F3935-93C4-4BCD-93E2-E3B085C9AB24}">
+                  <p16:designElem xmlns:p16="http://schemas.microsoft.com/office/powerpoint/2015/main" val="1"/>
+                </p:ext>
+              </p:extLst>
+            </p:nvPr>
+          </p:nvSpPr>
+          <p:spPr>
+            <a:xfrm>
+              <a:off x="0" y="823811"/>
+              <a:ext cx="87363" cy="673460"/>
+            </a:xfrm>
+            <a:prstGeom prst="rect">
+              <a:avLst/>
+            </a:prstGeom>
+            <a:solidFill>
+              <a:schemeClr val="accent4"/>
+            </a:solidFill>
+            <a:ln>
+              <a:noFill/>
+            </a:ln>
+          </p:spPr>
+          <p:style>
+            <a:lnRef idx="2">
+              <a:schemeClr val="accent1">
+                <a:shade val="50000"/>
+              </a:schemeClr>
+            </a:lnRef>
+            <a:fillRef idx="1">
+              <a:schemeClr val="accent1"/>
+            </a:fillRef>
+            <a:effectRef idx="0">
+              <a:schemeClr val="accent1"/>
+            </a:effectRef>
+            <a:fontRef idx="minor">
+              <a:schemeClr val="lt1"/>
+            </a:fontRef>
+          </p:style>
+          <p:txBody>
+            <a:bodyPr rtlCol="0" anchor="ctr"/>
+            <a:lstStyle/>
+            <a:p>
+              <a:pPr algn="ctr"/>
+              <a:endParaRPr lang="en-US"/>
+            </a:p>
+          </p:txBody>
+        </p:sp>
+        <p:sp>
+          <p:nvSpPr>
+            <p:cNvPr id="137" name="Rectangle 136">
+              <a:extLst>
+                <a:ext uri="{FF2B5EF4-FFF2-40B4-BE49-F238E27FC236}">
+                  <a16:creationId xmlns:a16="http://schemas.microsoft.com/office/drawing/2014/main" id="{48F4FEDC-6D80-458C-A665-075D9B9500FD}"/>
+                </a:ext>
+                <a:ext uri="{C183D7F6-B498-43B3-948B-1728B52AA6E4}">
+                  <adec:decorative xmlns:adec="http://schemas.microsoft.com/office/drawing/2017/decorative" val="1"/>
+                </a:ext>
+              </a:extLst>
+            </p:cNvPr>
+            <p:cNvSpPr/>
+            <p:nvPr>
+              <p:extLst>
+                <p:ext uri="{386F3935-93C4-4BCD-93E2-E3B085C9AB24}">
+                  <p16:designElem xmlns:p16="http://schemas.microsoft.com/office/powerpoint/2015/main" val="1"/>
+                </p:ext>
+              </p:extLst>
+            </p:nvPr>
+          </p:nvSpPr>
+          <p:spPr>
+            <a:xfrm>
+              <a:off x="159341" y="823811"/>
+              <a:ext cx="195855" cy="673460"/>
+            </a:xfrm>
+            <a:prstGeom prst="rect">
+              <a:avLst/>
+            </a:prstGeom>
+            <a:solidFill>
+              <a:schemeClr val="accent4"/>
+            </a:solidFill>
+            <a:ln>
+              <a:noFill/>
+            </a:ln>
+          </p:spPr>
+          <p:style>
+            <a:lnRef idx="2">
+              <a:schemeClr val="accent1">
+                <a:shade val="50000"/>
+              </a:schemeClr>
+            </a:lnRef>
+            <a:fillRef idx="1">
+              <a:schemeClr val="accent1"/>
+            </a:fillRef>
+            <a:effectRef idx="0">
+              <a:schemeClr val="accent1"/>
+            </a:effectRef>
+            <a:fontRef idx="minor">
+              <a:schemeClr val="lt1"/>
+            </a:fontRef>
+          </p:style>
+          <p:txBody>
+            <a:bodyPr rtlCol="0" anchor="ctr"/>
+            <a:lstStyle/>
+            <a:p>
+              <a:pPr algn="ctr"/>
+              <a:endParaRPr lang="en-US"/>
+            </a:p>
+          </p:txBody>
+        </p:sp>
+      </p:grpSp>
+      <p:sp>
+        <p:nvSpPr>
+          <p:cNvPr id="139" name="Rectangle 138">
+            <a:extLst>
+              <a:ext uri="{FF2B5EF4-FFF2-40B4-BE49-F238E27FC236}">
+                <a16:creationId xmlns:a16="http://schemas.microsoft.com/office/drawing/2014/main" id="{3873B707-463F-40B0-8227-E8CC6C67EB25}"/>
+              </a:ext>
+              <a:ext uri="{C183D7F6-B498-43B3-948B-1728B52AA6E4}">
+                <adec:decorative xmlns:adec="http://schemas.microsoft.com/office/drawing/2017/decorative" val="1"/>
+              </a:ext>
+            </a:extLst>
+          </p:cNvPr>
+          <p:cNvSpPr>
+            <a:spLocks noGrp="1" noRot="1" noChangeAspect="1" noMove="1" noResize="1" noEditPoints="1" noAdjustHandles="1" noChangeArrowheads="1" noChangeShapeType="1" noTextEdit="1"/>
+          </p:cNvSpPr>
+          <p:nvPr>
+            <p:extLst>
+              <p:ext uri="{386F3935-93C4-4BCD-93E2-E3B085C9AB24}">
+                <p16:designElem xmlns:p16="http://schemas.microsoft.com/office/powerpoint/2015/main" val="1"/>
+              </p:ext>
+            </p:extLst>
+          </p:nvPr>
+        </p:nvSpPr>
+        <p:spPr>
+          <a:xfrm flipH="1">
+            <a:off x="665085" y="2090569"/>
+            <a:ext cx="4297680" cy="27432"/>
+          </a:xfrm>
+          <a:prstGeom prst="rect">
+            <a:avLst/>
+          </a:prstGeom>
+          <a:solidFill>
+            <a:schemeClr val="accent4"/>
+          </a:solidFill>
+          <a:ln>
+            <a:noFill/>
+          </a:ln>
+        </p:spPr>
+        <p:style>
+          <a:lnRef idx="2">
+            <a:schemeClr val="accent1">
+              <a:shade val="50000"/>
+            </a:schemeClr>
+          </a:lnRef>
+          <a:fillRef idx="1">
+            <a:schemeClr val="accent1"/>
+          </a:fillRef>
+          <a:effectRef idx="0">
+            <a:schemeClr val="accent1"/>
+          </a:effectRef>
+          <a:fontRef idx="minor">
+            <a:schemeClr val="lt1"/>
+          </a:fontRef>
+        </p:style>
+        <p:txBody>
+          <a:bodyPr rtlCol="0" anchor="ctr"/>
+          <a:lstStyle/>
+          <a:p>
+            <a:pPr algn="ctr"/>
+            <a:endParaRPr lang="en-US"/>
+          </a:p>
+        </p:txBody>
+      </p:sp>
+      <p:sp>
+        <p:nvSpPr>
+          <p:cNvPr id="9" name="TextBox 8">
+            <a:extLst>
+              <a:ext uri="{FF2B5EF4-FFF2-40B4-BE49-F238E27FC236}">
+                <a16:creationId xmlns:a16="http://schemas.microsoft.com/office/drawing/2014/main" id="{6E1DD9E1-273F-4BD1-BD85-ED1187E8A6F9}"/>
+              </a:ext>
+            </a:extLst>
+          </p:cNvPr>
+          <p:cNvSpPr txBox="1"/>
+          <p:nvPr/>
+        </p:nvSpPr>
+        <p:spPr>
+          <a:xfrm>
+            <a:off x="590719" y="2330505"/>
+            <a:ext cx="4559425" cy="3979585"/>
+          </a:xfrm>
+          <a:prstGeom prst="rect">
+            <a:avLst/>
+          </a:prstGeom>
+        </p:spPr>
+        <p:txBody>
+          <a:bodyPr vert="horz" lIns="91440" tIns="45720" rIns="91440" bIns="45720" rtlCol="0" anchor="ctr">
+            <a:normAutofit/>
+          </a:bodyPr>
+          <a:lstStyle/>
+          <a:p>
+            <a:pPr marL="342900" indent="-228600">
+              <a:lnSpc>
+                <a:spcPct val="90000"/>
+              </a:lnSpc>
+              <a:spcAft>
+                <a:spcPts val="600"/>
+              </a:spcAft>
+              <a:buFont typeface="Arial" panose="020B0604020202020204" pitchFamily="34" charset="0"/>
+              <a:buChar char="•"/>
+            </a:pPr>
+            <a:endParaRPr lang="en-US" sz="1900" dirty="0"/>
+          </a:p>
+        </p:txBody>
+      </p:sp>
+      <p:sp>
+        <p:nvSpPr>
+          <p:cNvPr id="141" name="Rectangle 140">
+            <a:extLst>
+              <a:ext uri="{FF2B5EF4-FFF2-40B4-BE49-F238E27FC236}">
+                <a16:creationId xmlns:a16="http://schemas.microsoft.com/office/drawing/2014/main" id="{C13237C8-E62C-4F0D-A318-BD6FB6C2D138}"/>
+              </a:ext>
+              <a:ext uri="{C183D7F6-B498-43B3-948B-1728B52AA6E4}">
+                <adec:decorative xmlns:adec="http://schemas.microsoft.com/office/drawing/2017/decorative" val="1"/>
+              </a:ext>
+            </a:extLst>
+          </p:cNvPr>
+          <p:cNvSpPr>
+            <a:spLocks noGrp="1" noRot="1" noChangeAspect="1" noMove="1" noResize="1" noEditPoints="1" noAdjustHandles="1" noChangeArrowheads="1" noChangeShapeType="1" noTextEdit="1"/>
+          </p:cNvSpPr>
+          <p:nvPr>
+            <p:extLst>
+              <p:ext uri="{386F3935-93C4-4BCD-93E2-E3B085C9AB24}">
+                <p16:designElem xmlns:p16="http://schemas.microsoft.com/office/powerpoint/2015/main" val="1"/>
+              </p:ext>
+            </p:extLst>
+          </p:nvPr>
+        </p:nvSpPr>
+        <p:spPr>
+          <a:xfrm flipH="1">
+            <a:off x="10697670" y="0"/>
+            <a:ext cx="1494330" cy="6858000"/>
+          </a:xfrm>
+          <a:prstGeom prst="rect">
+            <a:avLst/>
+          </a:prstGeom>
+          <a:solidFill>
+            <a:schemeClr val="accent4"/>
+          </a:solidFill>
+          <a:ln>
+            <a:noFill/>
+          </a:ln>
+        </p:spPr>
+        <p:style>
+          <a:lnRef idx="2">
+            <a:schemeClr val="accent1">
+              <a:shade val="50000"/>
+            </a:schemeClr>
+          </a:lnRef>
+          <a:fillRef idx="1">
+            <a:schemeClr val="accent1"/>
+          </a:fillRef>
+          <a:effectRef idx="0">
+            <a:schemeClr val="accent1"/>
+          </a:effectRef>
+          <a:fontRef idx="minor">
+            <a:schemeClr val="lt1"/>
+          </a:fontRef>
+        </p:style>
+        <p:txBody>
+          <a:bodyPr rtlCol="0" anchor="ctr"/>
+          <a:lstStyle/>
+          <a:p>
+            <a:pPr algn="ctr"/>
+            <a:endParaRPr lang="en-US"/>
+          </a:p>
+        </p:txBody>
+      </p:sp>
+      <p:sp>
+        <p:nvSpPr>
+          <p:cNvPr id="143" name="Rectangle 142">
+            <a:extLst>
+              <a:ext uri="{FF2B5EF4-FFF2-40B4-BE49-F238E27FC236}">
+                <a16:creationId xmlns:a16="http://schemas.microsoft.com/office/drawing/2014/main" id="{19C9EAEA-39D0-4B0E-A0EB-51E7B26740B1}"/>
+              </a:ext>
+              <a:ext uri="{C183D7F6-B498-43B3-948B-1728B52AA6E4}">
+                <adec:decorative xmlns:adec="http://schemas.microsoft.com/office/drawing/2017/decorative" val="1"/>
+              </a:ext>
+            </a:extLst>
+          </p:cNvPr>
+          <p:cNvSpPr>
+            <a:spLocks noGrp="1" noRot="1" noChangeAspect="1" noMove="1" noResize="1" noEditPoints="1" noAdjustHandles="1" noChangeArrowheads="1" noChangeShapeType="1" noTextEdit="1"/>
+          </p:cNvSpPr>
+          <p:nvPr>
+            <p:extLst>
+              <p:ext uri="{386F3935-93C4-4BCD-93E2-E3B085C9AB24}">
+                <p16:designElem xmlns:p16="http://schemas.microsoft.com/office/powerpoint/2015/main" val="1"/>
+              </p:ext>
+            </p:extLst>
+          </p:nvPr>
+        </p:nvSpPr>
+        <p:spPr>
+          <a:xfrm>
+            <a:off x="5685810" y="513853"/>
+            <a:ext cx="6009366" cy="5834577"/>
+          </a:xfrm>
+          <a:prstGeom prst="rect">
+            <a:avLst/>
+          </a:prstGeom>
+          <a:solidFill>
+            <a:schemeClr val="bg1"/>
+          </a:solidFill>
+          <a:ln>
+            <a:noFill/>
+          </a:ln>
+          <a:effectLst>
+            <a:outerShdw blurRad="139700" dist="127000" dir="5400000" algn="t" rotWithShape="0">
+              <a:prstClr val="black">
+                <a:alpha val="15000"/>
+              </a:prstClr>
+            </a:outerShdw>
+          </a:effectLst>
+        </p:spPr>
+        <p:style>
+          <a:lnRef idx="2">
+            <a:schemeClr val="accent1">
+              <a:shade val="50000"/>
+            </a:schemeClr>
+          </a:lnRef>
+          <a:fillRef idx="1">
+            <a:schemeClr val="accent1"/>
+          </a:fillRef>
+          <a:effectRef idx="0">
+            <a:schemeClr val="accent1"/>
+          </a:effectRef>
+          <a:fontRef idx="minor">
+            <a:schemeClr val="lt1"/>
+          </a:fontRef>
+        </p:style>
+        <p:txBody>
+          <a:bodyPr rtlCol="0" anchor="ctr"/>
+          <a:lstStyle/>
+          <a:p>
+            <a:pPr algn="ctr"/>
+            <a:endParaRPr lang="en-US"/>
+          </a:p>
+        </p:txBody>
+      </p:sp>
+      <p:graphicFrame>
+        <p:nvGraphicFramePr>
+          <p:cNvPr id="5" name="Diagram 4">
+            <a:extLst>
+              <a:ext uri="{FF2B5EF4-FFF2-40B4-BE49-F238E27FC236}">
+                <a16:creationId xmlns:a16="http://schemas.microsoft.com/office/drawing/2014/main" id="{C08C27EC-5F36-4F78-B964-36D412349A6F}"/>
+              </a:ext>
+            </a:extLst>
+          </p:cNvPr>
+          <p:cNvGraphicFramePr/>
+          <p:nvPr>
+            <p:extLst>
+              <p:ext uri="{D42A27DB-BD31-4B8C-83A1-F6EECF244321}">
+                <p14:modId xmlns:p14="http://schemas.microsoft.com/office/powerpoint/2010/main" val="4083838207"/>
+              </p:ext>
+            </p:extLst>
+          </p:nvPr>
+        </p:nvGraphicFramePr>
+        <p:xfrm>
+          <a:off x="5123068" y="761390"/>
+          <a:ext cx="7181090" cy="5418667"/>
+        </p:xfrm>
+        <a:graphic>
+          <a:graphicData uri="http://schemas.openxmlformats.org/drawingml/2006/diagram">
+            <dgm:relIds xmlns:dgm="http://schemas.openxmlformats.org/drawingml/2006/diagram" xmlns:r="http://schemas.openxmlformats.org/officeDocument/2006/relationships" r:dm="rId3" r:lo="rId4" r:qs="rId5" r:cs="rId6"/>
+          </a:graphicData>
+        </a:graphic>
+      </p:graphicFrame>
+      <p:sp>
+        <p:nvSpPr>
+          <p:cNvPr id="19" name="TextBox 18">
+            <a:extLst>
+              <a:ext uri="{FF2B5EF4-FFF2-40B4-BE49-F238E27FC236}">
+                <a16:creationId xmlns:a16="http://schemas.microsoft.com/office/drawing/2014/main" id="{13396C1B-6E31-4C57-8B38-45D3ED4EE87B}"/>
+              </a:ext>
+            </a:extLst>
+          </p:cNvPr>
+          <p:cNvSpPr txBox="1"/>
+          <p:nvPr/>
+        </p:nvSpPr>
+        <p:spPr>
+          <a:xfrm>
+            <a:off x="743119" y="2482905"/>
+            <a:ext cx="4559425" cy="3979585"/>
+          </a:xfrm>
+          <a:prstGeom prst="rect">
+            <a:avLst/>
+          </a:prstGeom>
+        </p:spPr>
+        <p:txBody>
+          <a:bodyPr vert="horz" lIns="91440" tIns="45720" rIns="91440" bIns="45720" rtlCol="0" anchor="ctr">
+            <a:normAutofit/>
+          </a:bodyPr>
+          <a:lstStyle/>
+          <a:p>
+            <a:pPr marL="342900" indent="-228600">
+              <a:lnSpc>
+                <a:spcPct val="90000"/>
+              </a:lnSpc>
+              <a:spcAft>
+                <a:spcPts val="600"/>
+              </a:spcAft>
+              <a:buFont typeface="Arial" panose="020B0604020202020204" pitchFamily="34" charset="0"/>
+              <a:buChar char="•"/>
+            </a:pPr>
+            <a:r>
+              <a:rPr lang="en-US" sz="1900" dirty="0"/>
+              <a:t>Before coding our solution, we laid out a structured approach to working towards a solution supporting the hypothesis test we wanted to perform</a:t>
+            </a:r>
+          </a:p>
+          <a:p>
+            <a:pPr marL="342900" indent="-228600">
+              <a:lnSpc>
+                <a:spcPct val="90000"/>
+              </a:lnSpc>
+              <a:spcAft>
+                <a:spcPts val="600"/>
+              </a:spcAft>
+              <a:buFont typeface="Arial" panose="020B0604020202020204" pitchFamily="34" charset="0"/>
+              <a:buChar char="•"/>
+            </a:pPr>
+            <a:r>
+              <a:rPr lang="en-US" sz="1900" dirty="0"/>
+              <a:t>The structured approach we followed allowed the team to work towards clear and achievable goals at each stage in the project, resulting in efficient and effective teamwork</a:t>
+            </a:r>
+          </a:p>
+          <a:p>
+            <a:pPr marL="342900" indent="-228600">
+              <a:lnSpc>
+                <a:spcPct val="90000"/>
+              </a:lnSpc>
+              <a:spcAft>
+                <a:spcPts val="600"/>
+              </a:spcAft>
+              <a:buFont typeface="Arial" panose="020B0604020202020204" pitchFamily="34" charset="0"/>
+              <a:buChar char="•"/>
+            </a:pPr>
+            <a:endParaRPr lang="en-US" sz="1900" dirty="0"/>
+          </a:p>
+        </p:txBody>
+      </p:sp>
+    </p:spTree>
+    <p:extLst>
+      <p:ext uri="{BB962C8B-B14F-4D97-AF65-F5344CB8AC3E}">
+        <p14:creationId xmlns:p14="http://schemas.microsoft.com/office/powerpoint/2010/main" val="819451327"/>
+      </p:ext>
+    </p:extLst>
+  </p:cSld>
+  <p:clrMapOvr>
+    <a:masterClrMapping/>
+  </p:clrMapOvr>
+</p:sld>
+</file>
+
+<file path=ppt/slides/slide5.xml><?xml version="1.0" encoding="utf-8"?>
+<p:sld xmlns:a="http://schemas.openxmlformats.org/drawingml/2006/main" xmlns:r="http://schemas.openxmlformats.org/officeDocument/2006/relationships" xmlns:p="http://schemas.openxmlformats.org/presentationml/2006/main">
+  <p:cSld>
+    <p:bg>
+      <p:bgPr>
+        <a:solidFill>
+          <a:schemeClr val="bg1"/>
+        </a:solidFill>
+        <a:effectLst/>
+      </p:bgPr>
+    </p:bg>
+    <p:spTree>
+      <p:nvGrpSpPr>
+        <p:cNvPr id="1" name=""/>
+        <p:cNvGrpSpPr/>
+        <p:nvPr/>
+      </p:nvGrpSpPr>
+      <p:grpSpPr>
+        <a:xfrm>
+          <a:off x="0" y="0"/>
+          <a:ext cx="0" cy="0"/>
+          <a:chOff x="0" y="0"/>
+          <a:chExt cx="0" cy="0"/>
+        </a:xfrm>
+      </p:grpSpPr>
       <p:sp>
         <p:nvSpPr>
           <p:cNvPr id="2" name="Title 1">
@@ -11269,12 +16355,12 @@
         </p:spPr>
         <p:txBody>
           <a:bodyPr>
-            <a:normAutofit fontScale="90000"/>
+            <a:normAutofit/>
           </a:bodyPr>
           <a:lstStyle/>
           <a:p>
             <a:r>
-              <a:rPr lang="en-US" dirty="0"/>
+              <a:rPr lang="en-US" sz="2800" b="1" dirty="0"/>
               <a:t>Government Response &amp; Stringency Index Calculations</a:t>
             </a:r>
           </a:p>
@@ -11779,7 +16865,7 @@
           <a:lstStyle/>
           <a:p>
             <a:r>
-              <a:rPr lang="en-US" sz="2400" dirty="0"/>
+              <a:rPr lang="en-US" sz="2000" dirty="0"/>
               <a:t>Country “Stringency Indices” were calculated according to 19 indicators which fall into 4 categorical policies:</a:t>
             </a:r>
           </a:p>
@@ -11788,15 +16874,9 @@
               <a:buNone/>
             </a:pPr>
             <a:r>
-              <a:rPr lang="en-US" sz="2000" dirty="0"/>
+              <a:rPr lang="en-US" sz="1800" dirty="0"/>
               <a:t>“C” - Containment &amp; Closure |“E” – Economic |“H” - Health System |“M” - Miscellaneous</a:t>
             </a:r>
-          </a:p>
-          <a:p>
-            <a:pPr marL="457200" lvl="1" indent="0">
-              <a:buNone/>
-            </a:pPr>
-            <a:endParaRPr lang="en-US" sz="2000" dirty="0"/>
           </a:p>
           <a:p>
             <a:pPr lvl="1"/>
@@ -11818,8 +16898,8 @@
         </p:nvSpPr>
         <p:spPr>
           <a:xfrm>
-            <a:off x="338667" y="6434664"/>
-            <a:ext cx="11514666" cy="338554"/>
+            <a:off x="21020" y="6523770"/>
+            <a:ext cx="11514666" cy="261610"/>
           </a:xfrm>
           <a:prstGeom prst="rect">
             <a:avLst/>
@@ -11833,20 +16913,19 @@
           <a:lstStyle/>
           <a:p>
             <a:r>
-              <a:rPr lang="en-US" sz="1600"/>
+              <a:rPr lang="en-US" sz="1100" dirty="0"/>
               <a:t>Source: </a:t>
             </a:r>
             <a:r>
-              <a:rPr lang="en-US" sz="1600">
+              <a:rPr lang="en-US" sz="1100" dirty="0">
                 <a:hlinkClick r:id="rId3"/>
               </a:rPr>
               <a:t>https://github.com/OxCGRT/covid-policy-tracker/blob/master/documentation/codebook.md#containment-and-closure-policies</a:t>
             </a:r>
             <a:r>
-              <a:rPr lang="en-US" sz="1600"/>
+              <a:rPr lang="en-US" sz="1100" dirty="0"/>
               <a:t> </a:t>
             </a:r>
-            <a:endParaRPr lang="en-US" sz="1600" dirty="0"/>
           </a:p>
         </p:txBody>
       </p:sp>
@@ -11922,7 +17001,7 @@
 </p:sld>
 </file>
 
-<file path=ppt/slides/slide5.xml><?xml version="1.0" encoding="utf-8"?>
+<file path=ppt/slides/slide6.xml><?xml version="1.0" encoding="utf-8"?>
 <p:sld xmlns:a="http://schemas.openxmlformats.org/drawingml/2006/main" xmlns:r="http://schemas.openxmlformats.org/officeDocument/2006/relationships" xmlns:p="http://schemas.openxmlformats.org/presentationml/2006/main">
   <p:cSld>
     <p:bg>
@@ -11947,45 +17026,6 @@
           <a:chExt cx="0" cy="0"/>
         </a:xfrm>
       </p:grpSpPr>
-      <p:sp>
-        <p:nvSpPr>
-          <p:cNvPr id="2" name="Title 1">
-            <a:extLst>
-              <a:ext uri="{FF2B5EF4-FFF2-40B4-BE49-F238E27FC236}">
-                <a16:creationId xmlns:a16="http://schemas.microsoft.com/office/drawing/2014/main" id="{FD50C97A-A7BD-427D-B320-7793E1BF1265}"/>
-              </a:ext>
-            </a:extLst>
-          </p:cNvPr>
-          <p:cNvSpPr>
-            <a:spLocks noGrp="1"/>
-          </p:cNvSpPr>
-          <p:nvPr>
-            <p:ph type="title"/>
-          </p:nvPr>
-        </p:nvSpPr>
-        <p:spPr>
-          <a:xfrm>
-            <a:off x="1653363" y="467361"/>
-            <a:ext cx="9367203" cy="685800"/>
-          </a:xfrm>
-        </p:spPr>
-        <p:txBody>
-          <a:bodyPr>
-            <a:noAutofit/>
-          </a:bodyPr>
-          <a:lstStyle/>
-          <a:p>
-            <a:r>
-              <a:rPr lang="en-US" sz="2800" dirty="0"/>
-              <a:t>General Methods Part 1:Identify &amp; Obtain Current Country-specific COVID-19 Data </a:t>
-            </a:r>
-            <a:br>
-              <a:rPr lang="en-US" sz="2800" dirty="0"/>
-            </a:br>
-            <a:endParaRPr lang="en-US" sz="2800" dirty="0"/>
-          </a:p>
-        </p:txBody>
-      </p:sp>
       <p:sp>
         <p:nvSpPr>
           <p:cNvPr id="8" name="Freeform: Shape 7">
@@ -12472,8 +17512,8 @@
         </p:nvSpPr>
         <p:spPr>
           <a:xfrm>
-            <a:off x="1653363" y="905256"/>
-            <a:ext cx="9367203" cy="685800"/>
+            <a:off x="0" y="6507451"/>
+            <a:ext cx="2801476" cy="304467"/>
           </a:xfrm>
           <a:prstGeom prst="rect">
             <a:avLst/>
@@ -12507,17 +17547,22 @@
               <a:buNone/>
             </a:pPr>
             <a:r>
-              <a:rPr lang="en-US" sz="2800" dirty="0"/>
+              <a:rPr lang="en-US" sz="1100" dirty="0">
+                <a:latin typeface="+mn-lt"/>
+              </a:rPr>
               <a:t>Source:</a:t>
             </a:r>
             <a:r>
-              <a:rPr lang="en-US" sz="2800" dirty="0">
+              <a:rPr lang="en-US" sz="1100" dirty="0">
+                <a:latin typeface="+mn-lt"/>
                 <a:hlinkClick r:id="rId3"/>
               </a:rPr>
               <a:t> https://api.covid19api.com/countries</a:t>
             </a:r>
             <a:r>
-              <a:rPr lang="en-US" sz="2800" dirty="0"/>
+              <a:rPr lang="en-US" sz="1100" dirty="0">
+                <a:latin typeface="+mn-lt"/>
+              </a:rPr>
               <a:t> </a:t>
             </a:r>
           </a:p>
@@ -12545,14 +17590,74 @@
         </p:blipFill>
         <p:spPr>
           <a:xfrm>
-            <a:off x="1241777" y="1762951"/>
-            <a:ext cx="8782755" cy="4987399"/>
+            <a:off x="1971468" y="1777034"/>
+            <a:ext cx="8249064" cy="4684336"/>
           </a:xfrm>
           <a:prstGeom prst="rect">
             <a:avLst/>
           </a:prstGeom>
         </p:spPr>
       </p:pic>
+      <p:sp>
+        <p:nvSpPr>
+          <p:cNvPr id="9" name="Title 1">
+            <a:extLst>
+              <a:ext uri="{FF2B5EF4-FFF2-40B4-BE49-F238E27FC236}">
+                <a16:creationId xmlns:a16="http://schemas.microsoft.com/office/drawing/2014/main" id="{0C041BBD-A271-40B0-AAD2-49CD5B4A50DF}"/>
+              </a:ext>
+            </a:extLst>
+          </p:cNvPr>
+          <p:cNvSpPr txBox="1">
+            <a:spLocks/>
+          </p:cNvSpPr>
+          <p:nvPr/>
+        </p:nvSpPr>
+        <p:spPr>
+          <a:xfrm>
+            <a:off x="1653363" y="365760"/>
+            <a:ext cx="9067189" cy="1188720"/>
+          </a:xfrm>
+          <a:prstGeom prst="rect">
+            <a:avLst/>
+          </a:prstGeom>
+        </p:spPr>
+        <p:txBody>
+          <a:bodyPr vert="horz" lIns="91440" tIns="45720" rIns="91440" bIns="45720" rtlCol="0" anchor="ctr">
+            <a:normAutofit/>
+          </a:bodyPr>
+          <a:lstStyle>
+            <a:lvl1pPr algn="l" defTabSz="914400" rtl="0" eaLnBrk="1" latinLnBrk="0" hangingPunct="1">
+              <a:lnSpc>
+                <a:spcPct val="90000"/>
+              </a:lnSpc>
+              <a:spcBef>
+                <a:spcPct val="0"/>
+              </a:spcBef>
+              <a:buNone/>
+              <a:defRPr sz="4400" kern="1200">
+                <a:solidFill>
+                  <a:schemeClr val="tx1"/>
+                </a:solidFill>
+                <a:latin typeface="+mj-lt"/>
+                <a:ea typeface="+mj-ea"/>
+                <a:cs typeface="+mj-cs"/>
+              </a:defRPr>
+            </a:lvl1pPr>
+          </a:lstStyle>
+          <a:p>
+            <a:r>
+              <a:rPr lang="en-US" sz="2800" b="1" dirty="0"/>
+              <a:t>General Methods Part 1:</a:t>
+            </a:r>
+          </a:p>
+          <a:p>
+            <a:r>
+              <a:rPr lang="en-US" sz="2800" dirty="0"/>
+              <a:t>Identify &amp; Obtain Current Country-specific COVID-19 Data</a:t>
+            </a:r>
+          </a:p>
+        </p:txBody>
+      </p:sp>
     </p:spTree>
     <p:extLst>
       <p:ext uri="{BB962C8B-B14F-4D97-AF65-F5344CB8AC3E}">
@@ -12566,7 +17671,7 @@
 </p:sld>
 </file>
 
-<file path=ppt/slides/slide6.xml><?xml version="1.0" encoding="utf-8"?>
+<file path=ppt/slides/slide7.xml><?xml version="1.0" encoding="utf-8"?>
 <p:sld xmlns:a="http://schemas.openxmlformats.org/drawingml/2006/main" xmlns:r="http://schemas.openxmlformats.org/officeDocument/2006/relationships" xmlns:p="http://schemas.openxmlformats.org/presentationml/2006/main">
   <p:cSld>
     <p:bg>
@@ -12591,45 +17696,6 @@
           <a:chExt cx="0" cy="0"/>
         </a:xfrm>
       </p:grpSpPr>
-      <p:sp>
-        <p:nvSpPr>
-          <p:cNvPr id="2" name="Title 1">
-            <a:extLst>
-              <a:ext uri="{FF2B5EF4-FFF2-40B4-BE49-F238E27FC236}">
-                <a16:creationId xmlns:a16="http://schemas.microsoft.com/office/drawing/2014/main" id="{FD50C97A-A7BD-427D-B320-7793E1BF1265}"/>
-              </a:ext>
-            </a:extLst>
-          </p:cNvPr>
-          <p:cNvSpPr>
-            <a:spLocks noGrp="1"/>
-          </p:cNvSpPr>
-          <p:nvPr>
-            <p:ph type="title"/>
-          </p:nvPr>
-        </p:nvSpPr>
-        <p:spPr>
-          <a:xfrm>
-            <a:off x="1653363" y="365760"/>
-            <a:ext cx="9367203" cy="1188720"/>
-          </a:xfrm>
-        </p:spPr>
-        <p:txBody>
-          <a:bodyPr>
-            <a:normAutofit fontScale="90000"/>
-          </a:bodyPr>
-          <a:lstStyle/>
-          <a:p>
-            <a:r>
-              <a:rPr lang="en-US" sz="3200" dirty="0"/>
-              <a:t>General Methods Part 1:Identify &amp; Obtain Current Country-specific COVID-19 Data (Continued)</a:t>
-            </a:r>
-            <a:br>
-              <a:rPr lang="en-US" sz="2400" dirty="0"/>
-            </a:br>
-            <a:endParaRPr lang="en-US" sz="2400" dirty="0"/>
-          </a:p>
-        </p:txBody>
-      </p:sp>
       <p:sp>
         <p:nvSpPr>
           <p:cNvPr id="8" name="Freeform: Shape 7">
@@ -13124,12 +18190,12 @@
         </p:spPr>
         <p:txBody>
           <a:bodyPr anchor="t">
-            <a:normAutofit lnSpcReduction="10000"/>
+            <a:normAutofit/>
           </a:bodyPr>
           <a:lstStyle/>
           <a:p>
             <a:r>
-              <a:rPr lang="en-US" sz="2400" dirty="0"/>
+              <a:rPr lang="en-US" sz="2000" dirty="0"/>
               <a:t>Using API data, we created lists for each country name, “slug” and two-character ISO code</a:t>
             </a:r>
           </a:p>
@@ -13138,16 +18204,8 @@
               <a:buAutoNum type="arabicParenR"/>
             </a:pPr>
             <a:r>
-              <a:rPr lang="en-US" sz="2000" dirty="0"/>
-              <a:t>The lists created were then put into a pandas </a:t>
-            </a:r>
-            <a:r>
-              <a:rPr lang="en-US" sz="2000" dirty="0" err="1"/>
-              <a:t>dataframe</a:t>
-            </a:r>
-            <a:r>
-              <a:rPr lang="en-US" sz="2000" dirty="0"/>
-              <a:t>, then written to a .csv file</a:t>
+              <a:rPr lang="en-US" sz="1800" dirty="0"/>
+              <a:t>The lists created were then put into a pandas dataframe, then written to a .csv file</a:t>
             </a:r>
           </a:p>
           <a:p>
@@ -13155,7 +18213,7 @@
               <a:buAutoNum type="arabicParenR"/>
             </a:pPr>
             <a:r>
-              <a:rPr lang="en-US" sz="2000" dirty="0"/>
+              <a:rPr lang="en-US" sz="1800" dirty="0"/>
               <a:t>Pandas library “Country Converter” [aka “coco”] used to convert “Entity” to the common country name</a:t>
             </a:r>
           </a:p>
@@ -13183,8 +18241,8 @@
         </p:blipFill>
         <p:spPr>
           <a:xfrm>
-            <a:off x="595894" y="3600450"/>
-            <a:ext cx="3084284" cy="2637063"/>
+            <a:off x="502514" y="3345584"/>
+            <a:ext cx="3468106" cy="2965231"/>
           </a:xfrm>
           <a:prstGeom prst="rect">
             <a:avLst/>
@@ -13213,8 +18271,8 @@
         </p:blipFill>
         <p:spPr>
           <a:xfrm>
-            <a:off x="5797326" y="3736056"/>
-            <a:ext cx="6182717" cy="2427677"/>
+            <a:off x="4765330" y="3345584"/>
+            <a:ext cx="7206383" cy="2829625"/>
           </a:xfrm>
           <a:prstGeom prst="rect">
             <a:avLst/>
@@ -13235,8 +18293,8 @@
         </p:nvSpPr>
         <p:spPr>
           <a:xfrm>
-            <a:off x="4064000" y="4274820"/>
-            <a:ext cx="1320800" cy="1422400"/>
+            <a:off x="4054095" y="4454151"/>
+            <a:ext cx="627760" cy="612490"/>
           </a:xfrm>
           <a:prstGeom prst="mathPlus">
             <a:avLst>
@@ -13285,6 +18343,66 @@
           </a:p>
         </p:txBody>
       </p:sp>
+      <p:sp>
+        <p:nvSpPr>
+          <p:cNvPr id="14" name="Title 1">
+            <a:extLst>
+              <a:ext uri="{FF2B5EF4-FFF2-40B4-BE49-F238E27FC236}">
+                <a16:creationId xmlns:a16="http://schemas.microsoft.com/office/drawing/2014/main" id="{962F890E-773A-4C7F-A113-04915C79615C}"/>
+              </a:ext>
+            </a:extLst>
+          </p:cNvPr>
+          <p:cNvSpPr txBox="1">
+            <a:spLocks/>
+          </p:cNvSpPr>
+          <p:nvPr/>
+        </p:nvSpPr>
+        <p:spPr>
+          <a:xfrm>
+            <a:off x="1653363" y="365760"/>
+            <a:ext cx="10312858" cy="1188720"/>
+          </a:xfrm>
+          <a:prstGeom prst="rect">
+            <a:avLst/>
+          </a:prstGeom>
+        </p:spPr>
+        <p:txBody>
+          <a:bodyPr vert="horz" lIns="91440" tIns="45720" rIns="91440" bIns="45720" rtlCol="0" anchor="ctr">
+            <a:normAutofit/>
+          </a:bodyPr>
+          <a:lstStyle>
+            <a:lvl1pPr algn="l" defTabSz="914400" rtl="0" eaLnBrk="1" latinLnBrk="0" hangingPunct="1">
+              <a:lnSpc>
+                <a:spcPct val="90000"/>
+              </a:lnSpc>
+              <a:spcBef>
+                <a:spcPct val="0"/>
+              </a:spcBef>
+              <a:buNone/>
+              <a:defRPr sz="4400" kern="1200">
+                <a:solidFill>
+                  <a:schemeClr val="tx1"/>
+                </a:solidFill>
+                <a:latin typeface="+mj-lt"/>
+                <a:ea typeface="+mj-ea"/>
+                <a:cs typeface="+mj-cs"/>
+              </a:defRPr>
+            </a:lvl1pPr>
+          </a:lstStyle>
+          <a:p>
+            <a:r>
+              <a:rPr lang="en-US" sz="2800" b="1" dirty="0"/>
+              <a:t>General Methods Part 1:</a:t>
+            </a:r>
+          </a:p>
+          <a:p>
+            <a:r>
+              <a:rPr lang="en-US" sz="2800" dirty="0"/>
+              <a:t>Identify &amp; Obtain Current Country-specific COVID-19 Data (Continued)</a:t>
+            </a:r>
+          </a:p>
+        </p:txBody>
+      </p:sp>
     </p:spTree>
     <p:extLst>
       <p:ext uri="{BB962C8B-B14F-4D97-AF65-F5344CB8AC3E}">
@@ -13298,7 +18416,7 @@
 </p:sld>
 </file>
 
-<file path=ppt/slides/slide7.xml><?xml version="1.0" encoding="utf-8"?>
+<file path=ppt/slides/slide8.xml><?xml version="1.0" encoding="utf-8"?>
 <p:sld xmlns:a="http://schemas.openxmlformats.org/drawingml/2006/main" xmlns:r="http://schemas.openxmlformats.org/officeDocument/2006/relationships" xmlns:p="http://schemas.openxmlformats.org/presentationml/2006/main">
   <p:cSld>
     <p:bg>
@@ -13323,45 +18441,6 @@
           <a:chExt cx="0" cy="0"/>
         </a:xfrm>
       </p:grpSpPr>
-      <p:sp>
-        <p:nvSpPr>
-          <p:cNvPr id="2" name="Title 1">
-            <a:extLst>
-              <a:ext uri="{FF2B5EF4-FFF2-40B4-BE49-F238E27FC236}">
-                <a16:creationId xmlns:a16="http://schemas.microsoft.com/office/drawing/2014/main" id="{FD50C97A-A7BD-427D-B320-7793E1BF1265}"/>
-              </a:ext>
-            </a:extLst>
-          </p:cNvPr>
-          <p:cNvSpPr>
-            <a:spLocks noGrp="1"/>
-          </p:cNvSpPr>
-          <p:nvPr>
-            <p:ph type="title"/>
-          </p:nvPr>
-        </p:nvSpPr>
-        <p:spPr>
-          <a:xfrm>
-            <a:off x="1653363" y="365760"/>
-            <a:ext cx="9367203" cy="1188720"/>
-          </a:xfrm>
-        </p:spPr>
-        <p:txBody>
-          <a:bodyPr>
-            <a:normAutofit fontScale="90000"/>
-          </a:bodyPr>
-          <a:lstStyle/>
-          <a:p>
-            <a:r>
-              <a:rPr lang="en-US" sz="3200" dirty="0"/>
-              <a:t>General Methods Part 1:Identify &amp; Obtain Current Country-specific COVID-19 Data (Continued)</a:t>
-            </a:r>
-            <a:br>
-              <a:rPr lang="en-US" sz="2400" dirty="0"/>
-            </a:br>
-            <a:endParaRPr lang="en-US" sz="2400" dirty="0"/>
-          </a:p>
-        </p:txBody>
-      </p:sp>
       <p:sp>
         <p:nvSpPr>
           <p:cNvPr id="8" name="Freeform: Shape 7">
@@ -13861,14 +18940,10 @@
           <a:lstStyle/>
           <a:p>
             <a:r>
-              <a:rPr lang="en-US" sz="2400" dirty="0"/>
-              <a:t>The two separate CSV files containing country name and various identifiers were then merged into one standardized </a:t>
+              <a:rPr lang="en-US" sz="2000" dirty="0"/>
+              <a:t>The two separate CSV files containing country name and various identifiers were then merged into one standardized dataframe</a:t>
             </a:r>
-            <a:r>
-              <a:rPr lang="en-US" sz="2400" dirty="0" err="1"/>
-              <a:t>dataframe</a:t>
-            </a:r>
-            <a:endParaRPr lang="en-US" sz="2000" dirty="0"/>
+            <a:endParaRPr lang="en-US" sz="1800" dirty="0"/>
           </a:p>
         </p:txBody>
       </p:sp>
@@ -13894,7 +18969,7 @@
         </p:blipFill>
         <p:spPr>
           <a:xfrm>
-            <a:off x="745875" y="3238993"/>
+            <a:off x="745875" y="2965723"/>
             <a:ext cx="11038984" cy="3253247"/>
           </a:xfrm>
           <a:prstGeom prst="rect">
@@ -13932,6 +19007,66 @@
           </a:prstGeom>
         </p:spPr>
       </p:pic>
+      <p:sp>
+        <p:nvSpPr>
+          <p:cNvPr id="11" name="Title 1">
+            <a:extLst>
+              <a:ext uri="{FF2B5EF4-FFF2-40B4-BE49-F238E27FC236}">
+                <a16:creationId xmlns:a16="http://schemas.microsoft.com/office/drawing/2014/main" id="{CC1915E3-6580-42FA-B16B-909B893CACF7}"/>
+              </a:ext>
+            </a:extLst>
+          </p:cNvPr>
+          <p:cNvSpPr txBox="1">
+            <a:spLocks/>
+          </p:cNvSpPr>
+          <p:nvPr/>
+        </p:nvSpPr>
+        <p:spPr>
+          <a:xfrm>
+            <a:off x="1653363" y="365760"/>
+            <a:ext cx="10312858" cy="1188720"/>
+          </a:xfrm>
+          <a:prstGeom prst="rect">
+            <a:avLst/>
+          </a:prstGeom>
+        </p:spPr>
+        <p:txBody>
+          <a:bodyPr vert="horz" lIns="91440" tIns="45720" rIns="91440" bIns="45720" rtlCol="0" anchor="ctr">
+            <a:normAutofit/>
+          </a:bodyPr>
+          <a:lstStyle>
+            <a:lvl1pPr algn="l" defTabSz="914400" rtl="0" eaLnBrk="1" latinLnBrk="0" hangingPunct="1">
+              <a:lnSpc>
+                <a:spcPct val="90000"/>
+              </a:lnSpc>
+              <a:spcBef>
+                <a:spcPct val="0"/>
+              </a:spcBef>
+              <a:buNone/>
+              <a:defRPr sz="4400" kern="1200">
+                <a:solidFill>
+                  <a:schemeClr val="tx1"/>
+                </a:solidFill>
+                <a:latin typeface="+mj-lt"/>
+                <a:ea typeface="+mj-ea"/>
+                <a:cs typeface="+mj-cs"/>
+              </a:defRPr>
+            </a:lvl1pPr>
+          </a:lstStyle>
+          <a:p>
+            <a:r>
+              <a:rPr lang="en-US" sz="2800" b="1" dirty="0"/>
+              <a:t>General Methods Part 1:</a:t>
+            </a:r>
+          </a:p>
+          <a:p>
+            <a:r>
+              <a:rPr lang="en-US" sz="2800" dirty="0"/>
+              <a:t>Identify &amp; Obtain Current Country-specific COVID-19 Data (Continued)</a:t>
+            </a:r>
+          </a:p>
+        </p:txBody>
+      </p:sp>
     </p:spTree>
     <p:extLst>
       <p:ext uri="{BB962C8B-B14F-4D97-AF65-F5344CB8AC3E}">
@@ -13945,7 +19080,7 @@
 </p:sld>
 </file>
 
-<file path=ppt/slides/slide8.xml><?xml version="1.0" encoding="utf-8"?>
+<file path=ppt/slides/slide9.xml><?xml version="1.0" encoding="utf-8"?>
 <p:sld xmlns:a="http://schemas.openxmlformats.org/drawingml/2006/main" xmlns:r="http://schemas.openxmlformats.org/officeDocument/2006/relationships" xmlns:p="http://schemas.openxmlformats.org/presentationml/2006/main">
   <p:cSld>
     <p:bg>
@@ -13989,7 +19124,7 @@
         <p:spPr>
           <a:xfrm>
             <a:off x="1653363" y="365760"/>
-            <a:ext cx="8563081" cy="1188720"/>
+            <a:ext cx="8756404" cy="1188720"/>
           </a:xfrm>
         </p:spPr>
         <p:txBody>
@@ -13999,8 +19134,22 @@
           <a:lstStyle/>
           <a:p>
             <a:r>
-              <a:rPr lang="en-US" sz="3200" dirty="0"/>
-              <a:t>General Methods Part 1:Identify &amp; Obtain Current Country-specific COVID-19 Data (Stringency Index Aggregation)</a:t>
+              <a:rPr lang="en-US" sz="3100" b="1" dirty="0"/>
+              <a:t>General Methods Part 1:</a:t>
+            </a:r>
+            <a:br>
+              <a:rPr lang="en-US" sz="3100" dirty="0"/>
+            </a:br>
+            <a:r>
+              <a:rPr lang="en-US" sz="3100" dirty="0"/>
+              <a:t>Identify &amp; Obtain Current Country-specific COVID-19 Data</a:t>
+            </a:r>
+            <a:br>
+              <a:rPr lang="en-US" sz="3100" dirty="0"/>
+            </a:br>
+            <a:r>
+              <a:rPr lang="en-US" sz="3100" dirty="0"/>
+              <a:t>(Stringency Index Aggregation)</a:t>
             </a:r>
             <a:br>
               <a:rPr lang="en-US" sz="2400" dirty="0"/>
@@ -14520,9 +19669,6 @@
             <a:br>
               <a:rPr lang="en-US" sz="2000" dirty="0"/>
             </a:br>
-            <a:br>
-              <a:rPr lang="en-US" sz="2000" dirty="0"/>
-            </a:br>
             <a:endParaRPr lang="en-US" sz="2000" dirty="0"/>
           </a:p>
           <a:p>
@@ -14566,7 +19712,7 @@
         </p:blipFill>
         <p:spPr>
           <a:xfrm>
-            <a:off x="1264356" y="2621169"/>
+            <a:off x="1320800" y="2631816"/>
             <a:ext cx="9550399" cy="3960253"/>
           </a:xfrm>
           <a:prstGeom prst="rect">
@@ -14607,863 +19753,6 @@
     <p:extLst>
       <p:ext uri="{BB962C8B-B14F-4D97-AF65-F5344CB8AC3E}">
         <p14:creationId xmlns:p14="http://schemas.microsoft.com/office/powerpoint/2010/main" val="1054725892"/>
-      </p:ext>
-    </p:extLst>
-  </p:cSld>
-  <p:clrMapOvr>
-    <a:masterClrMapping/>
-  </p:clrMapOvr>
-</p:sld>
-</file>
-
-<file path=ppt/slides/slide9.xml><?xml version="1.0" encoding="utf-8"?>
-<p:sld xmlns:a="http://schemas.openxmlformats.org/drawingml/2006/main" xmlns:r="http://schemas.openxmlformats.org/officeDocument/2006/relationships" xmlns:p="http://schemas.openxmlformats.org/presentationml/2006/main">
-  <p:cSld>
-    <p:bg>
-      <p:bgPr>
-        <a:solidFill>
-          <a:schemeClr val="bg1"/>
-        </a:solidFill>
-        <a:effectLst/>
-      </p:bgPr>
-    </p:bg>
-    <p:spTree>
-      <p:nvGrpSpPr>
-        <p:cNvPr id="1" name=""/>
-        <p:cNvGrpSpPr/>
-        <p:nvPr/>
-      </p:nvGrpSpPr>
-      <p:grpSpPr>
-        <a:xfrm>
-          <a:off x="0" y="0"/>
-          <a:ext cx="0" cy="0"/>
-          <a:chOff x="0" y="0"/>
-          <a:chExt cx="0" cy="0"/>
-        </a:xfrm>
-      </p:grpSpPr>
-      <p:sp>
-        <p:nvSpPr>
-          <p:cNvPr id="8" name="Freeform: Shape 7">
-            <a:extLst>
-              <a:ext uri="{FF2B5EF4-FFF2-40B4-BE49-F238E27FC236}">
-                <a16:creationId xmlns:a16="http://schemas.microsoft.com/office/drawing/2014/main" id="{7CB4857B-ED7C-444D-9F04-2F885114A1C2}"/>
-              </a:ext>
-              <a:ext uri="{C183D7F6-B498-43B3-948B-1728B52AA6E4}">
-                <adec:decorative xmlns:adec="http://schemas.microsoft.com/office/drawing/2017/decorative" val="1"/>
-              </a:ext>
-            </a:extLst>
-          </p:cNvPr>
-          <p:cNvSpPr>
-            <a:spLocks noGrp="1" noRot="1" noChangeAspect="1" noMove="1" noResize="1" noEditPoints="1" noAdjustHandles="1" noChangeArrowheads="1" noChangeShapeType="1" noTextEdit="1"/>
-          </p:cNvSpPr>
-          <p:nvPr>
-            <p:extLst>
-              <p:ext uri="{386F3935-93C4-4BCD-93E2-E3B085C9AB24}">
-                <p16:designElem xmlns:p16="http://schemas.microsoft.com/office/powerpoint/2015/main" val="1"/>
-              </p:ext>
-            </p:extLst>
-          </p:nvPr>
-        </p:nvSpPr>
-        <p:spPr>
-          <a:xfrm>
-            <a:off x="1" y="0"/>
-            <a:ext cx="1764099" cy="1558212"/>
-          </a:xfrm>
-          <a:custGeom>
-            <a:avLst/>
-            <a:gdLst>
-              <a:gd name="connsiteX0" fmla="*/ 0 w 1764099"/>
-              <a:gd name="connsiteY0" fmla="*/ 0 h 1558212"/>
-              <a:gd name="connsiteX1" fmla="*/ 1764099 w 1764099"/>
-              <a:gd name="connsiteY1" fmla="*/ 0 h 1558212"/>
-              <a:gd name="connsiteX2" fmla="*/ 1042087 w 1764099"/>
-              <a:gd name="connsiteY2" fmla="*/ 1558212 h 1558212"/>
-              <a:gd name="connsiteX3" fmla="*/ 0 w 1764099"/>
-              <a:gd name="connsiteY3" fmla="*/ 1558212 h 1558212"/>
-            </a:gdLst>
-            <a:ahLst/>
-            <a:cxnLst>
-              <a:cxn ang="0">
-                <a:pos x="connsiteX0" y="connsiteY0"/>
-              </a:cxn>
-              <a:cxn ang="0">
-                <a:pos x="connsiteX1" y="connsiteY1"/>
-              </a:cxn>
-              <a:cxn ang="0">
-                <a:pos x="connsiteX2" y="connsiteY2"/>
-              </a:cxn>
-              <a:cxn ang="0">
-                <a:pos x="connsiteX3" y="connsiteY3"/>
-              </a:cxn>
-            </a:cxnLst>
-            <a:rect l="l" t="t" r="r" b="b"/>
-            <a:pathLst>
-              <a:path w="1764099" h="1558212">
-                <a:moveTo>
-                  <a:pt x="0" y="0"/>
-                </a:moveTo>
-                <a:lnTo>
-                  <a:pt x="1764099" y="0"/>
-                </a:lnTo>
-                <a:lnTo>
-                  <a:pt x="1042087" y="1558212"/>
-                </a:lnTo>
-                <a:lnTo>
-                  <a:pt x="0" y="1558212"/>
-                </a:lnTo>
-                <a:close/>
-              </a:path>
-            </a:pathLst>
-          </a:custGeom>
-          <a:solidFill>
-            <a:schemeClr val="accent4"/>
-          </a:solidFill>
-          <a:ln>
-            <a:noFill/>
-          </a:ln>
-        </p:spPr>
-        <p:style>
-          <a:lnRef idx="2">
-            <a:schemeClr val="accent1">
-              <a:shade val="50000"/>
-            </a:schemeClr>
-          </a:lnRef>
-          <a:fillRef idx="1">
-            <a:schemeClr val="accent1"/>
-          </a:fillRef>
-          <a:effectRef idx="0">
-            <a:schemeClr val="accent1"/>
-          </a:effectRef>
-          <a:fontRef idx="minor">
-            <a:schemeClr val="lt1"/>
-          </a:fontRef>
-        </p:style>
-        <p:txBody>
-          <a:bodyPr wrap="square" rtlCol="0" anchor="ctr">
-            <a:noAutofit/>
-          </a:bodyPr>
-          <a:lstStyle/>
-          <a:p>
-            <a:pPr algn="ctr"/>
-            <a:endParaRPr lang="en-US"/>
-          </a:p>
-        </p:txBody>
-      </p:sp>
-      <p:sp>
-        <p:nvSpPr>
-          <p:cNvPr id="10" name="Freeform: Shape 9">
-            <a:extLst>
-              <a:ext uri="{FF2B5EF4-FFF2-40B4-BE49-F238E27FC236}">
-                <a16:creationId xmlns:a16="http://schemas.microsoft.com/office/drawing/2014/main" id="{D18046FB-44EA-4FD8-A585-EA09A319B2D0}"/>
-              </a:ext>
-              <a:ext uri="{C183D7F6-B498-43B3-948B-1728B52AA6E4}">
-                <adec:decorative xmlns:adec="http://schemas.microsoft.com/office/drawing/2017/decorative" val="1"/>
-              </a:ext>
-            </a:extLst>
-          </p:cNvPr>
-          <p:cNvSpPr>
-            <a:spLocks noGrp="1" noRot="1" noChangeAspect="1" noMove="1" noResize="1" noEditPoints="1" noAdjustHandles="1" noChangeArrowheads="1" noChangeShapeType="1" noTextEdit="1"/>
-          </p:cNvSpPr>
-          <p:nvPr>
-            <p:extLst>
-              <p:ext uri="{386F3935-93C4-4BCD-93E2-E3B085C9AB24}">
-                <p16:designElem xmlns:p16="http://schemas.microsoft.com/office/powerpoint/2015/main" val="1"/>
-              </p:ext>
-            </p:extLst>
-          </p:nvPr>
-        </p:nvSpPr>
-        <p:spPr>
-          <a:xfrm>
-            <a:off x="1" y="1691640"/>
-            <a:ext cx="12191999" cy="5166360"/>
-          </a:xfrm>
-          <a:custGeom>
-            <a:avLst/>
-            <a:gdLst>
-              <a:gd name="connsiteX0" fmla="*/ 0 w 12191999"/>
-              <a:gd name="connsiteY0" fmla="*/ 0 h 5166360"/>
-              <a:gd name="connsiteX1" fmla="*/ 1822388 w 12191999"/>
-              <a:gd name="connsiteY1" fmla="*/ 0 h 5166360"/>
-              <a:gd name="connsiteX2" fmla="*/ 6468290 w 12191999"/>
-              <a:gd name="connsiteY2" fmla="*/ 0 h 5166360"/>
-              <a:gd name="connsiteX3" fmla="*/ 7796394 w 12191999"/>
-              <a:gd name="connsiteY3" fmla="*/ 0 h 5166360"/>
-              <a:gd name="connsiteX4" fmla="*/ 8376834 w 12191999"/>
-              <a:gd name="connsiteY4" fmla="*/ 0 h 5166360"/>
-              <a:gd name="connsiteX5" fmla="*/ 9704938 w 12191999"/>
-              <a:gd name="connsiteY5" fmla="*/ 0 h 5166360"/>
-              <a:gd name="connsiteX6" fmla="*/ 9704938 w 12191999"/>
-              <a:gd name="connsiteY6" fmla="*/ 2 h 5166360"/>
-              <a:gd name="connsiteX7" fmla="*/ 10283456 w 12191999"/>
-              <a:gd name="connsiteY7" fmla="*/ 2 h 5166360"/>
-              <a:gd name="connsiteX8" fmla="*/ 10863897 w 12191999"/>
-              <a:gd name="connsiteY8" fmla="*/ 2 h 5166360"/>
-              <a:gd name="connsiteX9" fmla="*/ 12191999 w 12191999"/>
-              <a:gd name="connsiteY9" fmla="*/ 2 h 5166360"/>
-              <a:gd name="connsiteX10" fmla="*/ 12191999 w 12191999"/>
-              <a:gd name="connsiteY10" fmla="*/ 5166360 h 5166360"/>
-              <a:gd name="connsiteX11" fmla="*/ 0 w 12191999"/>
-              <a:gd name="connsiteY11" fmla="*/ 5166360 h 5166360"/>
-              <a:gd name="connsiteX12" fmla="*/ 0 w 12191999"/>
-              <a:gd name="connsiteY12" fmla="*/ 2604436 h 5166360"/>
-              <a:gd name="connsiteX13" fmla="*/ 862341 w 12191999"/>
-              <a:gd name="connsiteY13" fmla="*/ 743371 h 5166360"/>
-              <a:gd name="connsiteX14" fmla="*/ 0 w 12191999"/>
-              <a:gd name="connsiteY14" fmla="*/ 743371 h 5166360"/>
-              <a:gd name="connsiteX15" fmla="*/ 0 w 12191999"/>
-              <a:gd name="connsiteY15" fmla="*/ 742508 h 5166360"/>
-              <a:gd name="connsiteX16" fmla="*/ 92826 w 12191999"/>
-              <a:gd name="connsiteY16" fmla="*/ 742508 h 5166360"/>
-              <a:gd name="connsiteX17" fmla="*/ 406486 w 12191999"/>
-              <a:gd name="connsiteY17" fmla="*/ 742508 h 5166360"/>
-              <a:gd name="connsiteX18" fmla="*/ 406486 w 12191999"/>
-              <a:gd name="connsiteY18" fmla="*/ 742507 h 5166360"/>
-              <a:gd name="connsiteX19" fmla="*/ 862741 w 12191999"/>
-              <a:gd name="connsiteY19" fmla="*/ 742507 h 5166360"/>
-              <a:gd name="connsiteX20" fmla="*/ 1206388 w 12191999"/>
-              <a:gd name="connsiteY20" fmla="*/ 864 h 5166360"/>
-              <a:gd name="connsiteX21" fmla="*/ 748500 w 12191999"/>
-              <a:gd name="connsiteY21" fmla="*/ 864 h 5166360"/>
-              <a:gd name="connsiteX22" fmla="*/ 0 w 12191999"/>
-              <a:gd name="connsiteY22" fmla="*/ 864 h 5166360"/>
-            </a:gdLst>
-            <a:ahLst/>
-            <a:cxnLst>
-              <a:cxn ang="0">
-                <a:pos x="connsiteX0" y="connsiteY0"/>
-              </a:cxn>
-              <a:cxn ang="0">
-                <a:pos x="connsiteX1" y="connsiteY1"/>
-              </a:cxn>
-              <a:cxn ang="0">
-                <a:pos x="connsiteX2" y="connsiteY2"/>
-              </a:cxn>
-              <a:cxn ang="0">
-                <a:pos x="connsiteX3" y="connsiteY3"/>
-              </a:cxn>
-              <a:cxn ang="0">
-                <a:pos x="connsiteX4" y="connsiteY4"/>
-              </a:cxn>
-              <a:cxn ang="0">
-                <a:pos x="connsiteX5" y="connsiteY5"/>
-              </a:cxn>
-              <a:cxn ang="0">
-                <a:pos x="connsiteX6" y="connsiteY6"/>
-              </a:cxn>
-              <a:cxn ang="0">
-                <a:pos x="connsiteX7" y="connsiteY7"/>
-              </a:cxn>
-              <a:cxn ang="0">
-                <a:pos x="connsiteX8" y="connsiteY8"/>
-              </a:cxn>
-              <a:cxn ang="0">
-                <a:pos x="connsiteX9" y="connsiteY9"/>
-              </a:cxn>
-              <a:cxn ang="0">
-                <a:pos x="connsiteX10" y="connsiteY10"/>
-              </a:cxn>
-              <a:cxn ang="0">
-                <a:pos x="connsiteX11" y="connsiteY11"/>
-              </a:cxn>
-              <a:cxn ang="0">
-                <a:pos x="connsiteX12" y="connsiteY12"/>
-              </a:cxn>
-              <a:cxn ang="0">
-                <a:pos x="connsiteX13" y="connsiteY13"/>
-              </a:cxn>
-              <a:cxn ang="0">
-                <a:pos x="connsiteX14" y="connsiteY14"/>
-              </a:cxn>
-              <a:cxn ang="0">
-                <a:pos x="connsiteX15" y="connsiteY15"/>
-              </a:cxn>
-              <a:cxn ang="0">
-                <a:pos x="connsiteX16" y="connsiteY16"/>
-              </a:cxn>
-              <a:cxn ang="0">
-                <a:pos x="connsiteX17" y="connsiteY17"/>
-              </a:cxn>
-              <a:cxn ang="0">
-                <a:pos x="connsiteX18" y="connsiteY18"/>
-              </a:cxn>
-              <a:cxn ang="0">
-                <a:pos x="connsiteX19" y="connsiteY19"/>
-              </a:cxn>
-              <a:cxn ang="0">
-                <a:pos x="connsiteX20" y="connsiteY20"/>
-              </a:cxn>
-              <a:cxn ang="0">
-                <a:pos x="connsiteX21" y="connsiteY21"/>
-              </a:cxn>
-              <a:cxn ang="0">
-                <a:pos x="connsiteX22" y="connsiteY22"/>
-              </a:cxn>
-            </a:cxnLst>
-            <a:rect l="l" t="t" r="r" b="b"/>
-            <a:pathLst>
-              <a:path w="12191999" h="5166360">
-                <a:moveTo>
-                  <a:pt x="0" y="0"/>
-                </a:moveTo>
-                <a:lnTo>
-                  <a:pt x="1822388" y="0"/>
-                </a:lnTo>
-                <a:lnTo>
-                  <a:pt x="6468290" y="0"/>
-                </a:lnTo>
-                <a:lnTo>
-                  <a:pt x="7796394" y="0"/>
-                </a:lnTo>
-                <a:lnTo>
-                  <a:pt x="8376834" y="0"/>
-                </a:lnTo>
-                <a:lnTo>
-                  <a:pt x="9704938" y="0"/>
-                </a:lnTo>
-                <a:lnTo>
-                  <a:pt x="9704938" y="2"/>
-                </a:lnTo>
-                <a:lnTo>
-                  <a:pt x="10283456" y="2"/>
-                </a:lnTo>
-                <a:lnTo>
-                  <a:pt x="10863897" y="2"/>
-                </a:lnTo>
-                <a:lnTo>
-                  <a:pt x="12191999" y="2"/>
-                </a:lnTo>
-                <a:lnTo>
-                  <a:pt x="12191999" y="5166360"/>
-                </a:lnTo>
-                <a:lnTo>
-                  <a:pt x="0" y="5166360"/>
-                </a:lnTo>
-                <a:lnTo>
-                  <a:pt x="0" y="2604436"/>
-                </a:lnTo>
-                <a:lnTo>
-                  <a:pt x="862341" y="743371"/>
-                </a:lnTo>
-                <a:lnTo>
-                  <a:pt x="0" y="743371"/>
-                </a:lnTo>
-                <a:lnTo>
-                  <a:pt x="0" y="742508"/>
-                </a:lnTo>
-                <a:lnTo>
-                  <a:pt x="92826" y="742508"/>
-                </a:lnTo>
-                <a:lnTo>
-                  <a:pt x="406486" y="742508"/>
-                </a:lnTo>
-                <a:lnTo>
-                  <a:pt x="406486" y="742507"/>
-                </a:lnTo>
-                <a:lnTo>
-                  <a:pt x="862741" y="742507"/>
-                </a:lnTo>
-                <a:lnTo>
-                  <a:pt x="1206388" y="864"/>
-                </a:lnTo>
-                <a:lnTo>
-                  <a:pt x="748500" y="864"/>
-                </a:lnTo>
-                <a:lnTo>
-                  <a:pt x="0" y="864"/>
-                </a:lnTo>
-                <a:close/>
-              </a:path>
-            </a:pathLst>
-          </a:custGeom>
-          <a:solidFill>
-            <a:srgbClr val="A6A6A6">
-              <a:alpha val="49804"/>
-            </a:srgbClr>
-          </a:solidFill>
-          <a:ln>
-            <a:noFill/>
-          </a:ln>
-        </p:spPr>
-        <p:style>
-          <a:lnRef idx="2">
-            <a:schemeClr val="accent1">
-              <a:shade val="50000"/>
-            </a:schemeClr>
-          </a:lnRef>
-          <a:fillRef idx="1">
-            <a:schemeClr val="accent1"/>
-          </a:fillRef>
-          <a:effectRef idx="0">
-            <a:schemeClr val="accent1"/>
-          </a:effectRef>
-          <a:fontRef idx="minor">
-            <a:schemeClr val="lt1"/>
-          </a:fontRef>
-        </p:style>
-        <p:txBody>
-          <a:bodyPr wrap="square" rtlCol="0" anchor="ctr">
-            <a:noAutofit/>
-          </a:bodyPr>
-          <a:lstStyle/>
-          <a:p>
-            <a:pPr algn="ctr"/>
-            <a:endParaRPr lang="en-US"/>
-          </a:p>
-        </p:txBody>
-      </p:sp>
-      <p:sp>
-        <p:nvSpPr>
-          <p:cNvPr id="12" name="Freeform: Shape 11">
-            <a:extLst>
-              <a:ext uri="{FF2B5EF4-FFF2-40B4-BE49-F238E27FC236}">
-                <a16:creationId xmlns:a16="http://schemas.microsoft.com/office/drawing/2014/main" id="{479F5F2B-8B58-4140-AE6A-51F6C67B18D9}"/>
-              </a:ext>
-              <a:ext uri="{C183D7F6-B498-43B3-948B-1728B52AA6E4}">
-                <adec:decorative xmlns:adec="http://schemas.microsoft.com/office/drawing/2017/decorative" val="1"/>
-              </a:ext>
-            </a:extLst>
-          </p:cNvPr>
-          <p:cNvSpPr>
-            <a:spLocks noGrp="1" noRot="1" noChangeAspect="1" noMove="1" noResize="1" noEditPoints="1" noAdjustHandles="1" noChangeArrowheads="1" noChangeShapeType="1" noTextEdit="1"/>
-          </p:cNvSpPr>
-          <p:nvPr>
-            <p:extLst>
-              <p:ext uri="{386F3935-93C4-4BCD-93E2-E3B085C9AB24}">
-                <p16:designElem xmlns:p16="http://schemas.microsoft.com/office/powerpoint/2015/main" val="1"/>
-              </p:ext>
-            </p:extLst>
-          </p:nvPr>
-        </p:nvSpPr>
-        <p:spPr>
-          <a:xfrm>
-            <a:off x="0" y="1691641"/>
-            <a:ext cx="971654" cy="2096979"/>
-          </a:xfrm>
-          <a:custGeom>
-            <a:avLst/>
-            <a:gdLst>
-              <a:gd name="connsiteX0" fmla="*/ 0 w 971654"/>
-              <a:gd name="connsiteY0" fmla="*/ 0 h 2096979"/>
-              <a:gd name="connsiteX1" fmla="*/ 971654 w 971654"/>
-              <a:gd name="connsiteY1" fmla="*/ 0 h 2096979"/>
-              <a:gd name="connsiteX2" fmla="*/ 0 w 971654"/>
-              <a:gd name="connsiteY2" fmla="*/ 2096979 h 2096979"/>
-            </a:gdLst>
-            <a:ahLst/>
-            <a:cxnLst>
-              <a:cxn ang="0">
-                <a:pos x="connsiteX0" y="connsiteY0"/>
-              </a:cxn>
-              <a:cxn ang="0">
-                <a:pos x="connsiteX1" y="connsiteY1"/>
-              </a:cxn>
-              <a:cxn ang="0">
-                <a:pos x="connsiteX2" y="connsiteY2"/>
-              </a:cxn>
-            </a:cxnLst>
-            <a:rect l="l" t="t" r="r" b="b"/>
-            <a:pathLst>
-              <a:path w="971654" h="2096979">
-                <a:moveTo>
-                  <a:pt x="0" y="0"/>
-                </a:moveTo>
-                <a:lnTo>
-                  <a:pt x="971654" y="0"/>
-                </a:lnTo>
-                <a:lnTo>
-                  <a:pt x="0" y="2096979"/>
-                </a:lnTo>
-                <a:close/>
-              </a:path>
-            </a:pathLst>
-          </a:custGeom>
-          <a:solidFill>
-            <a:srgbClr val="404040"/>
-          </a:solidFill>
-          <a:ln>
-            <a:noFill/>
-          </a:ln>
-        </p:spPr>
-        <p:style>
-          <a:lnRef idx="2">
-            <a:schemeClr val="accent1">
-              <a:shade val="50000"/>
-            </a:schemeClr>
-          </a:lnRef>
-          <a:fillRef idx="1">
-            <a:schemeClr val="accent1"/>
-          </a:fillRef>
-          <a:effectRef idx="0">
-            <a:schemeClr val="accent1"/>
-          </a:effectRef>
-          <a:fontRef idx="minor">
-            <a:schemeClr val="lt1"/>
-          </a:fontRef>
-        </p:style>
-        <p:txBody>
-          <a:bodyPr wrap="square" rtlCol="0" anchor="ctr">
-            <a:noAutofit/>
-          </a:bodyPr>
-          <a:lstStyle/>
-          <a:p>
-            <a:pPr algn="ctr"/>
-            <a:endParaRPr lang="en-US"/>
-          </a:p>
-        </p:txBody>
-      </p:sp>
-      <p:sp>
-        <p:nvSpPr>
-          <p:cNvPr id="3" name="Content Placeholder 2">
-            <a:extLst>
-              <a:ext uri="{FF2B5EF4-FFF2-40B4-BE49-F238E27FC236}">
-                <a16:creationId xmlns:a16="http://schemas.microsoft.com/office/drawing/2014/main" id="{F0C9D29A-341E-4C3A-A78C-AF45FA53BE59}"/>
-              </a:ext>
-            </a:extLst>
-          </p:cNvPr>
-          <p:cNvSpPr>
-            <a:spLocks noGrp="1"/>
-          </p:cNvSpPr>
-          <p:nvPr>
-            <p:ph idx="1"/>
-          </p:nvPr>
-        </p:nvSpPr>
-        <p:spPr>
-          <a:xfrm>
-            <a:off x="1185332" y="1758633"/>
-            <a:ext cx="10481735" cy="1446213"/>
-          </a:xfrm>
-        </p:spPr>
-        <p:txBody>
-          <a:bodyPr anchor="t">
-            <a:normAutofit/>
-          </a:bodyPr>
-          <a:lstStyle/>
-          <a:p>
-            <a:pPr marL="0" indent="0">
-              <a:buNone/>
-            </a:pPr>
-            <a:r>
-              <a:rPr lang="en-US" sz="2400" dirty="0"/>
-              <a:t>Using similar methods, separate </a:t>
-            </a:r>
-            <a:r>
-              <a:rPr lang="en-US" sz="2400" dirty="0" err="1"/>
-              <a:t>dataframes</a:t>
-            </a:r>
-            <a:r>
-              <a:rPr lang="en-US" sz="2400" dirty="0"/>
-              <a:t> containing country population and geographic coordinates were created to generate the “Ultimate” </a:t>
-            </a:r>
-            <a:r>
-              <a:rPr lang="en-US" sz="2400" dirty="0" err="1"/>
-              <a:t>dataframe</a:t>
-            </a:r>
-            <a:r>
-              <a:rPr lang="en-US" sz="2400" dirty="0"/>
-              <a:t> containing all data needed to test hypothesis:</a:t>
-            </a:r>
-          </a:p>
-          <a:p>
-            <a:pPr marL="457200" lvl="1" indent="0">
-              <a:buNone/>
-            </a:pPr>
-            <a:endParaRPr lang="en-US" sz="2000" dirty="0"/>
-          </a:p>
-          <a:p>
-            <a:pPr lvl="1"/>
-            <a:endParaRPr lang="en-US" sz="2000" dirty="0"/>
-          </a:p>
-        </p:txBody>
-      </p:sp>
-      <p:sp>
-        <p:nvSpPr>
-          <p:cNvPr id="6" name="Title 5">
-            <a:extLst>
-              <a:ext uri="{FF2B5EF4-FFF2-40B4-BE49-F238E27FC236}">
-                <a16:creationId xmlns:a16="http://schemas.microsoft.com/office/drawing/2014/main" id="{B97CCBDA-A32D-4FBC-B42B-41782FFF9CD2}"/>
-              </a:ext>
-            </a:extLst>
-          </p:cNvPr>
-          <p:cNvSpPr>
-            <a:spLocks noGrp="1"/>
-          </p:cNvSpPr>
-          <p:nvPr>
-            <p:ph type="title"/>
-          </p:nvPr>
-        </p:nvSpPr>
-        <p:spPr>
-          <a:xfrm>
-            <a:off x="1531057" y="266562"/>
-            <a:ext cx="7680676" cy="1325563"/>
-          </a:xfrm>
-        </p:spPr>
-        <p:txBody>
-          <a:bodyPr>
-            <a:normAutofit fontScale="90000"/>
-          </a:bodyPr>
-          <a:lstStyle/>
-          <a:p>
-            <a:r>
-              <a:rPr lang="en-US" sz="3200" dirty="0"/>
-              <a:t>General Methods Part 1:Identify &amp; Obtain Current Country-specific COVID-19 Data for the Master (“Ultimate”) </a:t>
-            </a:r>
-            <a:r>
-              <a:rPr lang="en-US" sz="3200" dirty="0" err="1"/>
-              <a:t>Dataframe</a:t>
-            </a:r>
-            <a:r>
-              <a:rPr lang="en-US" sz="3200" dirty="0"/>
-              <a:t>)</a:t>
-            </a:r>
-          </a:p>
-        </p:txBody>
-      </p:sp>
-      <p:grpSp>
-        <p:nvGrpSpPr>
-          <p:cNvPr id="21" name="Group 20">
-            <a:extLst>
-              <a:ext uri="{FF2B5EF4-FFF2-40B4-BE49-F238E27FC236}">
-                <a16:creationId xmlns:a16="http://schemas.microsoft.com/office/drawing/2014/main" id="{1AC34932-8BB7-4E2E-B2F8-07E401547C8A}"/>
-              </a:ext>
-            </a:extLst>
-          </p:cNvPr>
-          <p:cNvGrpSpPr/>
-          <p:nvPr/>
-        </p:nvGrpSpPr>
-        <p:grpSpPr>
-          <a:xfrm>
-            <a:off x="711198" y="2827657"/>
-            <a:ext cx="11142134" cy="4030343"/>
-            <a:chOff x="711198" y="2827657"/>
-            <a:chExt cx="11142134" cy="4030343"/>
-          </a:xfrm>
-        </p:grpSpPr>
-        <p:pic>
-          <p:nvPicPr>
-            <p:cNvPr id="11" name="Picture 10">
-              <a:extLst>
-                <a:ext uri="{FF2B5EF4-FFF2-40B4-BE49-F238E27FC236}">
-                  <a16:creationId xmlns:a16="http://schemas.microsoft.com/office/drawing/2014/main" id="{09F10D76-A530-4FEB-94C2-4D7C1A1972CB}"/>
-                </a:ext>
-              </a:extLst>
-            </p:cNvPr>
-            <p:cNvPicPr>
-              <a:picLocks noChangeAspect="1"/>
-            </p:cNvPicPr>
-            <p:nvPr/>
-          </p:nvPicPr>
-          <p:blipFill rotWithShape="1">
-            <a:blip r:embed="rId2"/>
-            <a:srcRect r="-1" b="2974"/>
-            <a:stretch/>
-          </p:blipFill>
-          <p:spPr>
-            <a:xfrm>
-              <a:off x="711198" y="2827657"/>
-              <a:ext cx="11142134" cy="2972933"/>
-            </a:xfrm>
-            <a:prstGeom prst="rect">
-              <a:avLst/>
-            </a:prstGeom>
-          </p:spPr>
-        </p:pic>
-        <p:sp>
-          <p:nvSpPr>
-            <p:cNvPr id="9" name="Oval 8">
-              <a:extLst>
-                <a:ext uri="{FF2B5EF4-FFF2-40B4-BE49-F238E27FC236}">
-                  <a16:creationId xmlns:a16="http://schemas.microsoft.com/office/drawing/2014/main" id="{44D8ACC2-C8B0-494E-8894-F0747BF0EB51}"/>
-                </a:ext>
-              </a:extLst>
-            </p:cNvPr>
-            <p:cNvSpPr/>
-            <p:nvPr/>
-          </p:nvSpPr>
-          <p:spPr>
-            <a:xfrm>
-              <a:off x="9104488" y="3169850"/>
-              <a:ext cx="1377245" cy="905440"/>
-            </a:xfrm>
-            <a:prstGeom prst="ellipse">
-              <a:avLst/>
-            </a:prstGeom>
-            <a:noFill/>
-            <a:ln w="31750">
-              <a:solidFill>
-                <a:srgbClr val="FF0000"/>
-              </a:solidFill>
-            </a:ln>
-          </p:spPr>
-          <p:style>
-            <a:lnRef idx="2">
-              <a:schemeClr val="accent1">
-                <a:shade val="50000"/>
-              </a:schemeClr>
-            </a:lnRef>
-            <a:fillRef idx="1">
-              <a:schemeClr val="accent1"/>
-            </a:fillRef>
-            <a:effectRef idx="0">
-              <a:schemeClr val="accent1"/>
-            </a:effectRef>
-            <a:fontRef idx="minor">
-              <a:schemeClr val="lt1"/>
-            </a:fontRef>
-          </p:style>
-          <p:txBody>
-            <a:bodyPr rtlCol="0" anchor="ctr"/>
-            <a:lstStyle/>
-            <a:p>
-              <a:pPr algn="ctr"/>
-              <a:endParaRPr lang="en-US"/>
-            </a:p>
-          </p:txBody>
-        </p:sp>
-        <p:cxnSp>
-          <p:nvCxnSpPr>
-            <p:cNvPr id="14" name="Straight Arrow Connector 13">
-              <a:extLst>
-                <a:ext uri="{FF2B5EF4-FFF2-40B4-BE49-F238E27FC236}">
-                  <a16:creationId xmlns:a16="http://schemas.microsoft.com/office/drawing/2014/main" id="{279AF249-B0DE-4501-AAE1-0ACF24E5CB42}"/>
-                </a:ext>
-              </a:extLst>
-            </p:cNvPr>
-            <p:cNvCxnSpPr>
-              <a:cxnSpLocks/>
-              <a:stCxn id="15" idx="4"/>
-            </p:cNvCxnSpPr>
-            <p:nvPr/>
-          </p:nvCxnSpPr>
-          <p:spPr>
-            <a:xfrm flipV="1">
-              <a:off x="5667665" y="4075290"/>
-              <a:ext cx="3792424" cy="2067677"/>
-            </a:xfrm>
-            <a:prstGeom prst="straightConnector1">
-              <a:avLst/>
-            </a:prstGeom>
-            <a:ln w="28575">
-              <a:tailEnd type="triangle"/>
-            </a:ln>
-          </p:spPr>
-          <p:style>
-            <a:lnRef idx="1">
-              <a:schemeClr val="accent1"/>
-            </a:lnRef>
-            <a:fillRef idx="0">
-              <a:schemeClr val="accent1"/>
-            </a:fillRef>
-            <a:effectRef idx="0">
-              <a:schemeClr val="accent1"/>
-            </a:effectRef>
-            <a:fontRef idx="minor">
-              <a:schemeClr val="tx1"/>
-            </a:fontRef>
-          </p:style>
-        </p:cxnSp>
-        <p:sp>
-          <p:nvSpPr>
-            <p:cNvPr id="15" name="Speech Bubble: Rectangle with Corners Rounded 14">
-              <a:extLst>
-                <a:ext uri="{FF2B5EF4-FFF2-40B4-BE49-F238E27FC236}">
-                  <a16:creationId xmlns:a16="http://schemas.microsoft.com/office/drawing/2014/main" id="{473BF2F2-75A4-4023-8A1A-27007F4345C2}"/>
-                </a:ext>
-              </a:extLst>
-            </p:cNvPr>
-            <p:cNvSpPr/>
-            <p:nvPr/>
-          </p:nvSpPr>
-          <p:spPr>
-            <a:xfrm>
-              <a:off x="1580444" y="5678311"/>
-              <a:ext cx="3183467" cy="1179689"/>
-            </a:xfrm>
-            <a:prstGeom prst="wedgeRoundRectCallout">
-              <a:avLst>
-                <a:gd name="adj1" fmla="val 78389"/>
-                <a:gd name="adj2" fmla="val -10612"/>
-                <a:gd name="adj3" fmla="val 16667"/>
-              </a:avLst>
-            </a:prstGeom>
-            <a:solidFill>
-              <a:schemeClr val="bg1"/>
-            </a:solidFill>
-          </p:spPr>
-          <p:style>
-            <a:lnRef idx="2">
-              <a:schemeClr val="accent1">
-                <a:shade val="50000"/>
-              </a:schemeClr>
-            </a:lnRef>
-            <a:fillRef idx="1">
-              <a:schemeClr val="accent1"/>
-            </a:fillRef>
-            <a:effectRef idx="0">
-              <a:schemeClr val="accent1"/>
-            </a:effectRef>
-            <a:fontRef idx="minor">
-              <a:schemeClr val="lt1"/>
-            </a:fontRef>
-          </p:style>
-          <p:txBody>
-            <a:bodyPr rtlCol="0" anchor="ctr"/>
-            <a:lstStyle/>
-            <a:p>
-              <a:pPr algn="ctr"/>
-              <a:r>
-                <a:rPr lang="en-US" b="1" i="1" dirty="0">
-                  <a:solidFill>
-                    <a:schemeClr val="tx1"/>
-                  </a:solidFill>
-                </a:rPr>
-                <a:t>“Infection Rate” </a:t>
-              </a:r>
-              <a:r>
-                <a:rPr lang="en-US" i="1" dirty="0">
-                  <a:solidFill>
-                    <a:schemeClr val="tx1"/>
-                  </a:solidFill>
-                </a:rPr>
-                <a:t>is a calculated field: (total population / #confirmed for month) *100</a:t>
-              </a:r>
-            </a:p>
-          </p:txBody>
-        </p:sp>
-      </p:grpSp>
-      <p:pic>
-        <p:nvPicPr>
-          <p:cNvPr id="23" name="Picture 22">
-            <a:extLst>
-              <a:ext uri="{FF2B5EF4-FFF2-40B4-BE49-F238E27FC236}">
-                <a16:creationId xmlns:a16="http://schemas.microsoft.com/office/drawing/2014/main" id="{3E9D15D3-13B4-4751-9802-59AE82E11B0D}"/>
-              </a:ext>
-            </a:extLst>
-          </p:cNvPr>
-          <p:cNvPicPr>
-            <a:picLocks noChangeAspect="1"/>
-          </p:cNvPicPr>
-          <p:nvPr/>
-        </p:nvPicPr>
-        <p:blipFill>
-          <a:blip r:embed="rId3"/>
-          <a:stretch>
-            <a:fillRect/>
-          </a:stretch>
-        </p:blipFill>
-        <p:spPr>
-          <a:xfrm>
-            <a:off x="9400028" y="324747"/>
-            <a:ext cx="2163410" cy="1091509"/>
-          </a:xfrm>
-          <a:prstGeom prst="rect">
-            <a:avLst/>
-          </a:prstGeom>
-        </p:spPr>
-      </p:pic>
-    </p:spTree>
-    <p:extLst>
-      <p:ext uri="{BB962C8B-B14F-4D97-AF65-F5344CB8AC3E}">
-        <p14:creationId xmlns:p14="http://schemas.microsoft.com/office/powerpoint/2010/main" val="3088704315"/>
       </p:ext>
     </p:extLst>
   </p:cSld>
